--- a/TECNOLOGIAS PARA INTERNET II/SLIDES/TI-2_Aula_03.pptx
+++ b/TECNOLOGIAS PARA INTERNET II/SLIDES/TI-2_Aula_03.pptx
@@ -12044,10 +12044,9 @@
           <a:lstStyle/>
           <a:p>
             <a:r>
-              <a:rPr lang="pt-BR"/>
+              <a:rPr lang="pt-BR" dirty="0"/>
               <a:t>Tecnologias para Internet - II  -  Prof.  André L. Braga</a:t>
             </a:r>
-            <a:endParaRPr lang="pt-BR" dirty="0"/>
           </a:p>
         </p:txBody>
       </p:sp>
@@ -12644,7 +12643,21 @@
                 <a:latin typeface="Courier New" panose="02070309020205020404" pitchFamily="49" charset="0"/>
                 <a:cs typeface="Courier New" panose="02070309020205020404" pitchFamily="49" charset="0"/>
               </a:rPr>
-              <a:t>();</a:t>
+              <a:t>(); </a:t>
+            </a:r>
+            <a:r>
+              <a:rPr lang="en-US" sz="2800" dirty="0" err="1">
+                <a:latin typeface="Courier New" panose="02070309020205020404" pitchFamily="49" charset="0"/>
+                <a:cs typeface="Courier New" panose="02070309020205020404" pitchFamily="49" charset="0"/>
+              </a:rPr>
+              <a:t>Obs</a:t>
+            </a:r>
+            <a:r>
+              <a:rPr lang="en-US" sz="2800" dirty="0">
+                <a:latin typeface="Courier New" panose="02070309020205020404" pitchFamily="49" charset="0"/>
+                <a:cs typeface="Courier New" panose="02070309020205020404" pitchFamily="49" charset="0"/>
+              </a:rPr>
+              <a:t>: para inputs</a:t>
             </a:r>
             <a:endParaRPr lang="pt-BR" sz="1600" dirty="0"/>
           </a:p>
@@ -12852,7 +12865,7 @@
         <p:spPr>
           <a:xfrm>
             <a:off x="204787" y="1227663"/>
-            <a:ext cx="12215813" cy="5493812"/>
+            <a:ext cx="12215813" cy="5801588"/>
           </a:xfrm>
           <a:prstGeom prst="rect">
             <a:avLst/>
@@ -13400,8 +13413,13 @@
             </a:pPr>
             <a:r>
               <a:rPr lang="en-US" sz="2800" b="1" dirty="0"/>
-              <a:t>$this</a:t>
-            </a:r>
+              <a:t>$this </a:t>
+            </a:r>
+            <a:r>
+              <a:rPr lang="en-US" sz="2800" b="1"/>
+              <a:t>(obs.)</a:t>
+            </a:r>
+            <a:endParaRPr lang="en-US" sz="2800" b="1" dirty="0"/>
           </a:p>
           <a:p>
             <a:pPr marL="742950" lvl="1" indent="-285750">
@@ -13423,7 +13441,7 @@
                 <a:latin typeface="Courier New" panose="02070309020205020404" pitchFamily="49" charset="0"/>
                 <a:cs typeface="Courier New" panose="02070309020205020404" pitchFamily="49" charset="0"/>
               </a:rPr>
-              <a:t>($this</a:t>
+              <a:t>(this</a:t>
             </a:r>
             <a:r>
               <a:rPr lang="en-US" sz="2800" dirty="0">
@@ -13487,6 +13505,20 @@
               </a:rPr>
               <a:t>escopo</a:t>
             </a:r>
+            <a:endParaRPr lang="en-US" sz="2800" b="1" dirty="0">
+              <a:solidFill>
+                <a:srgbClr val="6600FF"/>
+              </a:solidFill>
+              <a:latin typeface="Courier New" panose="02070309020205020404" pitchFamily="49" charset="0"/>
+              <a:cs typeface="Courier New" panose="02070309020205020404" pitchFamily="49" charset="0"/>
+              <a:sym typeface="Wingdings" panose="05000000000000000000" pitchFamily="2" charset="2"/>
+            </a:endParaRPr>
+          </a:p>
+          <a:p>
+            <a:pPr marL="742950" lvl="1" indent="-285750">
+              <a:buFont typeface="Arial" panose="020B0604020202020204" pitchFamily="34" charset="0"/>
+              <a:buChar char="•"/>
+            </a:pPr>
             <a:endParaRPr lang="en-US" sz="2000" b="1" dirty="0"/>
           </a:p>
           <a:p>

--- a/TECNOLOGIAS PARA INTERNET II/SLIDES/TI-2_Aula_03.pptx
+++ b/TECNOLOGIAS PARA INTERNET II/SLIDES/TI-2_Aula_03.pptx
@@ -5,10 +5,10 @@
     <p:sldMasterId id="2147483725" r:id="rId1"/>
   </p:sldMasterIdLst>
   <p:notesMasterIdLst>
-    <p:notesMasterId r:id="rId29"/>
+    <p:notesMasterId r:id="rId35"/>
   </p:notesMasterIdLst>
   <p:handoutMasterIdLst>
-    <p:handoutMasterId r:id="rId30"/>
+    <p:handoutMasterId r:id="rId36"/>
   </p:handoutMasterIdLst>
   <p:sldIdLst>
     <p:sldId id="256" r:id="rId2"/>
@@ -17,27 +17,33 @@
     <p:sldId id="513" r:id="rId5"/>
     <p:sldId id="517" r:id="rId6"/>
     <p:sldId id="518" r:id="rId7"/>
-    <p:sldId id="514" r:id="rId8"/>
-    <p:sldId id="506" r:id="rId9"/>
-    <p:sldId id="505" r:id="rId10"/>
-    <p:sldId id="509" r:id="rId11"/>
-    <p:sldId id="511" r:id="rId12"/>
-    <p:sldId id="510" r:id="rId13"/>
-    <p:sldId id="512" r:id="rId14"/>
-    <p:sldId id="519" r:id="rId15"/>
-    <p:sldId id="520" r:id="rId16"/>
-    <p:sldId id="521" r:id="rId17"/>
-    <p:sldId id="522" r:id="rId18"/>
-    <p:sldId id="524" r:id="rId19"/>
-    <p:sldId id="523" r:id="rId20"/>
-    <p:sldId id="525" r:id="rId21"/>
-    <p:sldId id="527" r:id="rId22"/>
-    <p:sldId id="526" r:id="rId23"/>
-    <p:sldId id="528" r:id="rId24"/>
-    <p:sldId id="529" r:id="rId25"/>
-    <p:sldId id="530" r:id="rId26"/>
-    <p:sldId id="531" r:id="rId27"/>
-    <p:sldId id="533" r:id="rId28"/>
+    <p:sldId id="534" r:id="rId8"/>
+    <p:sldId id="535" r:id="rId9"/>
+    <p:sldId id="536" r:id="rId10"/>
+    <p:sldId id="537" r:id="rId11"/>
+    <p:sldId id="538" r:id="rId12"/>
+    <p:sldId id="539" r:id="rId13"/>
+    <p:sldId id="514" r:id="rId14"/>
+    <p:sldId id="506" r:id="rId15"/>
+    <p:sldId id="505" r:id="rId16"/>
+    <p:sldId id="509" r:id="rId17"/>
+    <p:sldId id="511" r:id="rId18"/>
+    <p:sldId id="510" r:id="rId19"/>
+    <p:sldId id="512" r:id="rId20"/>
+    <p:sldId id="519" r:id="rId21"/>
+    <p:sldId id="520" r:id="rId22"/>
+    <p:sldId id="521" r:id="rId23"/>
+    <p:sldId id="522" r:id="rId24"/>
+    <p:sldId id="524" r:id="rId25"/>
+    <p:sldId id="523" r:id="rId26"/>
+    <p:sldId id="525" r:id="rId27"/>
+    <p:sldId id="527" r:id="rId28"/>
+    <p:sldId id="526" r:id="rId29"/>
+    <p:sldId id="528" r:id="rId30"/>
+    <p:sldId id="529" r:id="rId31"/>
+    <p:sldId id="530" r:id="rId32"/>
+    <p:sldId id="531" r:id="rId33"/>
+    <p:sldId id="533" r:id="rId34"/>
   </p:sldIdLst>
   <p:sldSz cx="12192000" cy="6858000"/>
   <p:notesSz cx="9144000" cy="6858000"/>
@@ -238,7 +244,7 @@
           <a:p>
             <a:fld id="{0D6042A3-0B4D-4B7E-B5DF-C74B5157F851}" type="datetimeFigureOut">
               <a:rPr lang="pt-BR" smtClean="0"/>
-              <a:t>27/08/2018</a:t>
+              <a:t>08/03/2019</a:t>
             </a:fld>
             <a:endParaRPr lang="pt-BR"/>
           </a:p>
@@ -415,7 +421,7 @@
           <a:p>
             <a:fld id="{C8D94D05-F877-4447-A135-C5020AC71E43}" type="datetimeFigureOut">
               <a:rPr lang="pt-BR" smtClean="0"/>
-              <a:t>27/08/2018</a:t>
+              <a:t>08/03/2019</a:t>
             </a:fld>
             <a:endParaRPr lang="pt-BR"/>
           </a:p>
@@ -766,6 +772,339 @@
 </p:notes>
 </file>
 
+<file path=ppt/notesSlides/notesSlide10.xml><?xml version="1.0" encoding="utf-8"?>
+<p:notes xmlns:a="http://schemas.openxmlformats.org/drawingml/2006/main" xmlns:r="http://schemas.openxmlformats.org/officeDocument/2006/relationships" xmlns:p="http://schemas.openxmlformats.org/presentationml/2006/main">
+  <p:cSld>
+    <p:spTree>
+      <p:nvGrpSpPr>
+        <p:cNvPr id="1" name=""/>
+        <p:cNvGrpSpPr/>
+        <p:nvPr/>
+      </p:nvGrpSpPr>
+      <p:grpSpPr>
+        <a:xfrm>
+          <a:off x="0" y="0"/>
+          <a:ext cx="0" cy="0"/>
+          <a:chOff x="0" y="0"/>
+          <a:chExt cx="0" cy="0"/>
+        </a:xfrm>
+      </p:grpSpPr>
+      <p:sp>
+        <p:nvSpPr>
+          <p:cNvPr id="4" name="Rectangle 8">
+            <a:extLst>
+              <a:ext uri="{FF2B5EF4-FFF2-40B4-BE49-F238E27FC236}">
+                <a16:creationId xmlns:a16="http://schemas.microsoft.com/office/drawing/2014/main" id="{8042CB19-B3F1-4F4D-909A-647BD612000D}"/>
+              </a:ext>
+            </a:extLst>
+          </p:cNvPr>
+          <p:cNvSpPr>
+            <a:spLocks noGrp="1" noChangeArrowheads="1"/>
+          </p:cNvSpPr>
+          <p:nvPr>
+            <p:ph type="sldNum" sz="quarter" idx="5"/>
+          </p:nvPr>
+        </p:nvSpPr>
+        <p:spPr>
+          <a:ln/>
+        </p:spPr>
+        <p:txBody>
+          <a:bodyPr/>
+          <a:lstStyle/>
+          <a:p>
+            <a:fld id="{8D4C700F-416C-44D6-BABB-FF6CDEBD4D71}" type="slidenum">
+              <a:rPr lang="es-ES_tradnl" altLang="pt-BR"/>
+              <a:pPr/>
+              <a:t>11</a:t>
+            </a:fld>
+            <a:endParaRPr lang="es-ES_tradnl" altLang="pt-BR"/>
+          </a:p>
+        </p:txBody>
+      </p:sp>
+      <p:sp>
+        <p:nvSpPr>
+          <p:cNvPr id="305154" name="Rectangle 2">
+            <a:extLst>
+              <a:ext uri="{FF2B5EF4-FFF2-40B4-BE49-F238E27FC236}">
+                <a16:creationId xmlns:a16="http://schemas.microsoft.com/office/drawing/2014/main" id="{E64554E1-3676-40B2-B414-352F515B84FC}"/>
+              </a:ext>
+            </a:extLst>
+          </p:cNvPr>
+          <p:cNvSpPr>
+            <a:spLocks noGrp="1" noRot="1" noChangeAspect="1" noChangeArrowheads="1" noTextEdit="1"/>
+          </p:cNvSpPr>
+          <p:nvPr>
+            <p:ph type="sldImg"/>
+          </p:nvPr>
+        </p:nvSpPr>
+        <p:spPr>
+          <a:xfrm>
+            <a:off x="869950" y="762000"/>
+            <a:ext cx="5040313" cy="2836863"/>
+          </a:xfrm>
+          <a:ln/>
+        </p:spPr>
+      </p:sp>
+      <p:sp>
+        <p:nvSpPr>
+          <p:cNvPr id="305155" name="Rectangle 3">
+            <a:extLst>
+              <a:ext uri="{FF2B5EF4-FFF2-40B4-BE49-F238E27FC236}">
+                <a16:creationId xmlns:a16="http://schemas.microsoft.com/office/drawing/2014/main" id="{D4F5EC93-74A7-4292-969D-5D78DD9F82CD}"/>
+              </a:ext>
+            </a:extLst>
+          </p:cNvPr>
+          <p:cNvSpPr>
+            <a:spLocks noGrp="1" noChangeArrowheads="1"/>
+          </p:cNvSpPr>
+          <p:nvPr>
+            <p:ph type="body" idx="1"/>
+          </p:nvPr>
+        </p:nvSpPr>
+        <p:spPr/>
+        <p:txBody>
+          <a:bodyPr/>
+          <a:lstStyle/>
+          <a:p>
+            <a:endParaRPr lang="es-ES_tradnl" altLang="pt-BR"/>
+          </a:p>
+        </p:txBody>
+      </p:sp>
+    </p:spTree>
+    <p:extLst>
+      <p:ext uri="{BB962C8B-B14F-4D97-AF65-F5344CB8AC3E}">
+        <p14:creationId xmlns:p14="http://schemas.microsoft.com/office/powerpoint/2010/main" val="2461574653"/>
+      </p:ext>
+    </p:extLst>
+  </p:cSld>
+  <p:clrMapOvr>
+    <a:masterClrMapping/>
+  </p:clrMapOvr>
+</p:notes>
+</file>
+
+<file path=ppt/notesSlides/notesSlide11.xml><?xml version="1.0" encoding="utf-8"?>
+<p:notes xmlns:a="http://schemas.openxmlformats.org/drawingml/2006/main" xmlns:r="http://schemas.openxmlformats.org/officeDocument/2006/relationships" xmlns:p="http://schemas.openxmlformats.org/presentationml/2006/main">
+  <p:cSld>
+    <p:spTree>
+      <p:nvGrpSpPr>
+        <p:cNvPr id="1" name=""/>
+        <p:cNvGrpSpPr/>
+        <p:nvPr/>
+      </p:nvGrpSpPr>
+      <p:grpSpPr>
+        <a:xfrm>
+          <a:off x="0" y="0"/>
+          <a:ext cx="0" cy="0"/>
+          <a:chOff x="0" y="0"/>
+          <a:chExt cx="0" cy="0"/>
+        </a:xfrm>
+      </p:grpSpPr>
+      <p:sp>
+        <p:nvSpPr>
+          <p:cNvPr id="4" name="Rectangle 8">
+            <a:extLst>
+              <a:ext uri="{FF2B5EF4-FFF2-40B4-BE49-F238E27FC236}">
+                <a16:creationId xmlns:a16="http://schemas.microsoft.com/office/drawing/2014/main" id="{8042CB19-B3F1-4F4D-909A-647BD612000D}"/>
+              </a:ext>
+            </a:extLst>
+          </p:cNvPr>
+          <p:cNvSpPr>
+            <a:spLocks noGrp="1" noChangeArrowheads="1"/>
+          </p:cNvSpPr>
+          <p:nvPr>
+            <p:ph type="sldNum" sz="quarter" idx="5"/>
+          </p:nvPr>
+        </p:nvSpPr>
+        <p:spPr>
+          <a:ln/>
+        </p:spPr>
+        <p:txBody>
+          <a:bodyPr/>
+          <a:lstStyle/>
+          <a:p>
+            <a:fld id="{8D4C700F-416C-44D6-BABB-FF6CDEBD4D71}" type="slidenum">
+              <a:rPr lang="es-ES_tradnl" altLang="pt-BR"/>
+              <a:pPr/>
+              <a:t>12</a:t>
+            </a:fld>
+            <a:endParaRPr lang="es-ES_tradnl" altLang="pt-BR"/>
+          </a:p>
+        </p:txBody>
+      </p:sp>
+      <p:sp>
+        <p:nvSpPr>
+          <p:cNvPr id="305154" name="Rectangle 2">
+            <a:extLst>
+              <a:ext uri="{FF2B5EF4-FFF2-40B4-BE49-F238E27FC236}">
+                <a16:creationId xmlns:a16="http://schemas.microsoft.com/office/drawing/2014/main" id="{E64554E1-3676-40B2-B414-352F515B84FC}"/>
+              </a:ext>
+            </a:extLst>
+          </p:cNvPr>
+          <p:cNvSpPr>
+            <a:spLocks noGrp="1" noRot="1" noChangeAspect="1" noChangeArrowheads="1" noTextEdit="1"/>
+          </p:cNvSpPr>
+          <p:nvPr>
+            <p:ph type="sldImg"/>
+          </p:nvPr>
+        </p:nvSpPr>
+        <p:spPr>
+          <a:xfrm>
+            <a:off x="869950" y="762000"/>
+            <a:ext cx="5040313" cy="2836863"/>
+          </a:xfrm>
+          <a:ln/>
+        </p:spPr>
+      </p:sp>
+      <p:sp>
+        <p:nvSpPr>
+          <p:cNvPr id="305155" name="Rectangle 3">
+            <a:extLst>
+              <a:ext uri="{FF2B5EF4-FFF2-40B4-BE49-F238E27FC236}">
+                <a16:creationId xmlns:a16="http://schemas.microsoft.com/office/drawing/2014/main" id="{D4F5EC93-74A7-4292-969D-5D78DD9F82CD}"/>
+              </a:ext>
+            </a:extLst>
+          </p:cNvPr>
+          <p:cNvSpPr>
+            <a:spLocks noGrp="1" noChangeArrowheads="1"/>
+          </p:cNvSpPr>
+          <p:nvPr>
+            <p:ph type="body" idx="1"/>
+          </p:nvPr>
+        </p:nvSpPr>
+        <p:spPr/>
+        <p:txBody>
+          <a:bodyPr/>
+          <a:lstStyle/>
+          <a:p>
+            <a:endParaRPr lang="es-ES_tradnl" altLang="pt-BR"/>
+          </a:p>
+        </p:txBody>
+      </p:sp>
+    </p:spTree>
+    <p:extLst>
+      <p:ext uri="{BB962C8B-B14F-4D97-AF65-F5344CB8AC3E}">
+        <p14:creationId xmlns:p14="http://schemas.microsoft.com/office/powerpoint/2010/main" val="4177153629"/>
+      </p:ext>
+    </p:extLst>
+  </p:cSld>
+  <p:clrMapOvr>
+    <a:masterClrMapping/>
+  </p:clrMapOvr>
+</p:notes>
+</file>
+
+<file path=ppt/notesSlides/notesSlide12.xml><?xml version="1.0" encoding="utf-8"?>
+<p:notes xmlns:a="http://schemas.openxmlformats.org/drawingml/2006/main" xmlns:r="http://schemas.openxmlformats.org/officeDocument/2006/relationships" xmlns:p="http://schemas.openxmlformats.org/presentationml/2006/main">
+  <p:cSld>
+    <p:spTree>
+      <p:nvGrpSpPr>
+        <p:cNvPr id="1" name=""/>
+        <p:cNvGrpSpPr/>
+        <p:nvPr/>
+      </p:nvGrpSpPr>
+      <p:grpSpPr>
+        <a:xfrm>
+          <a:off x="0" y="0"/>
+          <a:ext cx="0" cy="0"/>
+          <a:chOff x="0" y="0"/>
+          <a:chExt cx="0" cy="0"/>
+        </a:xfrm>
+      </p:grpSpPr>
+      <p:sp>
+        <p:nvSpPr>
+          <p:cNvPr id="4" name="Rectangle 8">
+            <a:extLst>
+              <a:ext uri="{FF2B5EF4-FFF2-40B4-BE49-F238E27FC236}">
+                <a16:creationId xmlns:a16="http://schemas.microsoft.com/office/drawing/2014/main" id="{8042CB19-B3F1-4F4D-909A-647BD612000D}"/>
+              </a:ext>
+            </a:extLst>
+          </p:cNvPr>
+          <p:cNvSpPr>
+            <a:spLocks noGrp="1" noChangeArrowheads="1"/>
+          </p:cNvSpPr>
+          <p:nvPr>
+            <p:ph type="sldNum" sz="quarter" idx="5"/>
+          </p:nvPr>
+        </p:nvSpPr>
+        <p:spPr>
+          <a:ln/>
+        </p:spPr>
+        <p:txBody>
+          <a:bodyPr/>
+          <a:lstStyle/>
+          <a:p>
+            <a:fld id="{8D4C700F-416C-44D6-BABB-FF6CDEBD4D71}" type="slidenum">
+              <a:rPr lang="es-ES_tradnl" altLang="pt-BR"/>
+              <a:pPr/>
+              <a:t>13</a:t>
+            </a:fld>
+            <a:endParaRPr lang="es-ES_tradnl" altLang="pt-BR"/>
+          </a:p>
+        </p:txBody>
+      </p:sp>
+      <p:sp>
+        <p:nvSpPr>
+          <p:cNvPr id="305154" name="Rectangle 2">
+            <a:extLst>
+              <a:ext uri="{FF2B5EF4-FFF2-40B4-BE49-F238E27FC236}">
+                <a16:creationId xmlns:a16="http://schemas.microsoft.com/office/drawing/2014/main" id="{E64554E1-3676-40B2-B414-352F515B84FC}"/>
+              </a:ext>
+            </a:extLst>
+          </p:cNvPr>
+          <p:cNvSpPr>
+            <a:spLocks noGrp="1" noRot="1" noChangeAspect="1" noChangeArrowheads="1" noTextEdit="1"/>
+          </p:cNvSpPr>
+          <p:nvPr>
+            <p:ph type="sldImg"/>
+          </p:nvPr>
+        </p:nvSpPr>
+        <p:spPr>
+          <a:xfrm>
+            <a:off x="869950" y="762000"/>
+            <a:ext cx="5040313" cy="2836863"/>
+          </a:xfrm>
+          <a:ln/>
+        </p:spPr>
+      </p:sp>
+      <p:sp>
+        <p:nvSpPr>
+          <p:cNvPr id="305155" name="Rectangle 3">
+            <a:extLst>
+              <a:ext uri="{FF2B5EF4-FFF2-40B4-BE49-F238E27FC236}">
+                <a16:creationId xmlns:a16="http://schemas.microsoft.com/office/drawing/2014/main" id="{D4F5EC93-74A7-4292-969D-5D78DD9F82CD}"/>
+              </a:ext>
+            </a:extLst>
+          </p:cNvPr>
+          <p:cNvSpPr>
+            <a:spLocks noGrp="1" noChangeArrowheads="1"/>
+          </p:cNvSpPr>
+          <p:nvPr>
+            <p:ph type="body" idx="1"/>
+          </p:nvPr>
+        </p:nvSpPr>
+        <p:spPr/>
+        <p:txBody>
+          <a:bodyPr/>
+          <a:lstStyle/>
+          <a:p>
+            <a:endParaRPr lang="es-ES_tradnl" altLang="pt-BR"/>
+          </a:p>
+        </p:txBody>
+      </p:sp>
+    </p:spTree>
+    <p:extLst>
+      <p:ext uri="{BB962C8B-B14F-4D97-AF65-F5344CB8AC3E}">
+        <p14:creationId xmlns:p14="http://schemas.microsoft.com/office/powerpoint/2010/main" val="543252348"/>
+      </p:ext>
+    </p:extLst>
+  </p:cSld>
+  <p:clrMapOvr>
+    <a:masterClrMapping/>
+  </p:clrMapOvr>
+</p:notes>
+</file>
+
 <file path=ppt/notesSlides/notesSlide2.xml><?xml version="1.0" encoding="utf-8"?>
 <p:notes xmlns:a="http://schemas.openxmlformats.org/drawingml/2006/main" xmlns:r="http://schemas.openxmlformats.org/officeDocument/2006/relationships" xmlns:p="http://schemas.openxmlformats.org/presentationml/2006/main">
   <p:cSld>
@@ -1311,7 +1650,340 @@
     </p:spTree>
     <p:extLst>
       <p:ext uri="{BB962C8B-B14F-4D97-AF65-F5344CB8AC3E}">
-        <p14:creationId xmlns:p14="http://schemas.microsoft.com/office/powerpoint/2010/main" val="543252348"/>
+        <p14:creationId xmlns:p14="http://schemas.microsoft.com/office/powerpoint/2010/main" val="3445815659"/>
+      </p:ext>
+    </p:extLst>
+  </p:cSld>
+  <p:clrMapOvr>
+    <a:masterClrMapping/>
+  </p:clrMapOvr>
+</p:notes>
+</file>
+
+<file path=ppt/notesSlides/notesSlide7.xml><?xml version="1.0" encoding="utf-8"?>
+<p:notes xmlns:a="http://schemas.openxmlformats.org/drawingml/2006/main" xmlns:r="http://schemas.openxmlformats.org/officeDocument/2006/relationships" xmlns:p="http://schemas.openxmlformats.org/presentationml/2006/main">
+  <p:cSld>
+    <p:spTree>
+      <p:nvGrpSpPr>
+        <p:cNvPr id="1" name=""/>
+        <p:cNvGrpSpPr/>
+        <p:nvPr/>
+      </p:nvGrpSpPr>
+      <p:grpSpPr>
+        <a:xfrm>
+          <a:off x="0" y="0"/>
+          <a:ext cx="0" cy="0"/>
+          <a:chOff x="0" y="0"/>
+          <a:chExt cx="0" cy="0"/>
+        </a:xfrm>
+      </p:grpSpPr>
+      <p:sp>
+        <p:nvSpPr>
+          <p:cNvPr id="4" name="Rectangle 8">
+            <a:extLst>
+              <a:ext uri="{FF2B5EF4-FFF2-40B4-BE49-F238E27FC236}">
+                <a16:creationId xmlns:a16="http://schemas.microsoft.com/office/drawing/2014/main" id="{8042CB19-B3F1-4F4D-909A-647BD612000D}"/>
+              </a:ext>
+            </a:extLst>
+          </p:cNvPr>
+          <p:cNvSpPr>
+            <a:spLocks noGrp="1" noChangeArrowheads="1"/>
+          </p:cNvSpPr>
+          <p:nvPr>
+            <p:ph type="sldNum" sz="quarter" idx="5"/>
+          </p:nvPr>
+        </p:nvSpPr>
+        <p:spPr>
+          <a:ln/>
+        </p:spPr>
+        <p:txBody>
+          <a:bodyPr/>
+          <a:lstStyle/>
+          <a:p>
+            <a:fld id="{8D4C700F-416C-44D6-BABB-FF6CDEBD4D71}" type="slidenum">
+              <a:rPr lang="es-ES_tradnl" altLang="pt-BR"/>
+              <a:pPr/>
+              <a:t>8</a:t>
+            </a:fld>
+            <a:endParaRPr lang="es-ES_tradnl" altLang="pt-BR"/>
+          </a:p>
+        </p:txBody>
+      </p:sp>
+      <p:sp>
+        <p:nvSpPr>
+          <p:cNvPr id="305154" name="Rectangle 2">
+            <a:extLst>
+              <a:ext uri="{FF2B5EF4-FFF2-40B4-BE49-F238E27FC236}">
+                <a16:creationId xmlns:a16="http://schemas.microsoft.com/office/drawing/2014/main" id="{E64554E1-3676-40B2-B414-352F515B84FC}"/>
+              </a:ext>
+            </a:extLst>
+          </p:cNvPr>
+          <p:cNvSpPr>
+            <a:spLocks noGrp="1" noRot="1" noChangeAspect="1" noChangeArrowheads="1" noTextEdit="1"/>
+          </p:cNvSpPr>
+          <p:nvPr>
+            <p:ph type="sldImg"/>
+          </p:nvPr>
+        </p:nvSpPr>
+        <p:spPr>
+          <a:xfrm>
+            <a:off x="869950" y="762000"/>
+            <a:ext cx="5040313" cy="2836863"/>
+          </a:xfrm>
+          <a:ln/>
+        </p:spPr>
+      </p:sp>
+      <p:sp>
+        <p:nvSpPr>
+          <p:cNvPr id="305155" name="Rectangle 3">
+            <a:extLst>
+              <a:ext uri="{FF2B5EF4-FFF2-40B4-BE49-F238E27FC236}">
+                <a16:creationId xmlns:a16="http://schemas.microsoft.com/office/drawing/2014/main" id="{D4F5EC93-74A7-4292-969D-5D78DD9F82CD}"/>
+              </a:ext>
+            </a:extLst>
+          </p:cNvPr>
+          <p:cNvSpPr>
+            <a:spLocks noGrp="1" noChangeArrowheads="1"/>
+          </p:cNvSpPr>
+          <p:nvPr>
+            <p:ph type="body" idx="1"/>
+          </p:nvPr>
+        </p:nvSpPr>
+        <p:spPr/>
+        <p:txBody>
+          <a:bodyPr/>
+          <a:lstStyle/>
+          <a:p>
+            <a:endParaRPr lang="es-ES_tradnl" altLang="pt-BR"/>
+          </a:p>
+        </p:txBody>
+      </p:sp>
+    </p:spTree>
+    <p:extLst>
+      <p:ext uri="{BB962C8B-B14F-4D97-AF65-F5344CB8AC3E}">
+        <p14:creationId xmlns:p14="http://schemas.microsoft.com/office/powerpoint/2010/main" val="528014178"/>
+      </p:ext>
+    </p:extLst>
+  </p:cSld>
+  <p:clrMapOvr>
+    <a:masterClrMapping/>
+  </p:clrMapOvr>
+</p:notes>
+</file>
+
+<file path=ppt/notesSlides/notesSlide8.xml><?xml version="1.0" encoding="utf-8"?>
+<p:notes xmlns:a="http://schemas.openxmlformats.org/drawingml/2006/main" xmlns:r="http://schemas.openxmlformats.org/officeDocument/2006/relationships" xmlns:p="http://schemas.openxmlformats.org/presentationml/2006/main">
+  <p:cSld>
+    <p:spTree>
+      <p:nvGrpSpPr>
+        <p:cNvPr id="1" name=""/>
+        <p:cNvGrpSpPr/>
+        <p:nvPr/>
+      </p:nvGrpSpPr>
+      <p:grpSpPr>
+        <a:xfrm>
+          <a:off x="0" y="0"/>
+          <a:ext cx="0" cy="0"/>
+          <a:chOff x="0" y="0"/>
+          <a:chExt cx="0" cy="0"/>
+        </a:xfrm>
+      </p:grpSpPr>
+      <p:sp>
+        <p:nvSpPr>
+          <p:cNvPr id="4" name="Rectangle 8">
+            <a:extLst>
+              <a:ext uri="{FF2B5EF4-FFF2-40B4-BE49-F238E27FC236}">
+                <a16:creationId xmlns:a16="http://schemas.microsoft.com/office/drawing/2014/main" id="{8042CB19-B3F1-4F4D-909A-647BD612000D}"/>
+              </a:ext>
+            </a:extLst>
+          </p:cNvPr>
+          <p:cNvSpPr>
+            <a:spLocks noGrp="1" noChangeArrowheads="1"/>
+          </p:cNvSpPr>
+          <p:nvPr>
+            <p:ph type="sldNum" sz="quarter" idx="5"/>
+          </p:nvPr>
+        </p:nvSpPr>
+        <p:spPr>
+          <a:ln/>
+        </p:spPr>
+        <p:txBody>
+          <a:bodyPr/>
+          <a:lstStyle/>
+          <a:p>
+            <a:fld id="{8D4C700F-416C-44D6-BABB-FF6CDEBD4D71}" type="slidenum">
+              <a:rPr lang="es-ES_tradnl" altLang="pt-BR"/>
+              <a:pPr/>
+              <a:t>9</a:t>
+            </a:fld>
+            <a:endParaRPr lang="es-ES_tradnl" altLang="pt-BR"/>
+          </a:p>
+        </p:txBody>
+      </p:sp>
+      <p:sp>
+        <p:nvSpPr>
+          <p:cNvPr id="305154" name="Rectangle 2">
+            <a:extLst>
+              <a:ext uri="{FF2B5EF4-FFF2-40B4-BE49-F238E27FC236}">
+                <a16:creationId xmlns:a16="http://schemas.microsoft.com/office/drawing/2014/main" id="{E64554E1-3676-40B2-B414-352F515B84FC}"/>
+              </a:ext>
+            </a:extLst>
+          </p:cNvPr>
+          <p:cNvSpPr>
+            <a:spLocks noGrp="1" noRot="1" noChangeAspect="1" noChangeArrowheads="1" noTextEdit="1"/>
+          </p:cNvSpPr>
+          <p:nvPr>
+            <p:ph type="sldImg"/>
+          </p:nvPr>
+        </p:nvSpPr>
+        <p:spPr>
+          <a:xfrm>
+            <a:off x="869950" y="762000"/>
+            <a:ext cx="5040313" cy="2836863"/>
+          </a:xfrm>
+          <a:ln/>
+        </p:spPr>
+      </p:sp>
+      <p:sp>
+        <p:nvSpPr>
+          <p:cNvPr id="305155" name="Rectangle 3">
+            <a:extLst>
+              <a:ext uri="{FF2B5EF4-FFF2-40B4-BE49-F238E27FC236}">
+                <a16:creationId xmlns:a16="http://schemas.microsoft.com/office/drawing/2014/main" id="{D4F5EC93-74A7-4292-969D-5D78DD9F82CD}"/>
+              </a:ext>
+            </a:extLst>
+          </p:cNvPr>
+          <p:cNvSpPr>
+            <a:spLocks noGrp="1" noChangeArrowheads="1"/>
+          </p:cNvSpPr>
+          <p:nvPr>
+            <p:ph type="body" idx="1"/>
+          </p:nvPr>
+        </p:nvSpPr>
+        <p:spPr/>
+        <p:txBody>
+          <a:bodyPr/>
+          <a:lstStyle/>
+          <a:p>
+            <a:endParaRPr lang="es-ES_tradnl" altLang="pt-BR"/>
+          </a:p>
+        </p:txBody>
+      </p:sp>
+    </p:spTree>
+    <p:extLst>
+      <p:ext uri="{BB962C8B-B14F-4D97-AF65-F5344CB8AC3E}">
+        <p14:creationId xmlns:p14="http://schemas.microsoft.com/office/powerpoint/2010/main" val="2571109848"/>
+      </p:ext>
+    </p:extLst>
+  </p:cSld>
+  <p:clrMapOvr>
+    <a:masterClrMapping/>
+  </p:clrMapOvr>
+</p:notes>
+</file>
+
+<file path=ppt/notesSlides/notesSlide9.xml><?xml version="1.0" encoding="utf-8"?>
+<p:notes xmlns:a="http://schemas.openxmlformats.org/drawingml/2006/main" xmlns:r="http://schemas.openxmlformats.org/officeDocument/2006/relationships" xmlns:p="http://schemas.openxmlformats.org/presentationml/2006/main">
+  <p:cSld>
+    <p:spTree>
+      <p:nvGrpSpPr>
+        <p:cNvPr id="1" name=""/>
+        <p:cNvGrpSpPr/>
+        <p:nvPr/>
+      </p:nvGrpSpPr>
+      <p:grpSpPr>
+        <a:xfrm>
+          <a:off x="0" y="0"/>
+          <a:ext cx="0" cy="0"/>
+          <a:chOff x="0" y="0"/>
+          <a:chExt cx="0" cy="0"/>
+        </a:xfrm>
+      </p:grpSpPr>
+      <p:sp>
+        <p:nvSpPr>
+          <p:cNvPr id="4" name="Rectangle 8">
+            <a:extLst>
+              <a:ext uri="{FF2B5EF4-FFF2-40B4-BE49-F238E27FC236}">
+                <a16:creationId xmlns:a16="http://schemas.microsoft.com/office/drawing/2014/main" id="{8042CB19-B3F1-4F4D-909A-647BD612000D}"/>
+              </a:ext>
+            </a:extLst>
+          </p:cNvPr>
+          <p:cNvSpPr>
+            <a:spLocks noGrp="1" noChangeArrowheads="1"/>
+          </p:cNvSpPr>
+          <p:nvPr>
+            <p:ph type="sldNum" sz="quarter" idx="5"/>
+          </p:nvPr>
+        </p:nvSpPr>
+        <p:spPr>
+          <a:ln/>
+        </p:spPr>
+        <p:txBody>
+          <a:bodyPr/>
+          <a:lstStyle/>
+          <a:p>
+            <a:fld id="{8D4C700F-416C-44D6-BABB-FF6CDEBD4D71}" type="slidenum">
+              <a:rPr lang="es-ES_tradnl" altLang="pt-BR"/>
+              <a:pPr/>
+              <a:t>10</a:t>
+            </a:fld>
+            <a:endParaRPr lang="es-ES_tradnl" altLang="pt-BR"/>
+          </a:p>
+        </p:txBody>
+      </p:sp>
+      <p:sp>
+        <p:nvSpPr>
+          <p:cNvPr id="305154" name="Rectangle 2">
+            <a:extLst>
+              <a:ext uri="{FF2B5EF4-FFF2-40B4-BE49-F238E27FC236}">
+                <a16:creationId xmlns:a16="http://schemas.microsoft.com/office/drawing/2014/main" id="{E64554E1-3676-40B2-B414-352F515B84FC}"/>
+              </a:ext>
+            </a:extLst>
+          </p:cNvPr>
+          <p:cNvSpPr>
+            <a:spLocks noGrp="1" noRot="1" noChangeAspect="1" noChangeArrowheads="1" noTextEdit="1"/>
+          </p:cNvSpPr>
+          <p:nvPr>
+            <p:ph type="sldImg"/>
+          </p:nvPr>
+        </p:nvSpPr>
+        <p:spPr>
+          <a:xfrm>
+            <a:off x="869950" y="762000"/>
+            <a:ext cx="5040313" cy="2836863"/>
+          </a:xfrm>
+          <a:ln/>
+        </p:spPr>
+      </p:sp>
+      <p:sp>
+        <p:nvSpPr>
+          <p:cNvPr id="305155" name="Rectangle 3">
+            <a:extLst>
+              <a:ext uri="{FF2B5EF4-FFF2-40B4-BE49-F238E27FC236}">
+                <a16:creationId xmlns:a16="http://schemas.microsoft.com/office/drawing/2014/main" id="{D4F5EC93-74A7-4292-969D-5D78DD9F82CD}"/>
+              </a:ext>
+            </a:extLst>
+          </p:cNvPr>
+          <p:cNvSpPr>
+            <a:spLocks noGrp="1" noChangeArrowheads="1"/>
+          </p:cNvSpPr>
+          <p:nvPr>
+            <p:ph type="body" idx="1"/>
+          </p:nvPr>
+        </p:nvSpPr>
+        <p:spPr/>
+        <p:txBody>
+          <a:bodyPr/>
+          <a:lstStyle/>
+          <a:p>
+            <a:endParaRPr lang="es-ES_tradnl" altLang="pt-BR"/>
+          </a:p>
+        </p:txBody>
+      </p:sp>
+    </p:spTree>
+    <p:extLst>
+      <p:ext uri="{BB962C8B-B14F-4D97-AF65-F5344CB8AC3E}">
+        <p14:creationId xmlns:p14="http://schemas.microsoft.com/office/powerpoint/2010/main" val="2347825585"/>
       </p:ext>
     </p:extLst>
   </p:cSld>
@@ -4539,15 +5211,15 @@
       </p:grpSpPr>
       <p:sp>
         <p:nvSpPr>
-          <p:cNvPr id="9218" name="Rectangle 2">
-            <a:extLst>
-              <a:ext uri="{FF2B5EF4-FFF2-40B4-BE49-F238E27FC236}">
-                <a16:creationId xmlns:a16="http://schemas.microsoft.com/office/drawing/2014/main" id="{2C2A51A3-03C7-4D88-81F9-9B524045BD81}"/>
-              </a:ext>
-            </a:extLst>
-          </p:cNvPr>
-          <p:cNvSpPr>
-            <a:spLocks noGrp="1" noRot="1" noChangeArrowheads="1"/>
+          <p:cNvPr id="304130" name="Rectangle 2">
+            <a:extLst>
+              <a:ext uri="{FF2B5EF4-FFF2-40B4-BE49-F238E27FC236}">
+                <a16:creationId xmlns:a16="http://schemas.microsoft.com/office/drawing/2014/main" id="{7B505F29-54B3-4564-BF6A-A857020D55D5}"/>
+              </a:ext>
+            </a:extLst>
+          </p:cNvPr>
+          <p:cNvSpPr>
+            <a:spLocks noGrp="1" noChangeArrowheads="1"/>
           </p:cNvSpPr>
           <p:nvPr>
             <p:ph type="title"/>
@@ -4555,18 +5227,18 @@
         </p:nvSpPr>
         <p:spPr>
           <a:xfrm>
-            <a:off x="102442" y="136525"/>
-            <a:ext cx="10515600" cy="1325562"/>
+            <a:off x="838200" y="85103"/>
+            <a:ext cx="10515600" cy="1663798"/>
           </a:xfrm>
         </p:spPr>
         <p:txBody>
           <a:bodyPr>
-            <a:normAutofit/>
+            <a:normAutofit fontScale="90000"/>
           </a:bodyPr>
           <a:lstStyle/>
           <a:p>
             <a:r>
-              <a:rPr lang="en-US" sz="4000" b="1" i="1" dirty="0">
+              <a:rPr lang="en-US" b="1" i="1" dirty="0">
                 <a:solidFill>
                   <a:srgbClr val="6600FF"/>
                 </a:solidFill>
@@ -4581,34 +5253,53 @@
               <a:t>TECNOLOGIAS PARA INTERNET - II</a:t>
             </a:r>
             <a:br>
-              <a:rPr lang="en-US" sz="4000" dirty="0"/>
+              <a:rPr lang="en-US" dirty="0"/>
             </a:br>
             <a:r>
-              <a:rPr lang="en-US" sz="4000" dirty="0" err="1"/>
+              <a:rPr lang="en-US" dirty="0" err="1"/>
               <a:t>JQuery</a:t>
             </a:r>
             <a:r>
-              <a:rPr lang="en-US" sz="4000" dirty="0"/>
+              <a:rPr lang="en-US" dirty="0"/>
               <a:t> – </a:t>
             </a:r>
             <a:r>
-              <a:rPr lang="en-US" sz="4000" dirty="0" err="1"/>
-              <a:t>Instalação</a:t>
-            </a:r>
-            <a:r>
-              <a:rPr lang="en-US" sz="4000" dirty="0"/>
-              <a:t> – Hello World</a:t>
-            </a:r>
-            <a:endParaRPr lang="tr-TR" altLang="pt-BR" sz="4000" dirty="0"/>
-          </a:p>
-        </p:txBody>
-      </p:sp>
-      <p:sp>
-        <p:nvSpPr>
-          <p:cNvPr id="2" name="Espaço Reservado para Data 1">
-            <a:extLst>
-              <a:ext uri="{FF2B5EF4-FFF2-40B4-BE49-F238E27FC236}">
-                <a16:creationId xmlns:a16="http://schemas.microsoft.com/office/drawing/2014/main" id="{CA5D9241-6779-43DA-9738-602D9E2FDFC1}"/>
+              <a:rPr lang="en-US" dirty="0" err="1"/>
+              <a:t>Validação</a:t>
+            </a:r>
+            <a:r>
+              <a:rPr lang="en-US" dirty="0"/>
+              <a:t>  de </a:t>
+            </a:r>
+            <a:r>
+              <a:rPr lang="en-US" dirty="0" err="1"/>
+              <a:t>Elementos</a:t>
+            </a:r>
+            <a:r>
+              <a:rPr lang="en-US" dirty="0"/>
+              <a:t>  II</a:t>
+            </a:r>
+            <a:br>
+              <a:rPr lang="en-US" dirty="0"/>
+            </a:br>
+            <a:r>
+              <a:rPr lang="en-US" b="1" i="1" dirty="0" err="1"/>
+              <a:t>Estilos</a:t>
+            </a:r>
+            <a:r>
+              <a:rPr lang="en-US" b="1" i="1" dirty="0"/>
+              <a:t>:</a:t>
+            </a:r>
+            <a:endParaRPr lang="es-ES_tradnl" altLang="pt-BR" b="1" i="1" dirty="0"/>
+          </a:p>
+        </p:txBody>
+      </p:sp>
+      <p:sp>
+        <p:nvSpPr>
+          <p:cNvPr id="4" name="Espaço Reservado para Data 3">
+            <a:extLst>
+              <a:ext uri="{FF2B5EF4-FFF2-40B4-BE49-F238E27FC236}">
+                <a16:creationId xmlns:a16="http://schemas.microsoft.com/office/drawing/2014/main" id="{AA878FC1-C5B7-4669-95D3-2A90BF62AADD}"/>
               </a:ext>
             </a:extLst>
           </p:cNvPr>
@@ -4625,7 +5316,7 @@
           <a:lstStyle/>
           <a:p>
             <a:r>
-              <a:rPr lang="pt-BR"/>
+              <a:rPr lang="pt-BR" dirty="0"/>
               <a:t>30-jul-18</a:t>
             </a:r>
           </a:p>
@@ -4633,10 +5324,10 @@
       </p:sp>
       <p:sp>
         <p:nvSpPr>
-          <p:cNvPr id="3" name="Espaço Reservado para Rodapé 2">
-            <a:extLst>
-              <a:ext uri="{FF2B5EF4-FFF2-40B4-BE49-F238E27FC236}">
-                <a16:creationId xmlns:a16="http://schemas.microsoft.com/office/drawing/2014/main" id="{37AA3B48-AC65-4151-B1C9-DF3717B580F5}"/>
+          <p:cNvPr id="5" name="Espaço Reservado para Rodapé 4">
+            <a:extLst>
+              <a:ext uri="{FF2B5EF4-FFF2-40B4-BE49-F238E27FC236}">
+                <a16:creationId xmlns:a16="http://schemas.microsoft.com/office/drawing/2014/main" id="{6373A092-48F0-490B-B7FA-0A8BF66DF19D}"/>
               </a:ext>
             </a:extLst>
           </p:cNvPr>
@@ -4662,10 +5353,10 @@
       </p:sp>
       <p:sp>
         <p:nvSpPr>
-          <p:cNvPr id="4" name="Espaço Reservado para Número de Slide 3">
-            <a:extLst>
-              <a:ext uri="{FF2B5EF4-FFF2-40B4-BE49-F238E27FC236}">
-                <a16:creationId xmlns:a16="http://schemas.microsoft.com/office/drawing/2014/main" id="{9C55F005-6AC6-4A94-8953-F77E82F74A86}"/>
+          <p:cNvPr id="6" name="Espaço Reservado para Número de Slide 5">
+            <a:extLst>
+              <a:ext uri="{FF2B5EF4-FFF2-40B4-BE49-F238E27FC236}">
+                <a16:creationId xmlns:a16="http://schemas.microsoft.com/office/drawing/2014/main" id="{9E9B8146-1BA5-482E-A510-1C368A2D7C6F}"/>
               </a:ext>
             </a:extLst>
           </p:cNvPr>
@@ -4684,6 +5375,2932 @@
             <a:fld id="{733E8BE4-D61F-4D52-A9A4-24AB47FC0B80}" type="slidenum">
               <a:rPr lang="pt-BR" smtClean="0"/>
               <a:t>10</a:t>
+            </a:fld>
+            <a:endParaRPr lang="pt-BR"/>
+          </a:p>
+        </p:txBody>
+      </p:sp>
+      <p:sp>
+        <p:nvSpPr>
+          <p:cNvPr id="9" name="Retângulo 8">
+            <a:extLst>
+              <a:ext uri="{FF2B5EF4-FFF2-40B4-BE49-F238E27FC236}">
+                <a16:creationId xmlns:a16="http://schemas.microsoft.com/office/drawing/2014/main" id="{2366A8E9-A3D1-4BA4-A454-08A66B073726}"/>
+              </a:ext>
+            </a:extLst>
+          </p:cNvPr>
+          <p:cNvSpPr/>
+          <p:nvPr/>
+        </p:nvSpPr>
+        <p:spPr>
+          <a:xfrm>
+            <a:off x="309099" y="1748901"/>
+            <a:ext cx="12164027" cy="3724096"/>
+          </a:xfrm>
+          <a:prstGeom prst="rect">
+            <a:avLst/>
+          </a:prstGeom>
+        </p:spPr>
+        <p:txBody>
+          <a:bodyPr wrap="square">
+            <a:spAutoFit/>
+          </a:bodyPr>
+          <a:lstStyle/>
+          <a:p>
+            <a:pPr>
+              <a:lnSpc>
+                <a:spcPct val="150000"/>
+              </a:lnSpc>
+            </a:pPr>
+            <a:r>
+              <a:rPr lang="en-US" sz="3200" b="1" dirty="0">
+                <a:latin typeface="Arial" panose="020B0604020202020204" pitchFamily="34" charset="0"/>
+                <a:cs typeface="Arial" panose="020B0604020202020204" pitchFamily="34" charset="0"/>
+              </a:rPr>
+              <a:t>style.css</a:t>
+            </a:r>
+          </a:p>
+          <a:p>
+            <a:pPr>
+              <a:lnSpc>
+                <a:spcPct val="150000"/>
+              </a:lnSpc>
+            </a:pPr>
+            <a:r>
+              <a:rPr lang="en-US" sz="3200" b="1" dirty="0">
+                <a:latin typeface="Courier New" panose="02070309020205020404" pitchFamily="49" charset="0"/>
+                <a:cs typeface="Courier New" panose="02070309020205020404" pitchFamily="49" charset="0"/>
+              </a:rPr>
+              <a:t>.</a:t>
+            </a:r>
+            <a:r>
+              <a:rPr lang="en-US" sz="3200" b="1" dirty="0">
+                <a:solidFill>
+                  <a:srgbClr val="6600FF"/>
+                </a:solidFill>
+                <a:latin typeface="Courier New" panose="02070309020205020404" pitchFamily="49" charset="0"/>
+                <a:cs typeface="Courier New" panose="02070309020205020404" pitchFamily="49" charset="0"/>
+              </a:rPr>
+              <a:t>label</a:t>
+            </a:r>
+            <a:r>
+              <a:rPr lang="en-US" sz="3200" b="1" dirty="0">
+                <a:latin typeface="Courier New" panose="02070309020205020404" pitchFamily="49" charset="0"/>
+                <a:cs typeface="Courier New" panose="02070309020205020404" pitchFamily="49" charset="0"/>
+              </a:rPr>
+              <a:t> {float: left; width: 120px; }</a:t>
+            </a:r>
+          </a:p>
+          <a:p>
+            <a:pPr>
+              <a:lnSpc>
+                <a:spcPct val="150000"/>
+              </a:lnSpc>
+            </a:pPr>
+            <a:r>
+              <a:rPr lang="en-US" sz="3200" b="1" dirty="0">
+                <a:latin typeface="Courier New" panose="02070309020205020404" pitchFamily="49" charset="0"/>
+                <a:cs typeface="Courier New" panose="02070309020205020404" pitchFamily="49" charset="0"/>
+              </a:rPr>
+              <a:t>.</a:t>
+            </a:r>
+            <a:r>
+              <a:rPr lang="en-US" sz="3200" b="1" dirty="0" err="1">
+                <a:solidFill>
+                  <a:srgbClr val="6600FF"/>
+                </a:solidFill>
+                <a:latin typeface="Courier New" panose="02070309020205020404" pitchFamily="49" charset="0"/>
+                <a:cs typeface="Courier New" panose="02070309020205020404" pitchFamily="49" charset="0"/>
+              </a:rPr>
+              <a:t>infobox</a:t>
+            </a:r>
+            <a:r>
+              <a:rPr lang="en-US" sz="3200" b="1" dirty="0">
+                <a:latin typeface="Courier New" panose="02070309020205020404" pitchFamily="49" charset="0"/>
+                <a:cs typeface="Courier New" panose="02070309020205020404" pitchFamily="49" charset="0"/>
+              </a:rPr>
+              <a:t> {width: 200px; }</a:t>
+            </a:r>
+          </a:p>
+          <a:p>
+            <a:pPr>
+              <a:lnSpc>
+                <a:spcPct val="150000"/>
+              </a:lnSpc>
+            </a:pPr>
+            <a:r>
+              <a:rPr lang="en-US" sz="3200" b="1" dirty="0">
+                <a:latin typeface="Courier New" panose="02070309020205020404" pitchFamily="49" charset="0"/>
+                <a:cs typeface="Courier New" panose="02070309020205020404" pitchFamily="49" charset="0"/>
+              </a:rPr>
+              <a:t>.</a:t>
+            </a:r>
+            <a:r>
+              <a:rPr lang="en-US" sz="3200" b="1" dirty="0">
+                <a:solidFill>
+                  <a:srgbClr val="6600FF"/>
+                </a:solidFill>
+                <a:latin typeface="Courier New" panose="02070309020205020404" pitchFamily="49" charset="0"/>
+                <a:cs typeface="Courier New" panose="02070309020205020404" pitchFamily="49" charset="0"/>
+              </a:rPr>
+              <a:t>error</a:t>
+            </a:r>
+            <a:r>
+              <a:rPr lang="en-US" sz="3200" b="1" dirty="0">
+                <a:latin typeface="Courier New" panose="02070309020205020404" pitchFamily="49" charset="0"/>
+                <a:cs typeface="Courier New" panose="02070309020205020404" pitchFamily="49" charset="0"/>
+              </a:rPr>
+              <a:t> { color: red; padding-left: 10px; }</a:t>
+            </a:r>
+          </a:p>
+          <a:p>
+            <a:pPr>
+              <a:lnSpc>
+                <a:spcPct val="150000"/>
+              </a:lnSpc>
+            </a:pPr>
+            <a:r>
+              <a:rPr lang="en-US" sz="3200" b="1" dirty="0">
+                <a:latin typeface="Courier New" panose="02070309020205020404" pitchFamily="49" charset="0"/>
+                <a:cs typeface="Courier New" panose="02070309020205020404" pitchFamily="49" charset="0"/>
+              </a:rPr>
+              <a:t>.</a:t>
+            </a:r>
+            <a:r>
+              <a:rPr lang="en-US" sz="3200" b="1" dirty="0">
+                <a:solidFill>
+                  <a:srgbClr val="6600FF"/>
+                </a:solidFill>
+                <a:latin typeface="Courier New" panose="02070309020205020404" pitchFamily="49" charset="0"/>
+                <a:cs typeface="Courier New" panose="02070309020205020404" pitchFamily="49" charset="0"/>
+              </a:rPr>
+              <a:t>submit</a:t>
+            </a:r>
+            <a:r>
+              <a:rPr lang="en-US" sz="3200" b="1" dirty="0">
+                <a:latin typeface="Courier New" panose="02070309020205020404" pitchFamily="49" charset="0"/>
+                <a:cs typeface="Courier New" panose="02070309020205020404" pitchFamily="49" charset="0"/>
+              </a:rPr>
+              <a:t> { margin-left: 125px; margin-top: 10px;}</a:t>
+            </a:r>
+            <a:endParaRPr lang="en-US" sz="3600" dirty="0">
+              <a:latin typeface="Courier New" panose="02070309020205020404" pitchFamily="49" charset="0"/>
+              <a:cs typeface="Courier New" panose="02070309020205020404" pitchFamily="49" charset="0"/>
+            </a:endParaRPr>
+          </a:p>
+        </p:txBody>
+      </p:sp>
+    </p:spTree>
+    <p:extLst>
+      <p:ext uri="{BB962C8B-B14F-4D97-AF65-F5344CB8AC3E}">
+        <p14:creationId xmlns:p14="http://schemas.microsoft.com/office/powerpoint/2010/main" val="2371123106"/>
+      </p:ext>
+    </p:extLst>
+  </p:cSld>
+  <p:clrMapOvr>
+    <a:masterClrMapping/>
+  </p:clrMapOvr>
+  <p:transition spd="med">
+    <p:strips dir="rd"/>
+  </p:transition>
+</p:sld>
+</file>
+
+<file path=ppt/slides/slide11.xml><?xml version="1.0" encoding="utf-8"?>
+<p:sld xmlns:a="http://schemas.openxmlformats.org/drawingml/2006/main" xmlns:r="http://schemas.openxmlformats.org/officeDocument/2006/relationships" xmlns:p="http://schemas.openxmlformats.org/presentationml/2006/main">
+  <p:cSld>
+    <p:spTree>
+      <p:nvGrpSpPr>
+        <p:cNvPr id="1" name=""/>
+        <p:cNvGrpSpPr/>
+        <p:nvPr/>
+      </p:nvGrpSpPr>
+      <p:grpSpPr>
+        <a:xfrm>
+          <a:off x="0" y="0"/>
+          <a:ext cx="0" cy="0"/>
+          <a:chOff x="0" y="0"/>
+          <a:chExt cx="0" cy="0"/>
+        </a:xfrm>
+      </p:grpSpPr>
+      <p:sp>
+        <p:nvSpPr>
+          <p:cNvPr id="304130" name="Rectangle 2">
+            <a:extLst>
+              <a:ext uri="{FF2B5EF4-FFF2-40B4-BE49-F238E27FC236}">
+                <a16:creationId xmlns:a16="http://schemas.microsoft.com/office/drawing/2014/main" id="{7B505F29-54B3-4564-BF6A-A857020D55D5}"/>
+              </a:ext>
+            </a:extLst>
+          </p:cNvPr>
+          <p:cNvSpPr>
+            <a:spLocks noGrp="1" noChangeArrowheads="1"/>
+          </p:cNvSpPr>
+          <p:nvPr>
+            <p:ph type="title"/>
+          </p:nvPr>
+        </p:nvSpPr>
+        <p:spPr>
+          <a:xfrm>
+            <a:off x="731668" y="237269"/>
+            <a:ext cx="10515600" cy="1317569"/>
+          </a:xfrm>
+        </p:spPr>
+        <p:txBody>
+          <a:bodyPr>
+            <a:normAutofit fontScale="90000"/>
+          </a:bodyPr>
+          <a:lstStyle/>
+          <a:p>
+            <a:r>
+              <a:rPr lang="en-US" b="1" i="1" dirty="0">
+                <a:solidFill>
+                  <a:srgbClr val="6600FF"/>
+                </a:solidFill>
+                <a:effectLst>
+                  <a:outerShdw blurRad="38100" dist="38100" dir="2700000" algn="tl">
+                    <a:srgbClr val="000000">
+                      <a:alpha val="43137"/>
+                    </a:srgbClr>
+                  </a:outerShdw>
+                </a:effectLst>
+              </a:rPr>
+              <a:t>TECNOLOGIAS PARA INTERNET - II</a:t>
+            </a:r>
+            <a:br>
+              <a:rPr lang="en-US" dirty="0"/>
+            </a:br>
+            <a:r>
+              <a:rPr lang="en-US" dirty="0" err="1"/>
+              <a:t>JQuery</a:t>
+            </a:r>
+            <a:r>
+              <a:rPr lang="en-US" dirty="0"/>
+              <a:t> – </a:t>
+            </a:r>
+            <a:r>
+              <a:rPr lang="en-US" dirty="0" err="1"/>
+              <a:t>Validação</a:t>
+            </a:r>
+            <a:r>
+              <a:rPr lang="en-US" dirty="0"/>
+              <a:t>  de </a:t>
+            </a:r>
+            <a:r>
+              <a:rPr lang="en-US" dirty="0" err="1"/>
+              <a:t>Elementos</a:t>
+            </a:r>
+            <a:r>
+              <a:rPr lang="en-US" dirty="0"/>
+              <a:t>  III </a:t>
+            </a:r>
+            <a:br>
+              <a:rPr lang="en-US" dirty="0"/>
+            </a:br>
+            <a:r>
+              <a:rPr lang="en-US" b="1" i="1" dirty="0"/>
+              <a:t>Teste de Entrada </a:t>
+            </a:r>
+            <a:r>
+              <a:rPr lang="en-US" b="1" i="1" dirty="0" err="1"/>
+              <a:t>Vazia</a:t>
+            </a:r>
+            <a:endParaRPr lang="es-ES_tradnl" altLang="pt-BR" b="1" i="1" dirty="0"/>
+          </a:p>
+        </p:txBody>
+      </p:sp>
+      <p:sp>
+        <p:nvSpPr>
+          <p:cNvPr id="4" name="Espaço Reservado para Data 3">
+            <a:extLst>
+              <a:ext uri="{FF2B5EF4-FFF2-40B4-BE49-F238E27FC236}">
+                <a16:creationId xmlns:a16="http://schemas.microsoft.com/office/drawing/2014/main" id="{AA878FC1-C5B7-4669-95D3-2A90BF62AADD}"/>
+              </a:ext>
+            </a:extLst>
+          </p:cNvPr>
+          <p:cNvSpPr>
+            <a:spLocks noGrp="1"/>
+          </p:cNvSpPr>
+          <p:nvPr>
+            <p:ph type="dt" sz="half" idx="10"/>
+          </p:nvPr>
+        </p:nvSpPr>
+        <p:spPr/>
+        <p:txBody>
+          <a:bodyPr/>
+          <a:lstStyle/>
+          <a:p>
+            <a:r>
+              <a:rPr lang="pt-BR" dirty="0"/>
+              <a:t>30-jul-18</a:t>
+            </a:r>
+          </a:p>
+        </p:txBody>
+      </p:sp>
+      <p:sp>
+        <p:nvSpPr>
+          <p:cNvPr id="5" name="Espaço Reservado para Rodapé 4">
+            <a:extLst>
+              <a:ext uri="{FF2B5EF4-FFF2-40B4-BE49-F238E27FC236}">
+                <a16:creationId xmlns:a16="http://schemas.microsoft.com/office/drawing/2014/main" id="{6373A092-48F0-490B-B7FA-0A8BF66DF19D}"/>
+              </a:ext>
+            </a:extLst>
+          </p:cNvPr>
+          <p:cNvSpPr>
+            <a:spLocks noGrp="1"/>
+          </p:cNvSpPr>
+          <p:nvPr>
+            <p:ph type="ftr" sz="quarter" idx="11"/>
+          </p:nvPr>
+        </p:nvSpPr>
+        <p:spPr>
+          <a:xfrm>
+            <a:off x="4038600" y="6356350"/>
+            <a:ext cx="4114800" cy="365125"/>
+          </a:xfrm>
+        </p:spPr>
+        <p:txBody>
+          <a:bodyPr/>
+          <a:lstStyle/>
+          <a:p>
+            <a:r>
+              <a:rPr lang="pt-BR"/>
+              <a:t>Tecnologias para Internet - II  -  Prof.  André L. Braga</a:t>
+            </a:r>
+            <a:endParaRPr lang="pt-BR" dirty="0"/>
+          </a:p>
+        </p:txBody>
+      </p:sp>
+      <p:sp>
+        <p:nvSpPr>
+          <p:cNvPr id="6" name="Espaço Reservado para Número de Slide 5">
+            <a:extLst>
+              <a:ext uri="{FF2B5EF4-FFF2-40B4-BE49-F238E27FC236}">
+                <a16:creationId xmlns:a16="http://schemas.microsoft.com/office/drawing/2014/main" id="{9E9B8146-1BA5-482E-A510-1C368A2D7C6F}"/>
+              </a:ext>
+            </a:extLst>
+          </p:cNvPr>
+          <p:cNvSpPr>
+            <a:spLocks noGrp="1"/>
+          </p:cNvSpPr>
+          <p:nvPr>
+            <p:ph type="sldNum" sz="quarter" idx="12"/>
+          </p:nvPr>
+        </p:nvSpPr>
+        <p:spPr/>
+        <p:txBody>
+          <a:bodyPr/>
+          <a:lstStyle/>
+          <a:p>
+            <a:fld id="{733E8BE4-D61F-4D52-A9A4-24AB47FC0B80}" type="slidenum">
+              <a:rPr lang="pt-BR" smtClean="0"/>
+              <a:t>11</a:t>
+            </a:fld>
+            <a:endParaRPr lang="pt-BR"/>
+          </a:p>
+        </p:txBody>
+      </p:sp>
+      <p:sp>
+        <p:nvSpPr>
+          <p:cNvPr id="9" name="Retângulo 8">
+            <a:extLst>
+              <a:ext uri="{FF2B5EF4-FFF2-40B4-BE49-F238E27FC236}">
+                <a16:creationId xmlns:a16="http://schemas.microsoft.com/office/drawing/2014/main" id="{2366A8E9-A3D1-4BA4-A454-08A66B073726}"/>
+              </a:ext>
+            </a:extLst>
+          </p:cNvPr>
+          <p:cNvSpPr/>
+          <p:nvPr/>
+        </p:nvSpPr>
+        <p:spPr>
+          <a:xfrm>
+            <a:off x="1894643" y="1827828"/>
+            <a:ext cx="9802566" cy="4893647"/>
+          </a:xfrm>
+          <a:prstGeom prst="rect">
+            <a:avLst/>
+          </a:prstGeom>
+        </p:spPr>
+        <p:txBody>
+          <a:bodyPr wrap="square">
+            <a:spAutoFit/>
+          </a:bodyPr>
+          <a:lstStyle/>
+          <a:p>
+            <a:r>
+              <a:rPr lang="en-US" sz="2400" b="1" dirty="0">
+                <a:latin typeface="Courier New" panose="02070309020205020404" pitchFamily="49" charset="0"/>
+                <a:cs typeface="Courier New" panose="02070309020205020404" pitchFamily="49" charset="0"/>
+              </a:rPr>
+              <a:t>$(document).ready(function() {</a:t>
+            </a:r>
+          </a:p>
+          <a:p>
+            <a:r>
+              <a:rPr lang="en-US" sz="2400" b="1" dirty="0">
+                <a:latin typeface="Courier New" panose="02070309020205020404" pitchFamily="49" charset="0"/>
+                <a:cs typeface="Courier New" panose="02070309020205020404" pitchFamily="49" charset="0"/>
+              </a:rPr>
+              <a:t>	$('.</a:t>
+            </a:r>
+            <a:r>
+              <a:rPr lang="en-US" sz="2400" b="1" dirty="0">
+                <a:solidFill>
+                  <a:srgbClr val="6600FF"/>
+                </a:solidFill>
+                <a:latin typeface="Courier New" panose="02070309020205020404" pitchFamily="49" charset="0"/>
+                <a:cs typeface="Courier New" panose="02070309020205020404" pitchFamily="49" charset="0"/>
+              </a:rPr>
+              <a:t>error</a:t>
+            </a:r>
+            <a:r>
+              <a:rPr lang="en-US" sz="2400" b="1" dirty="0">
+                <a:latin typeface="Courier New" panose="02070309020205020404" pitchFamily="49" charset="0"/>
+                <a:cs typeface="Courier New" panose="02070309020205020404" pitchFamily="49" charset="0"/>
+              </a:rPr>
+              <a:t>').hide();</a:t>
+            </a:r>
+          </a:p>
+          <a:p>
+            <a:r>
+              <a:rPr lang="en-US" sz="2400" b="1" dirty="0">
+                <a:latin typeface="Courier New" panose="02070309020205020404" pitchFamily="49" charset="0"/>
+                <a:cs typeface="Courier New" panose="02070309020205020404" pitchFamily="49" charset="0"/>
+              </a:rPr>
+              <a:t>	$('.</a:t>
+            </a:r>
+            <a:r>
+              <a:rPr lang="en-US" sz="2400" b="1" dirty="0">
+                <a:solidFill>
+                  <a:srgbClr val="6600FF"/>
+                </a:solidFill>
+                <a:latin typeface="Courier New" panose="02070309020205020404" pitchFamily="49" charset="0"/>
+                <a:cs typeface="Courier New" panose="02070309020205020404" pitchFamily="49" charset="0"/>
+              </a:rPr>
+              <a:t>submit</a:t>
+            </a:r>
+            <a:r>
+              <a:rPr lang="en-US" sz="2400" b="1" dirty="0">
+                <a:latin typeface="Courier New" panose="02070309020205020404" pitchFamily="49" charset="0"/>
+                <a:cs typeface="Courier New" panose="02070309020205020404" pitchFamily="49" charset="0"/>
+              </a:rPr>
+              <a:t>').click(function(</a:t>
+            </a:r>
+            <a:r>
+              <a:rPr lang="en-US" sz="2400" i="1" dirty="0">
+                <a:latin typeface="Courier New" panose="02070309020205020404" pitchFamily="49" charset="0"/>
+                <a:cs typeface="Courier New" panose="02070309020205020404" pitchFamily="49" charset="0"/>
+              </a:rPr>
+              <a:t>evento</a:t>
+            </a:r>
+            <a:r>
+              <a:rPr lang="en-US" sz="2400" b="1" dirty="0">
+                <a:latin typeface="Courier New" panose="02070309020205020404" pitchFamily="49" charset="0"/>
+                <a:cs typeface="Courier New" panose="02070309020205020404" pitchFamily="49" charset="0"/>
+              </a:rPr>
+              <a:t>){</a:t>
+            </a:r>
+          </a:p>
+          <a:p>
+            <a:r>
+              <a:rPr lang="en-US" sz="2400" b="1" dirty="0">
+                <a:latin typeface="Courier New" panose="02070309020205020404" pitchFamily="49" charset="0"/>
+                <a:cs typeface="Courier New" panose="02070309020205020404" pitchFamily="49" charset="0"/>
+              </a:rPr>
+              <a:t>		var </a:t>
+            </a:r>
+            <a:r>
+              <a:rPr lang="en-US" sz="2400" i="1" dirty="0">
+                <a:latin typeface="Courier New" panose="02070309020205020404" pitchFamily="49" charset="0"/>
+                <a:cs typeface="Courier New" panose="02070309020205020404" pitchFamily="49" charset="0"/>
+              </a:rPr>
+              <a:t>dados</a:t>
+            </a:r>
+            <a:r>
+              <a:rPr lang="en-US" sz="2400" b="1" dirty="0">
+                <a:latin typeface="Courier New" panose="02070309020205020404" pitchFamily="49" charset="0"/>
+                <a:cs typeface="Courier New" panose="02070309020205020404" pitchFamily="49" charset="0"/>
+              </a:rPr>
+              <a:t>=$('.</a:t>
+            </a:r>
+            <a:r>
+              <a:rPr lang="en-US" sz="2400" b="1" dirty="0" err="1">
+                <a:solidFill>
+                  <a:srgbClr val="6600FF"/>
+                </a:solidFill>
+                <a:latin typeface="Courier New" panose="02070309020205020404" pitchFamily="49" charset="0"/>
+                <a:cs typeface="Courier New" panose="02070309020205020404" pitchFamily="49" charset="0"/>
+              </a:rPr>
+              <a:t>infobox</a:t>
+            </a:r>
+            <a:r>
+              <a:rPr lang="en-US" sz="2400" b="1" dirty="0">
+                <a:latin typeface="Courier New" panose="02070309020205020404" pitchFamily="49" charset="0"/>
+                <a:cs typeface="Courier New" panose="02070309020205020404" pitchFamily="49" charset="0"/>
+              </a:rPr>
+              <a:t>').</a:t>
+            </a:r>
+            <a:r>
+              <a:rPr lang="en-US" sz="2400" b="1" dirty="0" err="1">
+                <a:latin typeface="Courier New" panose="02070309020205020404" pitchFamily="49" charset="0"/>
+                <a:cs typeface="Courier New" panose="02070309020205020404" pitchFamily="49" charset="0"/>
+              </a:rPr>
+              <a:t>val</a:t>
+            </a:r>
+            <a:r>
+              <a:rPr lang="en-US" sz="2400" b="1" dirty="0">
+                <a:latin typeface="Courier New" panose="02070309020205020404" pitchFamily="49" charset="0"/>
+                <a:cs typeface="Courier New" panose="02070309020205020404" pitchFamily="49" charset="0"/>
+              </a:rPr>
+              <a:t>();</a:t>
+            </a:r>
+          </a:p>
+          <a:p>
+            <a:r>
+              <a:rPr lang="en-US" sz="2400" b="1" dirty="0">
+                <a:latin typeface="Courier New" panose="02070309020205020404" pitchFamily="49" charset="0"/>
+                <a:cs typeface="Courier New" panose="02070309020205020404" pitchFamily="49" charset="0"/>
+              </a:rPr>
+              <a:t>		var </a:t>
+            </a:r>
+            <a:r>
+              <a:rPr lang="en-US" sz="2400" i="1" dirty="0">
+                <a:latin typeface="Courier New" panose="02070309020205020404" pitchFamily="49" charset="0"/>
+                <a:cs typeface="Courier New" panose="02070309020205020404" pitchFamily="49" charset="0"/>
+              </a:rPr>
+              <a:t>tam </a:t>
+            </a:r>
+            <a:r>
+              <a:rPr lang="en-US" sz="2400" b="1" dirty="0">
+                <a:latin typeface="Courier New" panose="02070309020205020404" pitchFamily="49" charset="0"/>
+                <a:cs typeface="Courier New" panose="02070309020205020404" pitchFamily="49" charset="0"/>
+              </a:rPr>
+              <a:t>= </a:t>
+            </a:r>
+            <a:r>
+              <a:rPr lang="en-US" sz="2400" i="1" dirty="0" err="1">
+                <a:latin typeface="Courier New" panose="02070309020205020404" pitchFamily="49" charset="0"/>
+                <a:cs typeface="Courier New" panose="02070309020205020404" pitchFamily="49" charset="0"/>
+              </a:rPr>
+              <a:t>dados</a:t>
+            </a:r>
+            <a:r>
+              <a:rPr lang="en-US" sz="2400" b="1" dirty="0" err="1">
+                <a:latin typeface="Courier New" panose="02070309020205020404" pitchFamily="49" charset="0"/>
+                <a:cs typeface="Courier New" panose="02070309020205020404" pitchFamily="49" charset="0"/>
+              </a:rPr>
+              <a:t>.length</a:t>
+            </a:r>
+            <a:r>
+              <a:rPr lang="en-US" sz="2400" b="1" dirty="0">
+                <a:latin typeface="Courier New" panose="02070309020205020404" pitchFamily="49" charset="0"/>
+                <a:cs typeface="Courier New" panose="02070309020205020404" pitchFamily="49" charset="0"/>
+              </a:rPr>
+              <a:t>;</a:t>
+            </a:r>
+          </a:p>
+          <a:p>
+            <a:r>
+              <a:rPr lang="en-US" sz="2400" b="1" dirty="0">
+                <a:latin typeface="Courier New" panose="02070309020205020404" pitchFamily="49" charset="0"/>
+                <a:cs typeface="Courier New" panose="02070309020205020404" pitchFamily="49" charset="0"/>
+              </a:rPr>
+              <a:t>		if(</a:t>
+            </a:r>
+            <a:r>
+              <a:rPr lang="en-US" sz="2400" i="1" dirty="0">
+                <a:latin typeface="Courier New" panose="02070309020205020404" pitchFamily="49" charset="0"/>
+                <a:cs typeface="Courier New" panose="02070309020205020404" pitchFamily="49" charset="0"/>
+              </a:rPr>
+              <a:t>tam </a:t>
+            </a:r>
+            <a:r>
+              <a:rPr lang="en-US" sz="2400" b="1" dirty="0">
+                <a:latin typeface="Courier New" panose="02070309020205020404" pitchFamily="49" charset="0"/>
+                <a:cs typeface="Courier New" panose="02070309020205020404" pitchFamily="49" charset="0"/>
+              </a:rPr>
+              <a:t>&lt; 1){</a:t>
+            </a:r>
+          </a:p>
+          <a:p>
+            <a:r>
+              <a:rPr lang="en-US" sz="2400" b="1" dirty="0">
+                <a:latin typeface="Courier New" panose="02070309020205020404" pitchFamily="49" charset="0"/>
+                <a:cs typeface="Courier New" panose="02070309020205020404" pitchFamily="49" charset="0"/>
+              </a:rPr>
+              <a:t>		  $('.</a:t>
+            </a:r>
+            <a:r>
+              <a:rPr lang="en-US" sz="2400" b="1" dirty="0">
+                <a:solidFill>
+                  <a:srgbClr val="6600FF"/>
+                </a:solidFill>
+                <a:latin typeface="Courier New" panose="02070309020205020404" pitchFamily="49" charset="0"/>
+                <a:cs typeface="Courier New" panose="02070309020205020404" pitchFamily="49" charset="0"/>
+              </a:rPr>
+              <a:t>error</a:t>
+            </a:r>
+            <a:r>
+              <a:rPr lang="en-US" sz="2400" b="1" dirty="0">
+                <a:latin typeface="Courier New" panose="02070309020205020404" pitchFamily="49" charset="0"/>
+                <a:cs typeface="Courier New" panose="02070309020205020404" pitchFamily="49" charset="0"/>
+              </a:rPr>
+              <a:t>').show();</a:t>
+            </a:r>
+          </a:p>
+          <a:p>
+            <a:r>
+              <a:rPr lang="en-US" sz="2400" b="1" dirty="0">
+                <a:latin typeface="Courier New" panose="02070309020205020404" pitchFamily="49" charset="0"/>
+                <a:cs typeface="Courier New" panose="02070309020205020404" pitchFamily="49" charset="0"/>
+              </a:rPr>
+              <a:t>		  </a:t>
+            </a:r>
+            <a:r>
+              <a:rPr lang="en-US" sz="2400" i="1" dirty="0" err="1">
+                <a:latin typeface="Courier New" panose="02070309020205020404" pitchFamily="49" charset="0"/>
+                <a:cs typeface="Courier New" panose="02070309020205020404" pitchFamily="49" charset="0"/>
+              </a:rPr>
+              <a:t>evento</a:t>
+            </a:r>
+            <a:r>
+              <a:rPr lang="en-US" sz="2400" b="1" dirty="0" err="1">
+                <a:latin typeface="Courier New" panose="02070309020205020404" pitchFamily="49" charset="0"/>
+                <a:cs typeface="Courier New" panose="02070309020205020404" pitchFamily="49" charset="0"/>
+              </a:rPr>
+              <a:t>.preventDefault</a:t>
+            </a:r>
+            <a:r>
+              <a:rPr lang="en-US" sz="2400" b="1" dirty="0">
+                <a:latin typeface="Courier New" panose="02070309020205020404" pitchFamily="49" charset="0"/>
+                <a:cs typeface="Courier New" panose="02070309020205020404" pitchFamily="49" charset="0"/>
+              </a:rPr>
+              <a:t>();</a:t>
+            </a:r>
+          </a:p>
+          <a:p>
+            <a:r>
+              <a:rPr lang="en-US" sz="2400" b="1" dirty="0">
+                <a:latin typeface="Courier New" panose="02070309020205020404" pitchFamily="49" charset="0"/>
+                <a:cs typeface="Courier New" panose="02070309020205020404" pitchFamily="49" charset="0"/>
+              </a:rPr>
+              <a:t>        	} else {</a:t>
+            </a:r>
+          </a:p>
+          <a:p>
+            <a:r>
+              <a:rPr lang="en-US" sz="2400" b="1" dirty="0">
+                <a:latin typeface="Courier New" panose="02070309020205020404" pitchFamily="49" charset="0"/>
+                <a:cs typeface="Courier New" panose="02070309020205020404" pitchFamily="49" charset="0"/>
+              </a:rPr>
+              <a:t>		  $('.</a:t>
+            </a:r>
+            <a:r>
+              <a:rPr lang="en-US" sz="2400" b="1" dirty="0">
+                <a:solidFill>
+                  <a:srgbClr val="6600FF"/>
+                </a:solidFill>
+                <a:latin typeface="Courier New" panose="02070309020205020404" pitchFamily="49" charset="0"/>
+                <a:cs typeface="Courier New" panose="02070309020205020404" pitchFamily="49" charset="0"/>
+              </a:rPr>
+              <a:t>error</a:t>
+            </a:r>
+            <a:r>
+              <a:rPr lang="en-US" sz="2400" b="1" dirty="0">
+                <a:latin typeface="Courier New" panose="02070309020205020404" pitchFamily="49" charset="0"/>
+                <a:cs typeface="Courier New" panose="02070309020205020404" pitchFamily="49" charset="0"/>
+              </a:rPr>
+              <a:t>').hide();</a:t>
+            </a:r>
+          </a:p>
+          <a:p>
+            <a:r>
+              <a:rPr lang="en-US" sz="2400" b="1" dirty="0">
+                <a:latin typeface="Courier New" panose="02070309020205020404" pitchFamily="49" charset="0"/>
+                <a:cs typeface="Courier New" panose="02070309020205020404" pitchFamily="49" charset="0"/>
+              </a:rPr>
+              <a:t>		}</a:t>
+            </a:r>
+          </a:p>
+          <a:p>
+            <a:r>
+              <a:rPr lang="en-US" sz="2400" b="1" dirty="0">
+                <a:latin typeface="Courier New" panose="02070309020205020404" pitchFamily="49" charset="0"/>
+                <a:cs typeface="Courier New" panose="02070309020205020404" pitchFamily="49" charset="0"/>
+              </a:rPr>
+              <a:t>	});</a:t>
+            </a:r>
+          </a:p>
+          <a:p>
+            <a:r>
+              <a:rPr lang="en-US" sz="2400" b="1" dirty="0">
+                <a:latin typeface="Courier New" panose="02070309020205020404" pitchFamily="49" charset="0"/>
+                <a:cs typeface="Courier New" panose="02070309020205020404" pitchFamily="49" charset="0"/>
+              </a:rPr>
+              <a:t>});</a:t>
+            </a:r>
+            <a:endParaRPr lang="en-US" sz="5400" dirty="0">
+              <a:latin typeface="Courier New" panose="02070309020205020404" pitchFamily="49" charset="0"/>
+              <a:cs typeface="Courier New" panose="02070309020205020404" pitchFamily="49" charset="0"/>
+            </a:endParaRPr>
+          </a:p>
+        </p:txBody>
+      </p:sp>
+      <p:sp>
+        <p:nvSpPr>
+          <p:cNvPr id="2" name="Balão de Fala: Retângulo com Cantos Arredondados 1">
+            <a:extLst>
+              <a:ext uri="{FF2B5EF4-FFF2-40B4-BE49-F238E27FC236}">
+                <a16:creationId xmlns:a16="http://schemas.microsoft.com/office/drawing/2014/main" id="{EAFC528D-29EB-44E6-9EE3-76DFC57012CF}"/>
+              </a:ext>
+            </a:extLst>
+          </p:cNvPr>
+          <p:cNvSpPr/>
+          <p:nvPr/>
+        </p:nvSpPr>
+        <p:spPr>
+          <a:xfrm>
+            <a:off x="9468914" y="3337487"/>
+            <a:ext cx="2228295" cy="1509204"/>
+          </a:xfrm>
+          <a:prstGeom prst="wedgeRoundRectCallout">
+            <a:avLst>
+              <a:gd name="adj1" fmla="val -98921"/>
+              <a:gd name="adj2" fmla="val 31324"/>
+              <a:gd name="adj3" fmla="val 16667"/>
+            </a:avLst>
+          </a:prstGeom>
+        </p:spPr>
+        <p:style>
+          <a:lnRef idx="1">
+            <a:schemeClr val="accent4"/>
+          </a:lnRef>
+          <a:fillRef idx="2">
+            <a:schemeClr val="accent4"/>
+          </a:fillRef>
+          <a:effectRef idx="1">
+            <a:schemeClr val="accent4"/>
+          </a:effectRef>
+          <a:fontRef idx="minor">
+            <a:schemeClr val="dk1"/>
+          </a:fontRef>
+        </p:style>
+        <p:txBody>
+          <a:bodyPr rtlCol="0" anchor="ctr"/>
+          <a:lstStyle/>
+          <a:p>
+            <a:pPr algn="ctr"/>
+            <a:r>
+              <a:rPr lang="en-US" sz="2400" dirty="0"/>
+              <a:t>Evita que </a:t>
+            </a:r>
+            <a:r>
+              <a:rPr lang="en-US" sz="2400" dirty="0" err="1"/>
+              <a:t>os</a:t>
+            </a:r>
+            <a:r>
+              <a:rPr lang="en-US" sz="2400" dirty="0"/>
+              <a:t> dados </a:t>
+            </a:r>
+            <a:r>
+              <a:rPr lang="en-US" sz="2400" dirty="0" err="1"/>
+              <a:t>sejam</a:t>
+            </a:r>
+            <a:r>
+              <a:rPr lang="en-US" sz="2400" dirty="0"/>
+              <a:t> </a:t>
+            </a:r>
+            <a:r>
+              <a:rPr lang="en-US" sz="2400" dirty="0" err="1"/>
+              <a:t>enviados</a:t>
+            </a:r>
+            <a:r>
+              <a:rPr lang="en-US" sz="2400" dirty="0"/>
+              <a:t> </a:t>
+            </a:r>
+            <a:r>
+              <a:rPr lang="en-US" sz="2400" dirty="0" err="1"/>
+              <a:t>ao</a:t>
+            </a:r>
+            <a:r>
+              <a:rPr lang="en-US" sz="2400" dirty="0"/>
+              <a:t> </a:t>
+            </a:r>
+            <a:r>
+              <a:rPr lang="en-US" sz="2400" dirty="0" err="1"/>
+              <a:t>servidor</a:t>
+            </a:r>
+            <a:endParaRPr lang="pt-BR" sz="2400" dirty="0"/>
+          </a:p>
+        </p:txBody>
+      </p:sp>
+    </p:spTree>
+    <p:extLst>
+      <p:ext uri="{BB962C8B-B14F-4D97-AF65-F5344CB8AC3E}">
+        <p14:creationId xmlns:p14="http://schemas.microsoft.com/office/powerpoint/2010/main" val="4269063420"/>
+      </p:ext>
+    </p:extLst>
+  </p:cSld>
+  <p:clrMapOvr>
+    <a:masterClrMapping/>
+  </p:clrMapOvr>
+  <p:transition spd="med">
+    <p:strips dir="rd"/>
+  </p:transition>
+</p:sld>
+</file>
+
+<file path=ppt/slides/slide12.xml><?xml version="1.0" encoding="utf-8"?>
+<p:sld xmlns:a="http://schemas.openxmlformats.org/drawingml/2006/main" xmlns:r="http://schemas.openxmlformats.org/officeDocument/2006/relationships" xmlns:p="http://schemas.openxmlformats.org/presentationml/2006/main">
+  <p:cSld>
+    <p:spTree>
+      <p:nvGrpSpPr>
+        <p:cNvPr id="1" name=""/>
+        <p:cNvGrpSpPr/>
+        <p:nvPr/>
+      </p:nvGrpSpPr>
+      <p:grpSpPr>
+        <a:xfrm>
+          <a:off x="0" y="0"/>
+          <a:ext cx="0" cy="0"/>
+          <a:chOff x="0" y="0"/>
+          <a:chExt cx="0" cy="0"/>
+        </a:xfrm>
+      </p:grpSpPr>
+      <p:sp>
+        <p:nvSpPr>
+          <p:cNvPr id="304130" name="Rectangle 2">
+            <a:extLst>
+              <a:ext uri="{FF2B5EF4-FFF2-40B4-BE49-F238E27FC236}">
+                <a16:creationId xmlns:a16="http://schemas.microsoft.com/office/drawing/2014/main" id="{7B505F29-54B3-4564-BF6A-A857020D55D5}"/>
+              </a:ext>
+            </a:extLst>
+          </p:cNvPr>
+          <p:cNvSpPr>
+            <a:spLocks noGrp="1" noChangeArrowheads="1"/>
+          </p:cNvSpPr>
+          <p:nvPr>
+            <p:ph type="title"/>
+          </p:nvPr>
+        </p:nvSpPr>
+        <p:spPr>
+          <a:xfrm>
+            <a:off x="731668" y="237269"/>
+            <a:ext cx="10515600" cy="1317569"/>
+          </a:xfrm>
+        </p:spPr>
+        <p:txBody>
+          <a:bodyPr>
+            <a:normAutofit fontScale="90000"/>
+          </a:bodyPr>
+          <a:lstStyle/>
+          <a:p>
+            <a:r>
+              <a:rPr lang="en-US" b="1" i="1" dirty="0">
+                <a:solidFill>
+                  <a:srgbClr val="6600FF"/>
+                </a:solidFill>
+                <a:effectLst>
+                  <a:outerShdw blurRad="38100" dist="38100" dir="2700000" algn="tl">
+                    <a:srgbClr val="000000">
+                      <a:alpha val="43137"/>
+                    </a:srgbClr>
+                  </a:outerShdw>
+                </a:effectLst>
+              </a:rPr>
+              <a:t>TECNOLOGIAS PARA INTERNET - II</a:t>
+            </a:r>
+            <a:br>
+              <a:rPr lang="en-US" dirty="0"/>
+            </a:br>
+            <a:r>
+              <a:rPr lang="en-US" dirty="0" err="1"/>
+              <a:t>JQuery</a:t>
+            </a:r>
+            <a:r>
+              <a:rPr lang="en-US" dirty="0"/>
+              <a:t> – </a:t>
+            </a:r>
+            <a:r>
+              <a:rPr lang="en-US" dirty="0" err="1"/>
+              <a:t>Validação</a:t>
+            </a:r>
+            <a:r>
+              <a:rPr lang="en-US" dirty="0"/>
+              <a:t>  de </a:t>
+            </a:r>
+            <a:r>
+              <a:rPr lang="en-US" dirty="0" err="1"/>
+              <a:t>Elementos</a:t>
+            </a:r>
+            <a:r>
+              <a:rPr lang="en-US" dirty="0"/>
+              <a:t>  IV</a:t>
+            </a:r>
+            <a:br>
+              <a:rPr lang="en-US" dirty="0"/>
+            </a:br>
+            <a:r>
+              <a:rPr lang="en-US" b="1" i="1" dirty="0" err="1"/>
+              <a:t>Validação</a:t>
+            </a:r>
+            <a:r>
+              <a:rPr lang="en-US" b="1" i="1" dirty="0"/>
+              <a:t> Geral</a:t>
+            </a:r>
+            <a:endParaRPr lang="es-ES_tradnl" altLang="pt-BR" b="1" i="1" dirty="0"/>
+          </a:p>
+        </p:txBody>
+      </p:sp>
+      <p:sp>
+        <p:nvSpPr>
+          <p:cNvPr id="4" name="Espaço Reservado para Data 3">
+            <a:extLst>
+              <a:ext uri="{FF2B5EF4-FFF2-40B4-BE49-F238E27FC236}">
+                <a16:creationId xmlns:a16="http://schemas.microsoft.com/office/drawing/2014/main" id="{AA878FC1-C5B7-4669-95D3-2A90BF62AADD}"/>
+              </a:ext>
+            </a:extLst>
+          </p:cNvPr>
+          <p:cNvSpPr>
+            <a:spLocks noGrp="1"/>
+          </p:cNvSpPr>
+          <p:nvPr>
+            <p:ph type="dt" sz="half" idx="10"/>
+          </p:nvPr>
+        </p:nvSpPr>
+        <p:spPr/>
+        <p:txBody>
+          <a:bodyPr/>
+          <a:lstStyle/>
+          <a:p>
+            <a:r>
+              <a:rPr lang="pt-BR" dirty="0"/>
+              <a:t>30-jul-18</a:t>
+            </a:r>
+          </a:p>
+        </p:txBody>
+      </p:sp>
+      <p:sp>
+        <p:nvSpPr>
+          <p:cNvPr id="5" name="Espaço Reservado para Rodapé 4">
+            <a:extLst>
+              <a:ext uri="{FF2B5EF4-FFF2-40B4-BE49-F238E27FC236}">
+                <a16:creationId xmlns:a16="http://schemas.microsoft.com/office/drawing/2014/main" id="{6373A092-48F0-490B-B7FA-0A8BF66DF19D}"/>
+              </a:ext>
+            </a:extLst>
+          </p:cNvPr>
+          <p:cNvSpPr>
+            <a:spLocks noGrp="1"/>
+          </p:cNvSpPr>
+          <p:nvPr>
+            <p:ph type="ftr" sz="quarter" idx="11"/>
+          </p:nvPr>
+        </p:nvSpPr>
+        <p:spPr>
+          <a:xfrm>
+            <a:off x="4038600" y="6356350"/>
+            <a:ext cx="4114800" cy="365125"/>
+          </a:xfrm>
+        </p:spPr>
+        <p:txBody>
+          <a:bodyPr/>
+          <a:lstStyle/>
+          <a:p>
+            <a:r>
+              <a:rPr lang="pt-BR"/>
+              <a:t>Tecnologias para Internet - II  -  Prof.  André L. Braga</a:t>
+            </a:r>
+            <a:endParaRPr lang="pt-BR" dirty="0"/>
+          </a:p>
+        </p:txBody>
+      </p:sp>
+      <p:sp>
+        <p:nvSpPr>
+          <p:cNvPr id="6" name="Espaço Reservado para Número de Slide 5">
+            <a:extLst>
+              <a:ext uri="{FF2B5EF4-FFF2-40B4-BE49-F238E27FC236}">
+                <a16:creationId xmlns:a16="http://schemas.microsoft.com/office/drawing/2014/main" id="{9E9B8146-1BA5-482E-A510-1C368A2D7C6F}"/>
+              </a:ext>
+            </a:extLst>
+          </p:cNvPr>
+          <p:cNvSpPr>
+            <a:spLocks noGrp="1"/>
+          </p:cNvSpPr>
+          <p:nvPr>
+            <p:ph type="sldNum" sz="quarter" idx="12"/>
+          </p:nvPr>
+        </p:nvSpPr>
+        <p:spPr/>
+        <p:txBody>
+          <a:bodyPr/>
+          <a:lstStyle/>
+          <a:p>
+            <a:fld id="{733E8BE4-D61F-4D52-A9A4-24AB47FC0B80}" type="slidenum">
+              <a:rPr lang="pt-BR" smtClean="0"/>
+              <a:t>12</a:t>
+            </a:fld>
+            <a:endParaRPr lang="pt-BR"/>
+          </a:p>
+        </p:txBody>
+      </p:sp>
+      <p:sp>
+        <p:nvSpPr>
+          <p:cNvPr id="9" name="Retângulo 8">
+            <a:extLst>
+              <a:ext uri="{FF2B5EF4-FFF2-40B4-BE49-F238E27FC236}">
+                <a16:creationId xmlns:a16="http://schemas.microsoft.com/office/drawing/2014/main" id="{2366A8E9-A3D1-4BA4-A454-08A66B073726}"/>
+              </a:ext>
+            </a:extLst>
+          </p:cNvPr>
+          <p:cNvSpPr/>
+          <p:nvPr/>
+        </p:nvSpPr>
+        <p:spPr>
+          <a:xfrm>
+            <a:off x="1558161" y="1733534"/>
+            <a:ext cx="9802566" cy="4893647"/>
+          </a:xfrm>
+          <a:prstGeom prst="rect">
+            <a:avLst/>
+          </a:prstGeom>
+        </p:spPr>
+        <p:txBody>
+          <a:bodyPr wrap="square">
+            <a:spAutoFit/>
+          </a:bodyPr>
+          <a:lstStyle/>
+          <a:p>
+            <a:r>
+              <a:rPr lang="en-US" sz="2400" b="1" dirty="0">
+                <a:latin typeface="Courier New" panose="02070309020205020404" pitchFamily="49" charset="0"/>
+                <a:cs typeface="Courier New" panose="02070309020205020404" pitchFamily="49" charset="0"/>
+              </a:rPr>
+              <a:t>$(document).ready(function() {</a:t>
+            </a:r>
+          </a:p>
+          <a:p>
+            <a:r>
+              <a:rPr lang="en-US" sz="2400" b="1" dirty="0">
+                <a:latin typeface="Courier New" panose="02070309020205020404" pitchFamily="49" charset="0"/>
+                <a:cs typeface="Courier New" panose="02070309020205020404" pitchFamily="49" charset="0"/>
+              </a:rPr>
+              <a:t>	$('.</a:t>
+            </a:r>
+            <a:r>
+              <a:rPr lang="en-US" sz="2400" b="1" dirty="0">
+                <a:solidFill>
+                  <a:srgbClr val="6600FF"/>
+                </a:solidFill>
+                <a:latin typeface="Courier New" panose="02070309020205020404" pitchFamily="49" charset="0"/>
+                <a:cs typeface="Courier New" panose="02070309020205020404" pitchFamily="49" charset="0"/>
+              </a:rPr>
+              <a:t>error</a:t>
+            </a:r>
+            <a:r>
+              <a:rPr lang="en-US" sz="2400" b="1" dirty="0">
+                <a:latin typeface="Courier New" panose="02070309020205020404" pitchFamily="49" charset="0"/>
+                <a:cs typeface="Courier New" panose="02070309020205020404" pitchFamily="49" charset="0"/>
+              </a:rPr>
+              <a:t>').hide();</a:t>
+            </a:r>
+          </a:p>
+          <a:p>
+            <a:r>
+              <a:rPr lang="en-US" sz="2400" b="1" dirty="0">
+                <a:latin typeface="Courier New" panose="02070309020205020404" pitchFamily="49" charset="0"/>
+                <a:cs typeface="Courier New" panose="02070309020205020404" pitchFamily="49" charset="0"/>
+              </a:rPr>
+              <a:t>	$('.</a:t>
+            </a:r>
+            <a:r>
+              <a:rPr lang="en-US" sz="2400" b="1" dirty="0">
+                <a:solidFill>
+                  <a:srgbClr val="6600FF"/>
+                </a:solidFill>
+                <a:latin typeface="Courier New" panose="02070309020205020404" pitchFamily="49" charset="0"/>
+                <a:cs typeface="Courier New" panose="02070309020205020404" pitchFamily="49" charset="0"/>
+              </a:rPr>
+              <a:t>submit</a:t>
+            </a:r>
+            <a:r>
+              <a:rPr lang="en-US" sz="2400" b="1" dirty="0">
+                <a:latin typeface="Courier New" panose="02070309020205020404" pitchFamily="49" charset="0"/>
+                <a:cs typeface="Courier New" panose="02070309020205020404" pitchFamily="49" charset="0"/>
+              </a:rPr>
+              <a:t>').click(function(</a:t>
+            </a:r>
+            <a:r>
+              <a:rPr lang="en-US" sz="2400" i="1" dirty="0">
+                <a:latin typeface="Courier New" panose="02070309020205020404" pitchFamily="49" charset="0"/>
+                <a:cs typeface="Courier New" panose="02070309020205020404" pitchFamily="49" charset="0"/>
+              </a:rPr>
+              <a:t>evento</a:t>
+            </a:r>
+            <a:r>
+              <a:rPr lang="en-US" sz="2400" b="1" dirty="0">
+                <a:latin typeface="Courier New" panose="02070309020205020404" pitchFamily="49" charset="0"/>
+                <a:cs typeface="Courier New" panose="02070309020205020404" pitchFamily="49" charset="0"/>
+              </a:rPr>
+              <a:t>){</a:t>
+            </a:r>
+          </a:p>
+          <a:p>
+            <a:r>
+              <a:rPr lang="en-US" sz="2400" b="1" dirty="0">
+                <a:latin typeface="Courier New" panose="02070309020205020404" pitchFamily="49" charset="0"/>
+                <a:cs typeface="Courier New" panose="02070309020205020404" pitchFamily="49" charset="0"/>
+              </a:rPr>
+              <a:t>		var </a:t>
+            </a:r>
+            <a:r>
+              <a:rPr lang="en-US" sz="2400" i="1" dirty="0">
+                <a:latin typeface="Courier New" panose="02070309020205020404" pitchFamily="49" charset="0"/>
+                <a:cs typeface="Courier New" panose="02070309020205020404" pitchFamily="49" charset="0"/>
+              </a:rPr>
+              <a:t>dados</a:t>
+            </a:r>
+            <a:r>
+              <a:rPr lang="en-US" sz="2400" b="1" dirty="0">
+                <a:latin typeface="Courier New" panose="02070309020205020404" pitchFamily="49" charset="0"/>
+                <a:cs typeface="Courier New" panose="02070309020205020404" pitchFamily="49" charset="0"/>
+              </a:rPr>
+              <a:t>=$('.</a:t>
+            </a:r>
+            <a:r>
+              <a:rPr lang="en-US" sz="2400" b="1" dirty="0" err="1">
+                <a:solidFill>
+                  <a:srgbClr val="6600FF"/>
+                </a:solidFill>
+                <a:latin typeface="Courier New" panose="02070309020205020404" pitchFamily="49" charset="0"/>
+                <a:cs typeface="Courier New" panose="02070309020205020404" pitchFamily="49" charset="0"/>
+              </a:rPr>
+              <a:t>infobox</a:t>
+            </a:r>
+            <a:r>
+              <a:rPr lang="en-US" sz="2400" b="1" dirty="0">
+                <a:latin typeface="Courier New" panose="02070309020205020404" pitchFamily="49" charset="0"/>
+                <a:cs typeface="Courier New" panose="02070309020205020404" pitchFamily="49" charset="0"/>
+              </a:rPr>
+              <a:t>').</a:t>
+            </a:r>
+            <a:r>
+              <a:rPr lang="en-US" sz="2400" b="1" dirty="0" err="1">
+                <a:latin typeface="Courier New" panose="02070309020205020404" pitchFamily="49" charset="0"/>
+                <a:cs typeface="Courier New" panose="02070309020205020404" pitchFamily="49" charset="0"/>
+              </a:rPr>
+              <a:t>val</a:t>
+            </a:r>
+            <a:r>
+              <a:rPr lang="en-US" sz="2400" b="1" dirty="0">
+                <a:latin typeface="Courier New" panose="02070309020205020404" pitchFamily="49" charset="0"/>
+                <a:cs typeface="Courier New" panose="02070309020205020404" pitchFamily="49" charset="0"/>
+              </a:rPr>
+              <a:t>();</a:t>
+            </a:r>
+          </a:p>
+          <a:p>
+            <a:r>
+              <a:rPr lang="en-US" sz="2400" b="1" dirty="0">
+                <a:latin typeface="Courier New" panose="02070309020205020404" pitchFamily="49" charset="0"/>
+                <a:cs typeface="Courier New" panose="02070309020205020404" pitchFamily="49" charset="0"/>
+              </a:rPr>
+              <a:t>          </a:t>
+            </a:r>
+            <a:r>
+              <a:rPr lang="en-US" sz="2400" i="1" dirty="0">
+                <a:latin typeface="Courier New" panose="02070309020205020404" pitchFamily="49" charset="0"/>
+                <a:cs typeface="Courier New" panose="02070309020205020404" pitchFamily="49" charset="0"/>
+              </a:rPr>
+              <a:t> &lt;</a:t>
+            </a:r>
+            <a:r>
+              <a:rPr lang="en-US" sz="2400" i="1" dirty="0" err="1">
+                <a:latin typeface="Courier New" panose="02070309020205020404" pitchFamily="49" charset="0"/>
+                <a:cs typeface="Courier New" panose="02070309020205020404" pitchFamily="49" charset="0"/>
+              </a:rPr>
+              <a:t>Processamento</a:t>
+            </a:r>
+            <a:r>
+              <a:rPr lang="en-US" sz="2400" i="1" dirty="0">
+                <a:latin typeface="Courier New" panose="02070309020205020404" pitchFamily="49" charset="0"/>
+                <a:cs typeface="Courier New" panose="02070309020205020404" pitchFamily="49" charset="0"/>
+              </a:rPr>
+              <a:t> necessário dos dados&gt; </a:t>
+            </a:r>
+          </a:p>
+          <a:p>
+            <a:r>
+              <a:rPr lang="en-US" sz="2400" b="1" dirty="0">
+                <a:latin typeface="Courier New" panose="02070309020205020404" pitchFamily="49" charset="0"/>
+                <a:cs typeface="Courier New" panose="02070309020205020404" pitchFamily="49" charset="0"/>
+              </a:rPr>
+              <a:t>		if(</a:t>
+            </a:r>
+            <a:r>
+              <a:rPr lang="en-US" sz="2400" i="1" dirty="0">
+                <a:latin typeface="Courier New" panose="02070309020205020404" pitchFamily="49" charset="0"/>
+                <a:cs typeface="Courier New" panose="02070309020205020404" pitchFamily="49" charset="0"/>
+              </a:rPr>
+              <a:t>&lt;Testes </a:t>
+            </a:r>
+            <a:r>
+              <a:rPr lang="en-US" sz="2400" i="1" dirty="0" err="1">
+                <a:latin typeface="Courier New" panose="02070309020205020404" pitchFamily="49" charset="0"/>
+                <a:cs typeface="Courier New" panose="02070309020205020404" pitchFamily="49" charset="0"/>
+              </a:rPr>
+              <a:t>necessários</a:t>
+            </a:r>
+            <a:r>
+              <a:rPr lang="en-US" sz="2400" b="1" dirty="0">
+                <a:latin typeface="Courier New" panose="02070309020205020404" pitchFamily="49" charset="0"/>
+                <a:cs typeface="Courier New" panose="02070309020205020404" pitchFamily="49" charset="0"/>
+              </a:rPr>
+              <a:t>){</a:t>
+            </a:r>
+          </a:p>
+          <a:p>
+            <a:r>
+              <a:rPr lang="en-US" sz="2400" b="1" dirty="0">
+                <a:latin typeface="Courier New" panose="02070309020205020404" pitchFamily="49" charset="0"/>
+                <a:cs typeface="Courier New" panose="02070309020205020404" pitchFamily="49" charset="0"/>
+              </a:rPr>
+              <a:t>		  $('.</a:t>
+            </a:r>
+            <a:r>
+              <a:rPr lang="en-US" sz="2400" b="1" dirty="0">
+                <a:solidFill>
+                  <a:srgbClr val="6600FF"/>
+                </a:solidFill>
+                <a:latin typeface="Courier New" panose="02070309020205020404" pitchFamily="49" charset="0"/>
+                <a:cs typeface="Courier New" panose="02070309020205020404" pitchFamily="49" charset="0"/>
+              </a:rPr>
+              <a:t>error</a:t>
+            </a:r>
+            <a:r>
+              <a:rPr lang="en-US" sz="2400" b="1" dirty="0">
+                <a:latin typeface="Courier New" panose="02070309020205020404" pitchFamily="49" charset="0"/>
+                <a:cs typeface="Courier New" panose="02070309020205020404" pitchFamily="49" charset="0"/>
+              </a:rPr>
+              <a:t>').show();</a:t>
+            </a:r>
+          </a:p>
+          <a:p>
+            <a:r>
+              <a:rPr lang="en-US" sz="2400" b="1" dirty="0">
+                <a:latin typeface="Courier New" panose="02070309020205020404" pitchFamily="49" charset="0"/>
+                <a:cs typeface="Courier New" panose="02070309020205020404" pitchFamily="49" charset="0"/>
+              </a:rPr>
+              <a:t>		  </a:t>
+            </a:r>
+            <a:r>
+              <a:rPr lang="en-US" sz="2400" i="1" dirty="0" err="1">
+                <a:latin typeface="Courier New" panose="02070309020205020404" pitchFamily="49" charset="0"/>
+                <a:cs typeface="Courier New" panose="02070309020205020404" pitchFamily="49" charset="0"/>
+              </a:rPr>
+              <a:t>evento</a:t>
+            </a:r>
+            <a:r>
+              <a:rPr lang="en-US" sz="2400" b="1" dirty="0" err="1">
+                <a:latin typeface="Courier New" panose="02070309020205020404" pitchFamily="49" charset="0"/>
+                <a:cs typeface="Courier New" panose="02070309020205020404" pitchFamily="49" charset="0"/>
+              </a:rPr>
+              <a:t>.preventDefault</a:t>
+            </a:r>
+            <a:r>
+              <a:rPr lang="en-US" sz="2400" b="1" dirty="0">
+                <a:latin typeface="Courier New" panose="02070309020205020404" pitchFamily="49" charset="0"/>
+                <a:cs typeface="Courier New" panose="02070309020205020404" pitchFamily="49" charset="0"/>
+              </a:rPr>
+              <a:t>();</a:t>
+            </a:r>
+          </a:p>
+          <a:p>
+            <a:r>
+              <a:rPr lang="en-US" sz="2400" b="1" dirty="0">
+                <a:latin typeface="Courier New" panose="02070309020205020404" pitchFamily="49" charset="0"/>
+                <a:cs typeface="Courier New" panose="02070309020205020404" pitchFamily="49" charset="0"/>
+              </a:rPr>
+              <a:t>        	} else {</a:t>
+            </a:r>
+          </a:p>
+          <a:p>
+            <a:r>
+              <a:rPr lang="en-US" sz="2400" b="1" dirty="0">
+                <a:latin typeface="Courier New" panose="02070309020205020404" pitchFamily="49" charset="0"/>
+                <a:cs typeface="Courier New" panose="02070309020205020404" pitchFamily="49" charset="0"/>
+              </a:rPr>
+              <a:t>		  $('.</a:t>
+            </a:r>
+            <a:r>
+              <a:rPr lang="en-US" sz="2400" b="1" dirty="0">
+                <a:solidFill>
+                  <a:srgbClr val="6600FF"/>
+                </a:solidFill>
+                <a:latin typeface="Courier New" panose="02070309020205020404" pitchFamily="49" charset="0"/>
+                <a:cs typeface="Courier New" panose="02070309020205020404" pitchFamily="49" charset="0"/>
+              </a:rPr>
+              <a:t>error</a:t>
+            </a:r>
+            <a:r>
+              <a:rPr lang="en-US" sz="2400" b="1" dirty="0">
+                <a:latin typeface="Courier New" panose="02070309020205020404" pitchFamily="49" charset="0"/>
+                <a:cs typeface="Courier New" panose="02070309020205020404" pitchFamily="49" charset="0"/>
+              </a:rPr>
+              <a:t>').hide();</a:t>
+            </a:r>
+          </a:p>
+          <a:p>
+            <a:r>
+              <a:rPr lang="en-US" sz="2400" b="1" dirty="0">
+                <a:latin typeface="Courier New" panose="02070309020205020404" pitchFamily="49" charset="0"/>
+                <a:cs typeface="Courier New" panose="02070309020205020404" pitchFamily="49" charset="0"/>
+              </a:rPr>
+              <a:t>		}</a:t>
+            </a:r>
+          </a:p>
+          <a:p>
+            <a:r>
+              <a:rPr lang="en-US" sz="2400" b="1" dirty="0">
+                <a:latin typeface="Courier New" panose="02070309020205020404" pitchFamily="49" charset="0"/>
+                <a:cs typeface="Courier New" panose="02070309020205020404" pitchFamily="49" charset="0"/>
+              </a:rPr>
+              <a:t>	});</a:t>
+            </a:r>
+          </a:p>
+          <a:p>
+            <a:r>
+              <a:rPr lang="en-US" sz="2400" b="1" dirty="0">
+                <a:latin typeface="Courier New" panose="02070309020205020404" pitchFamily="49" charset="0"/>
+                <a:cs typeface="Courier New" panose="02070309020205020404" pitchFamily="49" charset="0"/>
+              </a:rPr>
+              <a:t>});</a:t>
+            </a:r>
+            <a:endParaRPr lang="en-US" sz="5400" dirty="0">
+              <a:latin typeface="Courier New" panose="02070309020205020404" pitchFamily="49" charset="0"/>
+              <a:cs typeface="Courier New" panose="02070309020205020404" pitchFamily="49" charset="0"/>
+            </a:endParaRPr>
+          </a:p>
+        </p:txBody>
+      </p:sp>
+      <p:sp>
+        <p:nvSpPr>
+          <p:cNvPr id="2" name="Balão de Fala: Retângulo com Cantos Arredondados 1">
+            <a:extLst>
+              <a:ext uri="{FF2B5EF4-FFF2-40B4-BE49-F238E27FC236}">
+                <a16:creationId xmlns:a16="http://schemas.microsoft.com/office/drawing/2014/main" id="{EAFC528D-29EB-44E6-9EE3-76DFC57012CF}"/>
+              </a:ext>
+            </a:extLst>
+          </p:cNvPr>
+          <p:cNvSpPr/>
+          <p:nvPr/>
+        </p:nvSpPr>
+        <p:spPr>
+          <a:xfrm>
+            <a:off x="9656214" y="4003196"/>
+            <a:ext cx="2228295" cy="1509204"/>
+          </a:xfrm>
+          <a:prstGeom prst="wedgeRoundRectCallout">
+            <a:avLst>
+              <a:gd name="adj1" fmla="val -109280"/>
+              <a:gd name="adj2" fmla="val -14558"/>
+              <a:gd name="adj3" fmla="val 16667"/>
+            </a:avLst>
+          </a:prstGeom>
+        </p:spPr>
+        <p:style>
+          <a:lnRef idx="1">
+            <a:schemeClr val="accent4"/>
+          </a:lnRef>
+          <a:fillRef idx="2">
+            <a:schemeClr val="accent4"/>
+          </a:fillRef>
+          <a:effectRef idx="1">
+            <a:schemeClr val="accent4"/>
+          </a:effectRef>
+          <a:fontRef idx="minor">
+            <a:schemeClr val="dk1"/>
+          </a:fontRef>
+        </p:style>
+        <p:txBody>
+          <a:bodyPr rtlCol="0" anchor="ctr"/>
+          <a:lstStyle/>
+          <a:p>
+            <a:pPr algn="ctr"/>
+            <a:r>
+              <a:rPr lang="en-US" sz="2400" dirty="0"/>
+              <a:t>Evita que </a:t>
+            </a:r>
+            <a:r>
+              <a:rPr lang="en-US" sz="2400" dirty="0" err="1"/>
+              <a:t>os</a:t>
+            </a:r>
+            <a:r>
+              <a:rPr lang="en-US" sz="2400" dirty="0"/>
+              <a:t> dados </a:t>
+            </a:r>
+            <a:r>
+              <a:rPr lang="en-US" sz="2400" dirty="0" err="1"/>
+              <a:t>sejam</a:t>
+            </a:r>
+            <a:r>
+              <a:rPr lang="en-US" sz="2400" dirty="0"/>
+              <a:t> </a:t>
+            </a:r>
+            <a:r>
+              <a:rPr lang="en-US" sz="2400" dirty="0" err="1"/>
+              <a:t>enviados</a:t>
+            </a:r>
+            <a:r>
+              <a:rPr lang="en-US" sz="2400" dirty="0"/>
+              <a:t> </a:t>
+            </a:r>
+            <a:r>
+              <a:rPr lang="en-US" sz="2400" dirty="0" err="1"/>
+              <a:t>ao</a:t>
+            </a:r>
+            <a:r>
+              <a:rPr lang="en-US" sz="2400" dirty="0"/>
+              <a:t> </a:t>
+            </a:r>
+            <a:r>
+              <a:rPr lang="en-US" sz="2400" dirty="0" err="1"/>
+              <a:t>servidor</a:t>
+            </a:r>
+            <a:endParaRPr lang="pt-BR" sz="2400" dirty="0"/>
+          </a:p>
+        </p:txBody>
+      </p:sp>
+    </p:spTree>
+    <p:extLst>
+      <p:ext uri="{BB962C8B-B14F-4D97-AF65-F5344CB8AC3E}">
+        <p14:creationId xmlns:p14="http://schemas.microsoft.com/office/powerpoint/2010/main" val="4254784672"/>
+      </p:ext>
+    </p:extLst>
+  </p:cSld>
+  <p:clrMapOvr>
+    <a:masterClrMapping/>
+  </p:clrMapOvr>
+  <p:transition spd="med">
+    <p:strips dir="rd"/>
+  </p:transition>
+</p:sld>
+</file>
+
+<file path=ppt/slides/slide13.xml><?xml version="1.0" encoding="utf-8"?>
+<p:sld xmlns:a="http://schemas.openxmlformats.org/drawingml/2006/main" xmlns:r="http://schemas.openxmlformats.org/officeDocument/2006/relationships" xmlns:p="http://schemas.openxmlformats.org/presentationml/2006/main">
+  <p:cSld>
+    <p:spTree>
+      <p:nvGrpSpPr>
+        <p:cNvPr id="1" name=""/>
+        <p:cNvGrpSpPr/>
+        <p:nvPr/>
+      </p:nvGrpSpPr>
+      <p:grpSpPr>
+        <a:xfrm>
+          <a:off x="0" y="0"/>
+          <a:ext cx="0" cy="0"/>
+          <a:chOff x="0" y="0"/>
+          <a:chExt cx="0" cy="0"/>
+        </a:xfrm>
+      </p:grpSpPr>
+      <p:sp>
+        <p:nvSpPr>
+          <p:cNvPr id="304130" name="Rectangle 2">
+            <a:extLst>
+              <a:ext uri="{FF2B5EF4-FFF2-40B4-BE49-F238E27FC236}">
+                <a16:creationId xmlns:a16="http://schemas.microsoft.com/office/drawing/2014/main" id="{7B505F29-54B3-4564-BF6A-A857020D55D5}"/>
+              </a:ext>
+            </a:extLst>
+          </p:cNvPr>
+          <p:cNvSpPr>
+            <a:spLocks noGrp="1" noChangeArrowheads="1"/>
+          </p:cNvSpPr>
+          <p:nvPr>
+            <p:ph type="title"/>
+          </p:nvPr>
+        </p:nvSpPr>
+        <p:spPr>
+          <a:xfrm>
+            <a:off x="838200" y="85103"/>
+            <a:ext cx="10515600" cy="1325562"/>
+          </a:xfrm>
+        </p:spPr>
+        <p:txBody>
+          <a:bodyPr/>
+          <a:lstStyle/>
+          <a:p>
+            <a:r>
+              <a:rPr lang="en-US" b="1" i="1" dirty="0">
+                <a:solidFill>
+                  <a:srgbClr val="6600FF"/>
+                </a:solidFill>
+                <a:effectLst>
+                  <a:outerShdw blurRad="38100" dist="38100" dir="2700000" algn="tl">
+                    <a:srgbClr val="000000">
+                      <a:alpha val="43137"/>
+                    </a:srgbClr>
+                  </a:outerShdw>
+                </a:effectLst>
+              </a:rPr>
+              <a:t>TECNOLOGIAS PARA INTERNET - II</a:t>
+            </a:r>
+            <a:br>
+              <a:rPr lang="en-US" dirty="0"/>
+            </a:br>
+            <a:r>
+              <a:rPr lang="en-US" dirty="0" err="1"/>
+              <a:t>JQuery</a:t>
+            </a:r>
+            <a:r>
+              <a:rPr lang="en-US" dirty="0"/>
+              <a:t> - </a:t>
+            </a:r>
+            <a:r>
+              <a:rPr lang="en-US" dirty="0" err="1"/>
+              <a:t>Inicialização</a:t>
+            </a:r>
+            <a:endParaRPr lang="es-ES_tradnl" altLang="pt-BR" dirty="0"/>
+          </a:p>
+        </p:txBody>
+      </p:sp>
+      <p:sp>
+        <p:nvSpPr>
+          <p:cNvPr id="4" name="Espaço Reservado para Data 3">
+            <a:extLst>
+              <a:ext uri="{FF2B5EF4-FFF2-40B4-BE49-F238E27FC236}">
+                <a16:creationId xmlns:a16="http://schemas.microsoft.com/office/drawing/2014/main" id="{AA878FC1-C5B7-4669-95D3-2A90BF62AADD}"/>
+              </a:ext>
+            </a:extLst>
+          </p:cNvPr>
+          <p:cNvSpPr>
+            <a:spLocks noGrp="1"/>
+          </p:cNvSpPr>
+          <p:nvPr>
+            <p:ph type="dt" sz="half" idx="10"/>
+          </p:nvPr>
+        </p:nvSpPr>
+        <p:spPr/>
+        <p:txBody>
+          <a:bodyPr/>
+          <a:lstStyle/>
+          <a:p>
+            <a:r>
+              <a:rPr lang="pt-BR"/>
+              <a:t>30-jul-18</a:t>
+            </a:r>
+          </a:p>
+        </p:txBody>
+      </p:sp>
+      <p:sp>
+        <p:nvSpPr>
+          <p:cNvPr id="5" name="Espaço Reservado para Rodapé 4">
+            <a:extLst>
+              <a:ext uri="{FF2B5EF4-FFF2-40B4-BE49-F238E27FC236}">
+                <a16:creationId xmlns:a16="http://schemas.microsoft.com/office/drawing/2014/main" id="{6373A092-48F0-490B-B7FA-0A8BF66DF19D}"/>
+              </a:ext>
+            </a:extLst>
+          </p:cNvPr>
+          <p:cNvSpPr>
+            <a:spLocks noGrp="1"/>
+          </p:cNvSpPr>
+          <p:nvPr>
+            <p:ph type="ftr" sz="quarter" idx="11"/>
+          </p:nvPr>
+        </p:nvSpPr>
+        <p:spPr/>
+        <p:txBody>
+          <a:bodyPr/>
+          <a:lstStyle/>
+          <a:p>
+            <a:r>
+              <a:rPr lang="pt-BR"/>
+              <a:t>Tecnologias para Internet - II  -  Prof.  André L. Braga</a:t>
+            </a:r>
+            <a:endParaRPr lang="pt-BR" dirty="0"/>
+          </a:p>
+        </p:txBody>
+      </p:sp>
+      <p:sp>
+        <p:nvSpPr>
+          <p:cNvPr id="6" name="Espaço Reservado para Número de Slide 5">
+            <a:extLst>
+              <a:ext uri="{FF2B5EF4-FFF2-40B4-BE49-F238E27FC236}">
+                <a16:creationId xmlns:a16="http://schemas.microsoft.com/office/drawing/2014/main" id="{9E9B8146-1BA5-482E-A510-1C368A2D7C6F}"/>
+              </a:ext>
+            </a:extLst>
+          </p:cNvPr>
+          <p:cNvSpPr>
+            <a:spLocks noGrp="1"/>
+          </p:cNvSpPr>
+          <p:nvPr>
+            <p:ph type="sldNum" sz="quarter" idx="12"/>
+          </p:nvPr>
+        </p:nvSpPr>
+        <p:spPr/>
+        <p:txBody>
+          <a:bodyPr/>
+          <a:lstStyle/>
+          <a:p>
+            <a:fld id="{733E8BE4-D61F-4D52-A9A4-24AB47FC0B80}" type="slidenum">
+              <a:rPr lang="pt-BR" smtClean="0"/>
+              <a:t>13</a:t>
+            </a:fld>
+            <a:endParaRPr lang="pt-BR"/>
+          </a:p>
+        </p:txBody>
+      </p:sp>
+      <p:sp>
+        <p:nvSpPr>
+          <p:cNvPr id="9" name="Retângulo 8">
+            <a:extLst>
+              <a:ext uri="{FF2B5EF4-FFF2-40B4-BE49-F238E27FC236}">
+                <a16:creationId xmlns:a16="http://schemas.microsoft.com/office/drawing/2014/main" id="{2366A8E9-A3D1-4BA4-A454-08A66B073726}"/>
+              </a:ext>
+            </a:extLst>
+          </p:cNvPr>
+          <p:cNvSpPr/>
+          <p:nvPr/>
+        </p:nvSpPr>
+        <p:spPr>
+          <a:xfrm>
+            <a:off x="176212" y="1304607"/>
+            <a:ext cx="11839575" cy="5478423"/>
+          </a:xfrm>
+          <a:prstGeom prst="rect">
+            <a:avLst/>
+          </a:prstGeom>
+        </p:spPr>
+        <p:txBody>
+          <a:bodyPr wrap="square">
+            <a:spAutoFit/>
+          </a:bodyPr>
+          <a:lstStyle/>
+          <a:p>
+            <a:pPr marL="285750" indent="-285750">
+              <a:buFont typeface="Arial" panose="020B0604020202020204" pitchFamily="34" charset="0"/>
+              <a:buChar char="•"/>
+            </a:pPr>
+            <a:r>
+              <a:rPr lang="en-US" sz="3200" b="1" dirty="0" err="1"/>
+              <a:t>Declarar</a:t>
+            </a:r>
+            <a:r>
+              <a:rPr lang="en-US" sz="3200" b="1" dirty="0"/>
+              <a:t> </a:t>
+            </a:r>
+            <a:r>
+              <a:rPr lang="en-US" sz="3200" b="1" dirty="0" err="1"/>
+              <a:t>biblioteca</a:t>
+            </a:r>
+            <a:r>
+              <a:rPr lang="en-US" sz="3200" b="1" dirty="0"/>
+              <a:t>:</a:t>
+            </a:r>
+            <a:endParaRPr lang="pt-BR" sz="3200" b="1" dirty="0"/>
+          </a:p>
+          <a:p>
+            <a:r>
+              <a:rPr lang="pt-BR" sz="3200" dirty="0"/>
+              <a:t>        </a:t>
+            </a:r>
+            <a:r>
+              <a:rPr lang="pt-BR" sz="3200" dirty="0">
+                <a:latin typeface="Courier New" panose="02070309020205020404" pitchFamily="49" charset="0"/>
+                <a:cs typeface="Courier New" panose="02070309020205020404" pitchFamily="49" charset="0"/>
+              </a:rPr>
+              <a:t>&lt;</a:t>
+            </a:r>
+            <a:r>
+              <a:rPr lang="pt-BR" sz="3200" b="1" dirty="0">
+                <a:latin typeface="Courier New" panose="02070309020205020404" pitchFamily="49" charset="0"/>
+                <a:cs typeface="Courier New" panose="02070309020205020404" pitchFamily="49" charset="0"/>
+              </a:rPr>
+              <a:t>script</a:t>
+            </a:r>
+            <a:r>
+              <a:rPr lang="pt-BR" sz="3200" dirty="0">
+                <a:latin typeface="Courier New" panose="02070309020205020404" pitchFamily="49" charset="0"/>
+                <a:cs typeface="Courier New" panose="02070309020205020404" pitchFamily="49" charset="0"/>
+              </a:rPr>
+              <a:t> </a:t>
+            </a:r>
+            <a:r>
+              <a:rPr lang="pt-BR" sz="3200" b="1" dirty="0" err="1">
+                <a:latin typeface="Courier New" panose="02070309020205020404" pitchFamily="49" charset="0"/>
+                <a:cs typeface="Courier New" panose="02070309020205020404" pitchFamily="49" charset="0"/>
+              </a:rPr>
+              <a:t>src</a:t>
+            </a:r>
+            <a:r>
+              <a:rPr lang="pt-BR" sz="3200" dirty="0">
+                <a:latin typeface="Courier New" panose="02070309020205020404" pitchFamily="49" charset="0"/>
+                <a:cs typeface="Courier New" panose="02070309020205020404" pitchFamily="49" charset="0"/>
+              </a:rPr>
+              <a:t>=“.... jquery.min.js"&gt; &lt;/</a:t>
+            </a:r>
+            <a:r>
+              <a:rPr lang="pt-BR" sz="3200" b="1" dirty="0">
+                <a:latin typeface="Courier New" panose="02070309020205020404" pitchFamily="49" charset="0"/>
+                <a:cs typeface="Courier New" panose="02070309020205020404" pitchFamily="49" charset="0"/>
+              </a:rPr>
+              <a:t>script</a:t>
+            </a:r>
+            <a:r>
+              <a:rPr lang="pt-BR" sz="3200" dirty="0">
+                <a:latin typeface="Courier New" panose="02070309020205020404" pitchFamily="49" charset="0"/>
+                <a:cs typeface="Courier New" panose="02070309020205020404" pitchFamily="49" charset="0"/>
+              </a:rPr>
+              <a:t>&gt;</a:t>
+            </a:r>
+          </a:p>
+          <a:p>
+            <a:r>
+              <a:rPr lang="en-US" sz="3200" dirty="0">
+                <a:latin typeface="Courier New" panose="02070309020205020404" pitchFamily="49" charset="0"/>
+                <a:cs typeface="Courier New" panose="02070309020205020404" pitchFamily="49" charset="0"/>
+              </a:rPr>
+              <a:t>    E</a:t>
+            </a:r>
+            <a:r>
+              <a:rPr lang="pt-BR" sz="3200" dirty="0">
+                <a:latin typeface="Courier New" panose="02070309020205020404" pitchFamily="49" charset="0"/>
+                <a:cs typeface="Courier New" panose="02070309020205020404" pitchFamily="49" charset="0"/>
+              </a:rPr>
+              <a:t>x:</a:t>
+            </a:r>
+          </a:p>
+          <a:p>
+            <a:r>
+              <a:rPr lang="pt-BR" sz="3200" dirty="0"/>
+              <a:t>    </a:t>
+            </a:r>
+            <a:r>
+              <a:rPr lang="pt-BR" sz="2800" dirty="0">
+                <a:latin typeface="Courier New" panose="02070309020205020404" pitchFamily="49" charset="0"/>
+                <a:cs typeface="Courier New" panose="02070309020205020404" pitchFamily="49" charset="0"/>
+              </a:rPr>
+              <a:t>&lt;</a:t>
+            </a:r>
+            <a:r>
+              <a:rPr lang="pt-BR" sz="2800" b="1" dirty="0">
+                <a:latin typeface="Courier New" panose="02070309020205020404" pitchFamily="49" charset="0"/>
+                <a:cs typeface="Courier New" panose="02070309020205020404" pitchFamily="49" charset="0"/>
+              </a:rPr>
+              <a:t>script</a:t>
+            </a:r>
+            <a:r>
+              <a:rPr lang="pt-BR" sz="2800" dirty="0">
+                <a:latin typeface="Courier New" panose="02070309020205020404" pitchFamily="49" charset="0"/>
+                <a:cs typeface="Courier New" panose="02070309020205020404" pitchFamily="49" charset="0"/>
+              </a:rPr>
+              <a:t> </a:t>
+            </a:r>
+            <a:r>
+              <a:rPr lang="pt-BR" sz="2800" b="1" dirty="0" err="1">
+                <a:latin typeface="Courier New" panose="02070309020205020404" pitchFamily="49" charset="0"/>
+                <a:cs typeface="Courier New" panose="02070309020205020404" pitchFamily="49" charset="0"/>
+              </a:rPr>
+              <a:t>src</a:t>
+            </a:r>
+            <a:r>
+              <a:rPr lang="pt-BR" sz="2800" dirty="0">
+                <a:latin typeface="Courier New" panose="02070309020205020404" pitchFamily="49" charset="0"/>
+                <a:cs typeface="Courier New" panose="02070309020205020404" pitchFamily="49" charset="0"/>
+              </a:rPr>
+              <a:t>=“</a:t>
+            </a:r>
+            <a:r>
+              <a:rPr lang="pt-BR" sz="2800" b="1" dirty="0" err="1">
+                <a:solidFill>
+                  <a:srgbClr val="6600FF"/>
+                </a:solidFill>
+                <a:latin typeface="Courier New" panose="02070309020205020404" pitchFamily="49" charset="0"/>
+                <a:cs typeface="Courier New" panose="02070309020205020404" pitchFamily="49" charset="0"/>
+              </a:rPr>
+              <a:t>js</a:t>
+            </a:r>
+            <a:r>
+              <a:rPr lang="pt-BR" sz="2800" b="1" dirty="0">
+                <a:solidFill>
+                  <a:srgbClr val="6600FF"/>
+                </a:solidFill>
+                <a:latin typeface="Courier New" panose="02070309020205020404" pitchFamily="49" charset="0"/>
+                <a:cs typeface="Courier New" panose="02070309020205020404" pitchFamily="49" charset="0"/>
+              </a:rPr>
+              <a:t>/</a:t>
+            </a:r>
+            <a:r>
+              <a:rPr lang="pt-BR" sz="2800" b="1" dirty="0" err="1">
+                <a:solidFill>
+                  <a:srgbClr val="6600FF"/>
+                </a:solidFill>
+                <a:latin typeface="Courier New" panose="02070309020205020404" pitchFamily="49" charset="0"/>
+                <a:cs typeface="Courier New" panose="02070309020205020404" pitchFamily="49" charset="0"/>
+              </a:rPr>
+              <a:t>libs</a:t>
+            </a:r>
+            <a:r>
+              <a:rPr lang="pt-BR" sz="2800" b="1" dirty="0">
+                <a:solidFill>
+                  <a:srgbClr val="6600FF"/>
+                </a:solidFill>
+                <a:latin typeface="Courier New" panose="02070309020205020404" pitchFamily="49" charset="0"/>
+                <a:cs typeface="Courier New" panose="02070309020205020404" pitchFamily="49" charset="0"/>
+              </a:rPr>
+              <a:t>/</a:t>
+            </a:r>
+            <a:r>
+              <a:rPr lang="pt-BR" sz="2800" b="1" dirty="0" err="1">
+                <a:solidFill>
+                  <a:srgbClr val="6600FF"/>
+                </a:solidFill>
+                <a:latin typeface="Courier New" panose="02070309020205020404" pitchFamily="49" charset="0"/>
+                <a:cs typeface="Courier New" panose="02070309020205020404" pitchFamily="49" charset="0"/>
+              </a:rPr>
+              <a:t>jquery</a:t>
+            </a:r>
+            <a:r>
+              <a:rPr lang="pt-BR" sz="2800" b="1" dirty="0">
+                <a:solidFill>
+                  <a:srgbClr val="6600FF"/>
+                </a:solidFill>
+                <a:latin typeface="Courier New" panose="02070309020205020404" pitchFamily="49" charset="0"/>
+                <a:cs typeface="Courier New" panose="02070309020205020404" pitchFamily="49" charset="0"/>
+              </a:rPr>
+              <a:t>/jquery.min.js</a:t>
+            </a:r>
+            <a:r>
+              <a:rPr lang="pt-BR" sz="2800" dirty="0">
+                <a:latin typeface="Courier New" panose="02070309020205020404" pitchFamily="49" charset="0"/>
+                <a:cs typeface="Courier New" panose="02070309020205020404" pitchFamily="49" charset="0"/>
+              </a:rPr>
+              <a:t>"&gt; &lt;/</a:t>
+            </a:r>
+            <a:r>
+              <a:rPr lang="pt-BR" sz="2800" b="1" dirty="0">
+                <a:latin typeface="Courier New" panose="02070309020205020404" pitchFamily="49" charset="0"/>
+                <a:cs typeface="Courier New" panose="02070309020205020404" pitchFamily="49" charset="0"/>
+              </a:rPr>
+              <a:t>script</a:t>
+            </a:r>
+            <a:r>
+              <a:rPr lang="pt-BR" sz="2800" dirty="0">
+                <a:latin typeface="Courier New" panose="02070309020205020404" pitchFamily="49" charset="0"/>
+                <a:cs typeface="Courier New" panose="02070309020205020404" pitchFamily="49" charset="0"/>
+              </a:rPr>
+              <a:t>&gt;</a:t>
+            </a:r>
+          </a:p>
+          <a:p>
+            <a:pPr marL="285750" indent="-285750">
+              <a:buFont typeface="Arial" panose="020B0604020202020204" pitchFamily="34" charset="0"/>
+              <a:buChar char="•"/>
+            </a:pPr>
+            <a:endParaRPr lang="en-US" sz="3200" b="1" dirty="0"/>
+          </a:p>
+          <a:p>
+            <a:pPr marL="285750" indent="-285750">
+              <a:buFont typeface="Arial" panose="020B0604020202020204" pitchFamily="34" charset="0"/>
+              <a:buChar char="•"/>
+            </a:pPr>
+            <a:r>
+              <a:rPr lang="en-US" sz="3200" b="1" dirty="0"/>
+              <a:t>I</a:t>
+            </a:r>
+            <a:r>
+              <a:rPr lang="pt-BR" sz="3200" b="1" dirty="0" err="1"/>
+              <a:t>nicializar</a:t>
+            </a:r>
+            <a:r>
+              <a:rPr lang="pt-BR" sz="3200" b="1" dirty="0"/>
+              <a:t> </a:t>
+            </a:r>
+            <a:r>
+              <a:rPr lang="pt-BR" sz="3200" b="1" dirty="0" err="1"/>
+              <a:t>JQuery</a:t>
+            </a:r>
+            <a:r>
+              <a:rPr lang="pt-BR" sz="3200" b="1" dirty="0"/>
+              <a:t> na página:</a:t>
+            </a:r>
+          </a:p>
+          <a:p>
+            <a:r>
+              <a:rPr lang="en-US" sz="2800" b="1" dirty="0">
+                <a:latin typeface="Courier New" panose="02070309020205020404" pitchFamily="49" charset="0"/>
+                <a:cs typeface="Courier New" panose="02070309020205020404" pitchFamily="49" charset="0"/>
+              </a:rPr>
+              <a:t> &lt;script type</a:t>
+            </a:r>
+            <a:r>
+              <a:rPr lang="en-US" sz="2800" dirty="0">
+                <a:latin typeface="Courier New" panose="02070309020205020404" pitchFamily="49" charset="0"/>
+                <a:cs typeface="Courier New" panose="02070309020205020404" pitchFamily="49" charset="0"/>
+              </a:rPr>
+              <a:t>="text/</a:t>
+            </a:r>
+            <a:r>
+              <a:rPr lang="en-US" sz="2800" dirty="0" err="1">
+                <a:latin typeface="Courier New" panose="02070309020205020404" pitchFamily="49" charset="0"/>
+                <a:cs typeface="Courier New" panose="02070309020205020404" pitchFamily="49" charset="0"/>
+              </a:rPr>
+              <a:t>javascript</a:t>
+            </a:r>
+            <a:r>
+              <a:rPr lang="en-US" sz="2800" dirty="0">
+                <a:latin typeface="Courier New" panose="02070309020205020404" pitchFamily="49" charset="0"/>
+                <a:cs typeface="Courier New" panose="02070309020205020404" pitchFamily="49" charset="0"/>
+              </a:rPr>
+              <a:t>"&gt;</a:t>
+            </a:r>
+          </a:p>
+          <a:p>
+            <a:r>
+              <a:rPr lang="en-US" sz="2800" dirty="0">
+                <a:latin typeface="Courier New" panose="02070309020205020404" pitchFamily="49" charset="0"/>
+                <a:cs typeface="Courier New" panose="02070309020205020404" pitchFamily="49" charset="0"/>
+              </a:rPr>
+              <a:t>            </a:t>
+            </a:r>
+            <a:r>
+              <a:rPr lang="en-US" sz="2800" b="1" dirty="0">
+                <a:solidFill>
+                  <a:srgbClr val="6600FF"/>
+                </a:solidFill>
+                <a:latin typeface="Courier New" panose="02070309020205020404" pitchFamily="49" charset="0"/>
+                <a:cs typeface="Courier New" panose="02070309020205020404" pitchFamily="49" charset="0"/>
+              </a:rPr>
+              <a:t>$</a:t>
+            </a:r>
+            <a:r>
+              <a:rPr lang="en-US" sz="2800" dirty="0">
+                <a:latin typeface="Courier New" panose="02070309020205020404" pitchFamily="49" charset="0"/>
+                <a:cs typeface="Courier New" panose="02070309020205020404" pitchFamily="49" charset="0"/>
+              </a:rPr>
+              <a:t>(document</a:t>
+            </a:r>
+            <a:r>
+              <a:rPr lang="en-US" sz="2800" dirty="0">
+                <a:solidFill>
+                  <a:srgbClr val="6600FF"/>
+                </a:solidFill>
+                <a:latin typeface="Courier New" panose="02070309020205020404" pitchFamily="49" charset="0"/>
+                <a:cs typeface="Courier New" panose="02070309020205020404" pitchFamily="49" charset="0"/>
+              </a:rPr>
+              <a:t>)</a:t>
+            </a:r>
+            <a:r>
+              <a:rPr lang="en-US" sz="2800" b="1" dirty="0">
+                <a:solidFill>
+                  <a:srgbClr val="6600FF"/>
+                </a:solidFill>
+                <a:latin typeface="Courier New" panose="02070309020205020404" pitchFamily="49" charset="0"/>
+                <a:cs typeface="Courier New" panose="02070309020205020404" pitchFamily="49" charset="0"/>
+              </a:rPr>
+              <a:t>.ready</a:t>
+            </a:r>
+            <a:r>
+              <a:rPr lang="en-US" sz="2800" b="1" dirty="0">
+                <a:latin typeface="Courier New" panose="02070309020205020404" pitchFamily="49" charset="0"/>
+                <a:cs typeface="Courier New" panose="02070309020205020404" pitchFamily="49" charset="0"/>
+              </a:rPr>
+              <a:t>(</a:t>
+            </a:r>
+            <a:r>
+              <a:rPr lang="en-US" sz="2800" dirty="0">
+                <a:latin typeface="Courier New" panose="02070309020205020404" pitchFamily="49" charset="0"/>
+                <a:cs typeface="Courier New" panose="02070309020205020404" pitchFamily="49" charset="0"/>
+              </a:rPr>
+              <a:t>function() {</a:t>
+            </a:r>
+          </a:p>
+          <a:p>
+            <a:pPr algn="ctr"/>
+            <a:r>
+              <a:rPr lang="en-US" sz="2800" dirty="0">
+                <a:latin typeface="Courier New" panose="02070309020205020404" pitchFamily="49" charset="0"/>
+                <a:cs typeface="Courier New" panose="02070309020205020404" pitchFamily="49" charset="0"/>
+              </a:rPr>
+              <a:t>       </a:t>
+            </a:r>
+            <a:r>
+              <a:rPr lang="en-US" sz="2800" b="1" dirty="0"/>
+              <a:t>&lt;Código </a:t>
+            </a:r>
+            <a:r>
+              <a:rPr lang="en-US" sz="2800" b="1" dirty="0" err="1"/>
+              <a:t>em</a:t>
+            </a:r>
+            <a:r>
+              <a:rPr lang="en-US" sz="2800" b="1" dirty="0"/>
+              <a:t> </a:t>
+            </a:r>
+            <a:r>
+              <a:rPr lang="en-US" sz="2800" b="1" dirty="0" err="1"/>
+              <a:t>JQuery</a:t>
+            </a:r>
+            <a:r>
+              <a:rPr lang="en-US" sz="2800" b="1" dirty="0"/>
+              <a:t>&gt;</a:t>
+            </a:r>
+          </a:p>
+          <a:p>
+            <a:r>
+              <a:rPr lang="en-US" sz="2800" dirty="0">
+                <a:latin typeface="Courier New" panose="02070309020205020404" pitchFamily="49" charset="0"/>
+                <a:cs typeface="Courier New" panose="02070309020205020404" pitchFamily="49" charset="0"/>
+              </a:rPr>
+              <a:t>            });</a:t>
+            </a:r>
+          </a:p>
+          <a:p>
+            <a:r>
+              <a:rPr lang="en-US" sz="2800" b="1" dirty="0">
+                <a:latin typeface="Courier New" panose="02070309020205020404" pitchFamily="49" charset="0"/>
+                <a:cs typeface="Courier New" panose="02070309020205020404" pitchFamily="49" charset="0"/>
+              </a:rPr>
+              <a:t> &lt;/script&gt;</a:t>
+            </a:r>
+          </a:p>
+          <a:p>
+            <a:pPr marL="285750" indent="-285750">
+              <a:buFont typeface="Arial" panose="020B0604020202020204" pitchFamily="34" charset="0"/>
+              <a:buChar char="•"/>
+            </a:pPr>
+            <a:endParaRPr lang="pt-BR" dirty="0"/>
+          </a:p>
+        </p:txBody>
+      </p:sp>
+      <p:sp>
+        <p:nvSpPr>
+          <p:cNvPr id="2" name="Balão de Fala: Retângulo 1">
+            <a:extLst>
+              <a:ext uri="{FF2B5EF4-FFF2-40B4-BE49-F238E27FC236}">
+                <a16:creationId xmlns:a16="http://schemas.microsoft.com/office/drawing/2014/main" id="{2A3C1EB0-AAAA-46CF-8DA6-1313907CDDDE}"/>
+              </a:ext>
+            </a:extLst>
+          </p:cNvPr>
+          <p:cNvSpPr/>
+          <p:nvPr/>
+        </p:nvSpPr>
+        <p:spPr>
+          <a:xfrm>
+            <a:off x="8144522" y="3295835"/>
+            <a:ext cx="3689412" cy="1515862"/>
+          </a:xfrm>
+          <a:prstGeom prst="wedgeRectCallout">
+            <a:avLst>
+              <a:gd name="adj1" fmla="val -97330"/>
+              <a:gd name="adj2" fmla="val 50851"/>
+            </a:avLst>
+          </a:prstGeom>
+        </p:spPr>
+        <p:style>
+          <a:lnRef idx="1">
+            <a:schemeClr val="accent4"/>
+          </a:lnRef>
+          <a:fillRef idx="2">
+            <a:schemeClr val="accent4"/>
+          </a:fillRef>
+          <a:effectRef idx="1">
+            <a:schemeClr val="accent4"/>
+          </a:effectRef>
+          <a:fontRef idx="minor">
+            <a:schemeClr val="dk1"/>
+          </a:fontRef>
+        </p:style>
+        <p:txBody>
+          <a:bodyPr rtlCol="0" anchor="ctr"/>
+          <a:lstStyle/>
+          <a:p>
+            <a:pPr algn="ctr"/>
+            <a:r>
+              <a:rPr lang="en-US" sz="2000" b="1" dirty="0" err="1"/>
+              <a:t>Função</a:t>
+            </a:r>
+            <a:r>
+              <a:rPr lang="en-US" sz="2000" b="1" dirty="0"/>
+              <a:t> do </a:t>
+            </a:r>
+            <a:r>
+              <a:rPr lang="en-US" sz="2000" b="1" dirty="0" err="1"/>
+              <a:t>JQuery</a:t>
+            </a:r>
+            <a:r>
+              <a:rPr lang="en-US" sz="2000" b="1" dirty="0"/>
+              <a:t> que serve para </a:t>
+            </a:r>
+            <a:r>
+              <a:rPr lang="en-US" sz="2000" b="1" dirty="0" err="1"/>
+              <a:t>indicar</a:t>
+            </a:r>
+            <a:r>
+              <a:rPr lang="en-US" sz="2000" b="1" dirty="0"/>
+              <a:t> </a:t>
+            </a:r>
+            <a:r>
+              <a:rPr lang="en-US" sz="2000" b="1" dirty="0" err="1"/>
+              <a:t>ao</a:t>
+            </a:r>
+            <a:r>
+              <a:rPr lang="en-US" sz="2000" b="1" dirty="0"/>
+              <a:t> </a:t>
+            </a:r>
+            <a:r>
+              <a:rPr lang="en-US" sz="2000" b="1" dirty="0" err="1"/>
+              <a:t>sistema</a:t>
+            </a:r>
+            <a:r>
+              <a:rPr lang="en-US" sz="2000" b="1" dirty="0"/>
+              <a:t> que o DOM já foi </a:t>
+            </a:r>
+            <a:r>
+              <a:rPr lang="en-US" sz="2000" b="1" dirty="0" err="1"/>
+              <a:t>criado</a:t>
+            </a:r>
+            <a:r>
+              <a:rPr lang="en-US" sz="2000" b="1" dirty="0"/>
+              <a:t> e está “pronto”</a:t>
+            </a:r>
+          </a:p>
+          <a:p>
+            <a:pPr algn="ctr"/>
+            <a:r>
+              <a:rPr lang="en-US" sz="2000" b="1" dirty="0"/>
+              <a:t>(Se o </a:t>
+            </a:r>
+            <a:r>
+              <a:rPr lang="en-US" sz="2000" b="1" dirty="0" err="1"/>
+              <a:t>JAVAScript</a:t>
+            </a:r>
+            <a:r>
+              <a:rPr lang="en-US" sz="2000" b="1" dirty="0"/>
+              <a:t> está no HEAD)</a:t>
+            </a:r>
+            <a:endParaRPr lang="pt-BR" sz="2000" b="1" dirty="0"/>
+          </a:p>
+        </p:txBody>
+      </p:sp>
+    </p:spTree>
+    <p:extLst>
+      <p:ext uri="{BB962C8B-B14F-4D97-AF65-F5344CB8AC3E}">
+        <p14:creationId xmlns:p14="http://schemas.microsoft.com/office/powerpoint/2010/main" val="2126871565"/>
+      </p:ext>
+    </p:extLst>
+  </p:cSld>
+  <p:clrMapOvr>
+    <a:masterClrMapping/>
+  </p:clrMapOvr>
+  <p:transition spd="med">
+    <p:strips dir="rd"/>
+  </p:transition>
+</p:sld>
+</file>
+
+<file path=ppt/slides/slide14.xml><?xml version="1.0" encoding="utf-8"?>
+<p:sld xmlns:a="http://schemas.openxmlformats.org/drawingml/2006/main" xmlns:r="http://schemas.openxmlformats.org/officeDocument/2006/relationships" xmlns:p="http://schemas.openxmlformats.org/presentationml/2006/main">
+  <p:cSld>
+    <p:spTree>
+      <p:nvGrpSpPr>
+        <p:cNvPr id="1" name=""/>
+        <p:cNvGrpSpPr/>
+        <p:nvPr/>
+      </p:nvGrpSpPr>
+      <p:grpSpPr>
+        <a:xfrm>
+          <a:off x="0" y="0"/>
+          <a:ext cx="0" cy="0"/>
+          <a:chOff x="0" y="0"/>
+          <a:chExt cx="0" cy="0"/>
+        </a:xfrm>
+      </p:grpSpPr>
+      <p:sp>
+        <p:nvSpPr>
+          <p:cNvPr id="9218" name="Rectangle 2">
+            <a:extLst>
+              <a:ext uri="{FF2B5EF4-FFF2-40B4-BE49-F238E27FC236}">
+                <a16:creationId xmlns:a16="http://schemas.microsoft.com/office/drawing/2014/main" id="{2C2A51A3-03C7-4D88-81F9-9B524045BD81}"/>
+              </a:ext>
+            </a:extLst>
+          </p:cNvPr>
+          <p:cNvSpPr>
+            <a:spLocks noGrp="1" noRot="1" noChangeArrowheads="1"/>
+          </p:cNvSpPr>
+          <p:nvPr>
+            <p:ph type="title"/>
+          </p:nvPr>
+        </p:nvSpPr>
+        <p:spPr/>
+        <p:txBody>
+          <a:bodyPr/>
+          <a:lstStyle/>
+          <a:p>
+            <a:r>
+              <a:rPr lang="en-US" sz="4000" b="1" i="1" dirty="0">
+                <a:solidFill>
+                  <a:srgbClr val="6600FF"/>
+                </a:solidFill>
+                <a:effectLst>
+                  <a:outerShdw blurRad="38100" dist="38100" dir="2700000" algn="tl">
+                    <a:srgbClr val="000000">
+                      <a:alpha val="43137"/>
+                    </a:srgbClr>
+                  </a:outerShdw>
+                </a:effectLst>
+              </a:rPr>
+              <a:t>TECNOLOGIAS PARA INTERNET - II</a:t>
+            </a:r>
+            <a:br>
+              <a:rPr lang="en-US" sz="4000" dirty="0"/>
+            </a:br>
+            <a:r>
+              <a:rPr lang="en-US" sz="4000" dirty="0" err="1"/>
+              <a:t>JQuery</a:t>
+            </a:r>
+            <a:r>
+              <a:rPr lang="en-US" sz="4000" dirty="0"/>
+              <a:t> – </a:t>
+            </a:r>
+            <a:r>
+              <a:rPr lang="en-US" sz="4000" dirty="0" err="1"/>
+              <a:t>Instalação</a:t>
+            </a:r>
+            <a:r>
+              <a:rPr lang="en-US" sz="4000" dirty="0"/>
+              <a:t> – Hello World</a:t>
+            </a:r>
+            <a:endParaRPr lang="tr-TR" altLang="pt-BR" sz="4000" dirty="0"/>
+          </a:p>
+        </p:txBody>
+      </p:sp>
+      <p:sp>
+        <p:nvSpPr>
+          <p:cNvPr id="2" name="Espaço Reservado para Data 1">
+            <a:extLst>
+              <a:ext uri="{FF2B5EF4-FFF2-40B4-BE49-F238E27FC236}">
+                <a16:creationId xmlns:a16="http://schemas.microsoft.com/office/drawing/2014/main" id="{CA5D9241-6779-43DA-9738-602D9E2FDFC1}"/>
+              </a:ext>
+            </a:extLst>
+          </p:cNvPr>
+          <p:cNvSpPr>
+            <a:spLocks noGrp="1"/>
+          </p:cNvSpPr>
+          <p:nvPr>
+            <p:ph type="dt" sz="half" idx="10"/>
+          </p:nvPr>
+        </p:nvSpPr>
+        <p:spPr/>
+        <p:txBody>
+          <a:bodyPr/>
+          <a:lstStyle/>
+          <a:p>
+            <a:r>
+              <a:rPr lang="pt-BR"/>
+              <a:t>30-jul-18</a:t>
+            </a:r>
+          </a:p>
+        </p:txBody>
+      </p:sp>
+      <p:sp>
+        <p:nvSpPr>
+          <p:cNvPr id="3" name="Espaço Reservado para Rodapé 2">
+            <a:extLst>
+              <a:ext uri="{FF2B5EF4-FFF2-40B4-BE49-F238E27FC236}">
+                <a16:creationId xmlns:a16="http://schemas.microsoft.com/office/drawing/2014/main" id="{37AA3B48-AC65-4151-B1C9-DF3717B580F5}"/>
+              </a:ext>
+            </a:extLst>
+          </p:cNvPr>
+          <p:cNvSpPr>
+            <a:spLocks noGrp="1"/>
+          </p:cNvSpPr>
+          <p:nvPr>
+            <p:ph type="ftr" sz="quarter" idx="11"/>
+          </p:nvPr>
+        </p:nvSpPr>
+        <p:spPr/>
+        <p:txBody>
+          <a:bodyPr/>
+          <a:lstStyle/>
+          <a:p>
+            <a:r>
+              <a:rPr lang="pt-BR"/>
+              <a:t>Tecnologias para Internet - II  -  Prof.  André L. Braga</a:t>
+            </a:r>
+            <a:endParaRPr lang="pt-BR" dirty="0"/>
+          </a:p>
+        </p:txBody>
+      </p:sp>
+      <p:sp>
+        <p:nvSpPr>
+          <p:cNvPr id="4" name="Espaço Reservado para Número de Slide 3">
+            <a:extLst>
+              <a:ext uri="{FF2B5EF4-FFF2-40B4-BE49-F238E27FC236}">
+                <a16:creationId xmlns:a16="http://schemas.microsoft.com/office/drawing/2014/main" id="{9C55F005-6AC6-4A94-8953-F77E82F74A86}"/>
+              </a:ext>
+            </a:extLst>
+          </p:cNvPr>
+          <p:cNvSpPr>
+            <a:spLocks noGrp="1"/>
+          </p:cNvSpPr>
+          <p:nvPr>
+            <p:ph type="sldNum" sz="quarter" idx="12"/>
+          </p:nvPr>
+        </p:nvSpPr>
+        <p:spPr/>
+        <p:txBody>
+          <a:bodyPr/>
+          <a:lstStyle/>
+          <a:p>
+            <a:fld id="{733E8BE4-D61F-4D52-A9A4-24AB47FC0B80}" type="slidenum">
+              <a:rPr lang="pt-BR" smtClean="0"/>
+              <a:t>14</a:t>
+            </a:fld>
+            <a:endParaRPr lang="pt-BR"/>
+          </a:p>
+        </p:txBody>
+      </p:sp>
+      <p:pic>
+        <p:nvPicPr>
+          <p:cNvPr id="5" name="Imagem 4">
+            <a:extLst>
+              <a:ext uri="{FF2B5EF4-FFF2-40B4-BE49-F238E27FC236}">
+                <a16:creationId xmlns:a16="http://schemas.microsoft.com/office/drawing/2014/main" id="{9FD74C77-92CB-4AA3-BBBA-7784DB5D5F38}"/>
+              </a:ext>
+            </a:extLst>
+          </p:cNvPr>
+          <p:cNvPicPr>
+            <a:picLocks noChangeAspect="1"/>
+          </p:cNvPicPr>
+          <p:nvPr/>
+        </p:nvPicPr>
+        <p:blipFill>
+          <a:blip r:embed="rId2"/>
+          <a:stretch>
+            <a:fillRect/>
+          </a:stretch>
+        </p:blipFill>
+        <p:spPr>
+          <a:xfrm>
+            <a:off x="369400" y="1598030"/>
+            <a:ext cx="8248127" cy="4580602"/>
+          </a:xfrm>
+          <a:prstGeom prst="rect">
+            <a:avLst/>
+          </a:prstGeom>
+          <a:solidFill>
+            <a:srgbClr val="FFFFFF">
+              <a:shade val="85000"/>
+            </a:srgbClr>
+          </a:solidFill>
+          <a:ln w="190500" cap="rnd">
+            <a:solidFill>
+              <a:srgbClr val="FFFFFF"/>
+            </a:solidFill>
+          </a:ln>
+          <a:effectLst>
+            <a:outerShdw blurRad="50000" algn="tl" rotWithShape="0">
+              <a:srgbClr val="000000">
+                <a:alpha val="41000"/>
+              </a:srgbClr>
+            </a:outerShdw>
+          </a:effectLst>
+          <a:scene3d>
+            <a:camera prst="orthographicFront"/>
+            <a:lightRig rig="twoPt" dir="t">
+              <a:rot lat="0" lon="0" rev="7800000"/>
+            </a:lightRig>
+          </a:scene3d>
+          <a:sp3d contourW="6350">
+            <a:bevelT w="50800" h="16510"/>
+            <a:contourClr>
+              <a:srgbClr val="C0C0C0"/>
+            </a:contourClr>
+          </a:sp3d>
+        </p:spPr>
+      </p:pic>
+      <p:pic>
+        <p:nvPicPr>
+          <p:cNvPr id="6" name="Imagem 5">
+            <a:extLst>
+              <a:ext uri="{FF2B5EF4-FFF2-40B4-BE49-F238E27FC236}">
+                <a16:creationId xmlns:a16="http://schemas.microsoft.com/office/drawing/2014/main" id="{DCB3FCAF-AF11-4C8B-BA07-D33C6C35DA9F}"/>
+              </a:ext>
+            </a:extLst>
+          </p:cNvPr>
+          <p:cNvPicPr>
+            <a:picLocks noChangeAspect="1"/>
+          </p:cNvPicPr>
+          <p:nvPr/>
+        </p:nvPicPr>
+        <p:blipFill>
+          <a:blip r:embed="rId3"/>
+          <a:stretch>
+            <a:fillRect/>
+          </a:stretch>
+        </p:blipFill>
+        <p:spPr>
+          <a:xfrm>
+            <a:off x="3169969" y="2709438"/>
+            <a:ext cx="8471621" cy="3646912"/>
+          </a:xfrm>
+          <a:prstGeom prst="rect">
+            <a:avLst/>
+          </a:prstGeom>
+          <a:ln>
+            <a:noFill/>
+          </a:ln>
+          <a:effectLst>
+            <a:outerShdw blurRad="190500" algn="tl" rotWithShape="0">
+              <a:srgbClr val="000000">
+                <a:alpha val="70000"/>
+              </a:srgbClr>
+            </a:outerShdw>
+          </a:effectLst>
+        </p:spPr>
+      </p:pic>
+    </p:spTree>
+    <p:extLst>
+      <p:ext uri="{BB962C8B-B14F-4D97-AF65-F5344CB8AC3E}">
+        <p14:creationId xmlns:p14="http://schemas.microsoft.com/office/powerpoint/2010/main" val="199426147"/>
+      </p:ext>
+    </p:extLst>
+  </p:cSld>
+  <p:clrMapOvr>
+    <a:masterClrMapping/>
+  </p:clrMapOvr>
+</p:sld>
+</file>
+
+<file path=ppt/slides/slide15.xml><?xml version="1.0" encoding="utf-8"?>
+<p:sld xmlns:a="http://schemas.openxmlformats.org/drawingml/2006/main" xmlns:r="http://schemas.openxmlformats.org/officeDocument/2006/relationships" xmlns:p="http://schemas.openxmlformats.org/presentationml/2006/main">
+  <p:cSld>
+    <p:spTree>
+      <p:nvGrpSpPr>
+        <p:cNvPr id="1" name=""/>
+        <p:cNvGrpSpPr/>
+        <p:nvPr/>
+      </p:nvGrpSpPr>
+      <p:grpSpPr>
+        <a:xfrm>
+          <a:off x="0" y="0"/>
+          <a:ext cx="0" cy="0"/>
+          <a:chOff x="0" y="0"/>
+          <a:chExt cx="0" cy="0"/>
+        </a:xfrm>
+      </p:grpSpPr>
+      <p:sp>
+        <p:nvSpPr>
+          <p:cNvPr id="9218" name="Rectangle 2">
+            <a:extLst>
+              <a:ext uri="{FF2B5EF4-FFF2-40B4-BE49-F238E27FC236}">
+                <a16:creationId xmlns:a16="http://schemas.microsoft.com/office/drawing/2014/main" id="{2C2A51A3-03C7-4D88-81F9-9B524045BD81}"/>
+              </a:ext>
+            </a:extLst>
+          </p:cNvPr>
+          <p:cNvSpPr>
+            <a:spLocks noGrp="1" noRot="1" noChangeArrowheads="1"/>
+          </p:cNvSpPr>
+          <p:nvPr>
+            <p:ph type="title"/>
+          </p:nvPr>
+        </p:nvSpPr>
+        <p:spPr/>
+        <p:txBody>
+          <a:bodyPr>
+            <a:normAutofit/>
+          </a:bodyPr>
+          <a:lstStyle/>
+          <a:p>
+            <a:r>
+              <a:rPr lang="en-US" sz="4000" b="1" i="1" dirty="0">
+                <a:solidFill>
+                  <a:srgbClr val="6600FF"/>
+                </a:solidFill>
+                <a:effectLst>
+                  <a:outerShdw blurRad="38100" dist="38100" dir="2700000" algn="tl">
+                    <a:srgbClr val="000000">
+                      <a:alpha val="43137"/>
+                    </a:srgbClr>
+                  </a:outerShdw>
+                </a:effectLst>
+              </a:rPr>
+              <a:t>TECNOLOGIAS PARA INTERNET - II</a:t>
+            </a:r>
+            <a:br>
+              <a:rPr lang="en-US" sz="4000" dirty="0"/>
+            </a:br>
+            <a:r>
+              <a:rPr lang="en-US" sz="4000" dirty="0" err="1"/>
+              <a:t>JQuery</a:t>
+            </a:r>
+            <a:r>
+              <a:rPr lang="en-US" sz="4000" dirty="0"/>
+              <a:t> – </a:t>
+            </a:r>
+            <a:r>
+              <a:rPr lang="en-US" sz="4000" dirty="0" err="1"/>
+              <a:t>Instalação</a:t>
+            </a:r>
+            <a:r>
+              <a:rPr lang="en-US" sz="4000" dirty="0"/>
+              <a:t> – Hello World</a:t>
+            </a:r>
+            <a:endParaRPr lang="tr-TR" altLang="pt-BR" sz="4000" dirty="0"/>
+          </a:p>
+        </p:txBody>
+      </p:sp>
+      <p:sp>
+        <p:nvSpPr>
+          <p:cNvPr id="2" name="Espaço Reservado para Data 1">
+            <a:extLst>
+              <a:ext uri="{FF2B5EF4-FFF2-40B4-BE49-F238E27FC236}">
+                <a16:creationId xmlns:a16="http://schemas.microsoft.com/office/drawing/2014/main" id="{CA5D9241-6779-43DA-9738-602D9E2FDFC1}"/>
+              </a:ext>
+            </a:extLst>
+          </p:cNvPr>
+          <p:cNvSpPr>
+            <a:spLocks noGrp="1"/>
+          </p:cNvSpPr>
+          <p:nvPr>
+            <p:ph type="dt" sz="half" idx="10"/>
+          </p:nvPr>
+        </p:nvSpPr>
+        <p:spPr/>
+        <p:txBody>
+          <a:bodyPr/>
+          <a:lstStyle/>
+          <a:p>
+            <a:r>
+              <a:rPr lang="pt-BR"/>
+              <a:t>30-jul-18</a:t>
+            </a:r>
+          </a:p>
+        </p:txBody>
+      </p:sp>
+      <p:sp>
+        <p:nvSpPr>
+          <p:cNvPr id="3" name="Espaço Reservado para Rodapé 2">
+            <a:extLst>
+              <a:ext uri="{FF2B5EF4-FFF2-40B4-BE49-F238E27FC236}">
+                <a16:creationId xmlns:a16="http://schemas.microsoft.com/office/drawing/2014/main" id="{37AA3B48-AC65-4151-B1C9-DF3717B580F5}"/>
+              </a:ext>
+            </a:extLst>
+          </p:cNvPr>
+          <p:cNvSpPr>
+            <a:spLocks noGrp="1"/>
+          </p:cNvSpPr>
+          <p:nvPr>
+            <p:ph type="ftr" sz="quarter" idx="11"/>
+          </p:nvPr>
+        </p:nvSpPr>
+        <p:spPr/>
+        <p:txBody>
+          <a:bodyPr/>
+          <a:lstStyle/>
+          <a:p>
+            <a:r>
+              <a:rPr lang="pt-BR"/>
+              <a:t>Tecnologias para Internet - II  -  Prof.  André L. Braga</a:t>
+            </a:r>
+            <a:endParaRPr lang="pt-BR" dirty="0"/>
+          </a:p>
+        </p:txBody>
+      </p:sp>
+      <p:sp>
+        <p:nvSpPr>
+          <p:cNvPr id="4" name="Espaço Reservado para Número de Slide 3">
+            <a:extLst>
+              <a:ext uri="{FF2B5EF4-FFF2-40B4-BE49-F238E27FC236}">
+                <a16:creationId xmlns:a16="http://schemas.microsoft.com/office/drawing/2014/main" id="{9C55F005-6AC6-4A94-8953-F77E82F74A86}"/>
+              </a:ext>
+            </a:extLst>
+          </p:cNvPr>
+          <p:cNvSpPr>
+            <a:spLocks noGrp="1"/>
+          </p:cNvSpPr>
+          <p:nvPr>
+            <p:ph type="sldNum" sz="quarter" idx="12"/>
+          </p:nvPr>
+        </p:nvSpPr>
+        <p:spPr/>
+        <p:txBody>
+          <a:bodyPr/>
+          <a:lstStyle/>
+          <a:p>
+            <a:fld id="{733E8BE4-D61F-4D52-A9A4-24AB47FC0B80}" type="slidenum">
+              <a:rPr lang="pt-BR" smtClean="0"/>
+              <a:t>15</a:t>
+            </a:fld>
+            <a:endParaRPr lang="pt-BR"/>
+          </a:p>
+        </p:txBody>
+      </p:sp>
+      <p:pic>
+        <p:nvPicPr>
+          <p:cNvPr id="9" name="Imagem 8">
+            <a:extLst>
+              <a:ext uri="{FF2B5EF4-FFF2-40B4-BE49-F238E27FC236}">
+                <a16:creationId xmlns:a16="http://schemas.microsoft.com/office/drawing/2014/main" id="{2CF10EA8-B2D2-4384-ACFA-12E474E44DF6}"/>
+              </a:ext>
+            </a:extLst>
+          </p:cNvPr>
+          <p:cNvPicPr>
+            <a:picLocks noChangeAspect="1"/>
+          </p:cNvPicPr>
+          <p:nvPr/>
+        </p:nvPicPr>
+        <p:blipFill>
+          <a:blip r:embed="rId2"/>
+          <a:stretch>
+            <a:fillRect/>
+          </a:stretch>
+        </p:blipFill>
+        <p:spPr>
+          <a:xfrm>
+            <a:off x="2764213" y="3261809"/>
+            <a:ext cx="6220985" cy="3094541"/>
+          </a:xfrm>
+          <a:prstGeom prst="rect">
+            <a:avLst/>
+          </a:prstGeom>
+          <a:solidFill>
+            <a:srgbClr val="FFFFFF">
+              <a:shade val="85000"/>
+            </a:srgbClr>
+          </a:solidFill>
+          <a:ln w="88900" cap="sq">
+            <a:solidFill>
+              <a:srgbClr val="FFFFFF"/>
+            </a:solidFill>
+            <a:miter lim="800000"/>
+          </a:ln>
+          <a:effectLst>
+            <a:outerShdw blurRad="55000" dist="18000" dir="5400000" algn="tl" rotWithShape="0">
+              <a:srgbClr val="000000">
+                <a:alpha val="40000"/>
+              </a:srgbClr>
+            </a:outerShdw>
+          </a:effectLst>
+          <a:scene3d>
+            <a:camera prst="orthographicFront"/>
+            <a:lightRig rig="twoPt" dir="t">
+              <a:rot lat="0" lon="0" rev="7200000"/>
+            </a:lightRig>
+          </a:scene3d>
+          <a:sp3d>
+            <a:bevelT w="25400" h="19050"/>
+            <a:contourClr>
+              <a:srgbClr val="FFFFFF"/>
+            </a:contourClr>
+          </a:sp3d>
+        </p:spPr>
+      </p:pic>
+      <p:pic>
+        <p:nvPicPr>
+          <p:cNvPr id="5" name="Imagem 4">
+            <a:extLst>
+              <a:ext uri="{FF2B5EF4-FFF2-40B4-BE49-F238E27FC236}">
+                <a16:creationId xmlns:a16="http://schemas.microsoft.com/office/drawing/2014/main" id="{7A00FC3C-2189-4FDB-A844-0199226FD6CC}"/>
+              </a:ext>
+            </a:extLst>
+          </p:cNvPr>
+          <p:cNvPicPr>
+            <a:picLocks noChangeAspect="1"/>
+          </p:cNvPicPr>
+          <p:nvPr/>
+        </p:nvPicPr>
+        <p:blipFill>
+          <a:blip r:embed="rId3"/>
+          <a:stretch>
+            <a:fillRect/>
+          </a:stretch>
+        </p:blipFill>
+        <p:spPr>
+          <a:xfrm>
+            <a:off x="6938707" y="1660044"/>
+            <a:ext cx="4978159" cy="2900189"/>
+          </a:xfrm>
+          <a:prstGeom prst="rect">
+            <a:avLst/>
+          </a:prstGeom>
+          <a:ln>
+            <a:noFill/>
+          </a:ln>
+          <a:effectLst>
+            <a:outerShdw blurRad="190500" algn="tl" rotWithShape="0">
+              <a:srgbClr val="000000">
+                <a:alpha val="70000"/>
+              </a:srgbClr>
+            </a:outerShdw>
+          </a:effectLst>
+        </p:spPr>
+      </p:pic>
+      <p:pic>
+        <p:nvPicPr>
+          <p:cNvPr id="6" name="Imagem 5">
+            <a:extLst>
+              <a:ext uri="{FF2B5EF4-FFF2-40B4-BE49-F238E27FC236}">
+                <a16:creationId xmlns:a16="http://schemas.microsoft.com/office/drawing/2014/main" id="{D486747B-29DE-477F-905F-1AF19F5E3DDB}"/>
+              </a:ext>
+            </a:extLst>
+          </p:cNvPr>
+          <p:cNvPicPr>
+            <a:picLocks noChangeAspect="1"/>
+          </p:cNvPicPr>
+          <p:nvPr/>
+        </p:nvPicPr>
+        <p:blipFill>
+          <a:blip r:embed="rId4"/>
+          <a:stretch>
+            <a:fillRect/>
+          </a:stretch>
+        </p:blipFill>
+        <p:spPr>
+          <a:xfrm>
+            <a:off x="733425" y="2016340"/>
+            <a:ext cx="5695950" cy="2076450"/>
+          </a:xfrm>
+          <a:prstGeom prst="rect">
+            <a:avLst/>
+          </a:prstGeom>
+        </p:spPr>
+      </p:pic>
+    </p:spTree>
+    <p:extLst>
+      <p:ext uri="{BB962C8B-B14F-4D97-AF65-F5344CB8AC3E}">
+        <p14:creationId xmlns:p14="http://schemas.microsoft.com/office/powerpoint/2010/main" val="3647903330"/>
+      </p:ext>
+    </p:extLst>
+  </p:cSld>
+  <p:clrMapOvr>
+    <a:masterClrMapping/>
+  </p:clrMapOvr>
+</p:sld>
+</file>
+
+<file path=ppt/slides/slide16.xml><?xml version="1.0" encoding="utf-8"?>
+<p:sld xmlns:a="http://schemas.openxmlformats.org/drawingml/2006/main" xmlns:r="http://schemas.openxmlformats.org/officeDocument/2006/relationships" xmlns:p="http://schemas.openxmlformats.org/presentationml/2006/main">
+  <p:cSld>
+    <p:spTree>
+      <p:nvGrpSpPr>
+        <p:cNvPr id="1" name=""/>
+        <p:cNvGrpSpPr/>
+        <p:nvPr/>
+      </p:nvGrpSpPr>
+      <p:grpSpPr>
+        <a:xfrm>
+          <a:off x="0" y="0"/>
+          <a:ext cx="0" cy="0"/>
+          <a:chOff x="0" y="0"/>
+          <a:chExt cx="0" cy="0"/>
+        </a:xfrm>
+      </p:grpSpPr>
+      <p:sp>
+        <p:nvSpPr>
+          <p:cNvPr id="9218" name="Rectangle 2">
+            <a:extLst>
+              <a:ext uri="{FF2B5EF4-FFF2-40B4-BE49-F238E27FC236}">
+                <a16:creationId xmlns:a16="http://schemas.microsoft.com/office/drawing/2014/main" id="{2C2A51A3-03C7-4D88-81F9-9B524045BD81}"/>
+              </a:ext>
+            </a:extLst>
+          </p:cNvPr>
+          <p:cNvSpPr>
+            <a:spLocks noGrp="1" noRot="1" noChangeArrowheads="1"/>
+          </p:cNvSpPr>
+          <p:nvPr>
+            <p:ph type="title"/>
+          </p:nvPr>
+        </p:nvSpPr>
+        <p:spPr>
+          <a:xfrm>
+            <a:off x="102442" y="136525"/>
+            <a:ext cx="10515600" cy="1325562"/>
+          </a:xfrm>
+        </p:spPr>
+        <p:txBody>
+          <a:bodyPr>
+            <a:normAutofit/>
+          </a:bodyPr>
+          <a:lstStyle/>
+          <a:p>
+            <a:r>
+              <a:rPr lang="en-US" sz="4000" b="1" i="1" dirty="0">
+                <a:solidFill>
+                  <a:srgbClr val="6600FF"/>
+                </a:solidFill>
+                <a:effectLst>
+                  <a:outerShdw blurRad="38100" dist="38100" dir="2700000" algn="tl">
+                    <a:srgbClr val="000000">
+                      <a:alpha val="43137"/>
+                    </a:srgbClr>
+                  </a:outerShdw>
+                </a:effectLst>
+              </a:rPr>
+              <a:t>TECNOLOGIAS PARA INTERNET - II</a:t>
+            </a:r>
+            <a:br>
+              <a:rPr lang="en-US" sz="4000" dirty="0"/>
+            </a:br>
+            <a:r>
+              <a:rPr lang="en-US" sz="4000" dirty="0" err="1"/>
+              <a:t>JQuery</a:t>
+            </a:r>
+            <a:r>
+              <a:rPr lang="en-US" sz="4000" dirty="0"/>
+              <a:t> – </a:t>
+            </a:r>
+            <a:r>
+              <a:rPr lang="en-US" sz="4000" dirty="0" err="1"/>
+              <a:t>Instalação</a:t>
+            </a:r>
+            <a:r>
+              <a:rPr lang="en-US" sz="4000" dirty="0"/>
+              <a:t> – Hello World</a:t>
+            </a:r>
+            <a:endParaRPr lang="tr-TR" altLang="pt-BR" sz="4000" dirty="0"/>
+          </a:p>
+        </p:txBody>
+      </p:sp>
+      <p:sp>
+        <p:nvSpPr>
+          <p:cNvPr id="2" name="Espaço Reservado para Data 1">
+            <a:extLst>
+              <a:ext uri="{FF2B5EF4-FFF2-40B4-BE49-F238E27FC236}">
+                <a16:creationId xmlns:a16="http://schemas.microsoft.com/office/drawing/2014/main" id="{CA5D9241-6779-43DA-9738-602D9E2FDFC1}"/>
+              </a:ext>
+            </a:extLst>
+          </p:cNvPr>
+          <p:cNvSpPr>
+            <a:spLocks noGrp="1"/>
+          </p:cNvSpPr>
+          <p:nvPr>
+            <p:ph type="dt" sz="half" idx="10"/>
+          </p:nvPr>
+        </p:nvSpPr>
+        <p:spPr/>
+        <p:txBody>
+          <a:bodyPr/>
+          <a:lstStyle/>
+          <a:p>
+            <a:r>
+              <a:rPr lang="pt-BR"/>
+              <a:t>30-jul-18</a:t>
+            </a:r>
+          </a:p>
+        </p:txBody>
+      </p:sp>
+      <p:sp>
+        <p:nvSpPr>
+          <p:cNvPr id="3" name="Espaço Reservado para Rodapé 2">
+            <a:extLst>
+              <a:ext uri="{FF2B5EF4-FFF2-40B4-BE49-F238E27FC236}">
+                <a16:creationId xmlns:a16="http://schemas.microsoft.com/office/drawing/2014/main" id="{37AA3B48-AC65-4151-B1C9-DF3717B580F5}"/>
+              </a:ext>
+            </a:extLst>
+          </p:cNvPr>
+          <p:cNvSpPr>
+            <a:spLocks noGrp="1"/>
+          </p:cNvSpPr>
+          <p:nvPr>
+            <p:ph type="ftr" sz="quarter" idx="11"/>
+          </p:nvPr>
+        </p:nvSpPr>
+        <p:spPr/>
+        <p:txBody>
+          <a:bodyPr/>
+          <a:lstStyle/>
+          <a:p>
+            <a:r>
+              <a:rPr lang="pt-BR"/>
+              <a:t>Tecnologias para Internet - II  -  Prof.  André L. Braga</a:t>
+            </a:r>
+            <a:endParaRPr lang="pt-BR" dirty="0"/>
+          </a:p>
+        </p:txBody>
+      </p:sp>
+      <p:sp>
+        <p:nvSpPr>
+          <p:cNvPr id="4" name="Espaço Reservado para Número de Slide 3">
+            <a:extLst>
+              <a:ext uri="{FF2B5EF4-FFF2-40B4-BE49-F238E27FC236}">
+                <a16:creationId xmlns:a16="http://schemas.microsoft.com/office/drawing/2014/main" id="{9C55F005-6AC6-4A94-8953-F77E82F74A86}"/>
+              </a:ext>
+            </a:extLst>
+          </p:cNvPr>
+          <p:cNvSpPr>
+            <a:spLocks noGrp="1"/>
+          </p:cNvSpPr>
+          <p:nvPr>
+            <p:ph type="sldNum" sz="quarter" idx="12"/>
+          </p:nvPr>
+        </p:nvSpPr>
+        <p:spPr/>
+        <p:txBody>
+          <a:bodyPr/>
+          <a:lstStyle/>
+          <a:p>
+            <a:fld id="{733E8BE4-D61F-4D52-A9A4-24AB47FC0B80}" type="slidenum">
+              <a:rPr lang="pt-BR" smtClean="0"/>
+              <a:t>16</a:t>
             </a:fld>
             <a:endParaRPr lang="pt-BR"/>
           </a:p>
@@ -5207,7 +8824,7 @@
 </p:sld>
 </file>
 
-<file path=ppt/slides/slide11.xml><?xml version="1.0" encoding="utf-8"?>
+<file path=ppt/slides/slide17.xml><?xml version="1.0" encoding="utf-8"?>
 <p:sld xmlns:a="http://schemas.openxmlformats.org/drawingml/2006/main" xmlns:r="http://schemas.openxmlformats.org/officeDocument/2006/relationships" xmlns:p="http://schemas.openxmlformats.org/presentationml/2006/main">
   <p:cSld>
     <p:spTree>
@@ -5370,7 +8987,7 @@
           <a:p>
             <a:fld id="{733E8BE4-D61F-4D52-A9A4-24AB47FC0B80}" type="slidenum">
               <a:rPr lang="pt-BR" smtClean="0"/>
-              <a:t>11</a:t>
+              <a:t>17</a:t>
             </a:fld>
             <a:endParaRPr lang="pt-BR"/>
           </a:p>
@@ -5602,7 +9219,7 @@
 </p:sld>
 </file>
 
-<file path=ppt/slides/slide12.xml><?xml version="1.0" encoding="utf-8"?>
+<file path=ppt/slides/slide18.xml><?xml version="1.0" encoding="utf-8"?>
 <p:sld xmlns:a="http://schemas.openxmlformats.org/drawingml/2006/main" xmlns:r="http://schemas.openxmlformats.org/officeDocument/2006/relationships" xmlns:p="http://schemas.openxmlformats.org/presentationml/2006/main">
   <p:cSld>
     <p:spTree>
@@ -5760,7 +9377,7 @@
           <a:p>
             <a:fld id="{733E8BE4-D61F-4D52-A9A4-24AB47FC0B80}" type="slidenum">
               <a:rPr lang="pt-BR" smtClean="0"/>
-              <a:t>12</a:t>
+              <a:t>18</a:t>
             </a:fld>
             <a:endParaRPr lang="pt-BR"/>
           </a:p>
@@ -6150,7 +9767,7 @@
 </p:sld>
 </file>
 
-<file path=ppt/slides/slide13.xml><?xml version="1.0" encoding="utf-8"?>
+<file path=ppt/slides/slide19.xml><?xml version="1.0" encoding="utf-8"?>
 <p:sld xmlns:a="http://schemas.openxmlformats.org/drawingml/2006/main" xmlns:r="http://schemas.openxmlformats.org/officeDocument/2006/relationships" xmlns:p="http://schemas.openxmlformats.org/presentationml/2006/main">
   <p:cSld>
     <p:spTree>
@@ -6359,7 +9976,7 @@
           <a:p>
             <a:fld id="{733E8BE4-D61F-4D52-A9A4-24AB47FC0B80}" type="slidenum">
               <a:rPr lang="pt-BR" smtClean="0"/>
-              <a:t>13</a:t>
+              <a:t>19</a:t>
             </a:fld>
             <a:endParaRPr lang="pt-BR"/>
           </a:p>
@@ -6647,7 +10264,306 @@
 </p:sld>
 </file>
 
-<file path=ppt/slides/slide14.xml><?xml version="1.0" encoding="utf-8"?>
+<file path=ppt/slides/slide2.xml><?xml version="1.0" encoding="utf-8"?>
+<p:sld xmlns:a="http://schemas.openxmlformats.org/drawingml/2006/main" xmlns:r="http://schemas.openxmlformats.org/officeDocument/2006/relationships" xmlns:p="http://schemas.openxmlformats.org/presentationml/2006/main">
+  <p:cSld>
+    <p:spTree>
+      <p:nvGrpSpPr>
+        <p:cNvPr id="1" name=""/>
+        <p:cNvGrpSpPr/>
+        <p:nvPr/>
+      </p:nvGrpSpPr>
+      <p:grpSpPr>
+        <a:xfrm>
+          <a:off x="0" y="0"/>
+          <a:ext cx="0" cy="0"/>
+          <a:chOff x="0" y="0"/>
+          <a:chExt cx="0" cy="0"/>
+        </a:xfrm>
+      </p:grpSpPr>
+      <p:sp>
+        <p:nvSpPr>
+          <p:cNvPr id="2" name="Título 1"/>
+          <p:cNvSpPr>
+            <a:spLocks noGrp="1"/>
+          </p:cNvSpPr>
+          <p:nvPr>
+            <p:ph type="title"/>
+          </p:nvPr>
+        </p:nvSpPr>
+        <p:spPr/>
+        <p:txBody>
+          <a:bodyPr>
+            <a:normAutofit/>
+          </a:bodyPr>
+          <a:lstStyle/>
+          <a:p>
+            <a:r>
+              <a:rPr lang="en-US" b="1" i="1" dirty="0">
+                <a:solidFill>
+                  <a:srgbClr val="6600FF"/>
+                </a:solidFill>
+                <a:effectLst>
+                  <a:outerShdw blurRad="38100" dist="38100" dir="2700000" algn="tl">
+                    <a:srgbClr val="000000">
+                      <a:alpha val="43137"/>
+                    </a:srgbClr>
+                  </a:outerShdw>
+                </a:effectLst>
+              </a:rPr>
+              <a:t>TECNOLOGIAS PARA INTERNET - II</a:t>
+            </a:r>
+            <a:br>
+              <a:rPr lang="en-US" dirty="0"/>
+            </a:br>
+            <a:r>
+              <a:rPr lang="en-US" dirty="0"/>
+              <a:t>Aula 3 - </a:t>
+            </a:r>
+            <a:r>
+              <a:rPr lang="en-US" dirty="0" err="1"/>
+              <a:t>JQuery</a:t>
+            </a:r>
+            <a:endParaRPr lang="pt-BR" dirty="0"/>
+          </a:p>
+        </p:txBody>
+      </p:sp>
+      <p:sp>
+        <p:nvSpPr>
+          <p:cNvPr id="5" name="Espaço Reservado para Rodapé 4"/>
+          <p:cNvSpPr>
+            <a:spLocks noGrp="1"/>
+          </p:cNvSpPr>
+          <p:nvPr>
+            <p:ph type="ftr" sz="quarter" idx="11"/>
+          </p:nvPr>
+        </p:nvSpPr>
+        <p:spPr>
+          <a:xfrm>
+            <a:off x="4142476" y="6279502"/>
+            <a:ext cx="3712955" cy="365125"/>
+          </a:xfrm>
+        </p:spPr>
+        <p:txBody>
+          <a:bodyPr/>
+          <a:lstStyle/>
+          <a:p>
+            <a:r>
+              <a:rPr lang="pt-BR"/>
+              <a:t>Tecnologias para Internet - II  -  Prof.  André L. Braga</a:t>
+            </a:r>
+            <a:endParaRPr lang="pt-BR" dirty="0"/>
+          </a:p>
+        </p:txBody>
+      </p:sp>
+      <p:sp>
+        <p:nvSpPr>
+          <p:cNvPr id="4" name="Espaço Reservado para Número de Slide 3"/>
+          <p:cNvSpPr>
+            <a:spLocks noGrp="1"/>
+          </p:cNvSpPr>
+          <p:nvPr>
+            <p:ph type="sldNum" sz="quarter" idx="12"/>
+          </p:nvPr>
+        </p:nvSpPr>
+        <p:spPr/>
+        <p:txBody>
+          <a:bodyPr/>
+          <a:lstStyle/>
+          <a:p>
+            <a:fld id="{733E8BE4-D61F-4D52-A9A4-24AB47FC0B80}" type="slidenum">
+              <a:rPr lang="pt-BR" smtClean="0"/>
+              <a:t>2</a:t>
+            </a:fld>
+            <a:endParaRPr lang="pt-BR"/>
+          </a:p>
+        </p:txBody>
+      </p:sp>
+      <p:sp>
+        <p:nvSpPr>
+          <p:cNvPr id="6" name="Espaço Reservado para Data 5">
+            <a:extLst>
+              <a:ext uri="{FF2B5EF4-FFF2-40B4-BE49-F238E27FC236}">
+                <a16:creationId xmlns:a16="http://schemas.microsoft.com/office/drawing/2014/main" id="{307CF23B-7AF2-4046-998B-6DAC717FAB3F}"/>
+              </a:ext>
+            </a:extLst>
+          </p:cNvPr>
+          <p:cNvSpPr>
+            <a:spLocks noGrp="1"/>
+          </p:cNvSpPr>
+          <p:nvPr>
+            <p:ph type="dt" sz="half" idx="10"/>
+          </p:nvPr>
+        </p:nvSpPr>
+        <p:spPr/>
+        <p:txBody>
+          <a:bodyPr/>
+          <a:lstStyle/>
+          <a:p>
+            <a:r>
+              <a:rPr lang="pt-BR"/>
+              <a:t>30-jul-18</a:t>
+            </a:r>
+          </a:p>
+        </p:txBody>
+      </p:sp>
+      <p:sp>
+        <p:nvSpPr>
+          <p:cNvPr id="9" name="Espaço Reservado para Conteúdo 2">
+            <a:extLst>
+              <a:ext uri="{FF2B5EF4-FFF2-40B4-BE49-F238E27FC236}">
+                <a16:creationId xmlns:a16="http://schemas.microsoft.com/office/drawing/2014/main" id="{56B954F7-9DEE-4825-BFEC-8D8B6C037163}"/>
+              </a:ext>
+            </a:extLst>
+          </p:cNvPr>
+          <p:cNvSpPr>
+            <a:spLocks noGrp="1"/>
+          </p:cNvSpPr>
+          <p:nvPr>
+            <p:ph idx="1"/>
+          </p:nvPr>
+        </p:nvSpPr>
+        <p:spPr>
+          <a:xfrm>
+            <a:off x="1087645" y="1777506"/>
+            <a:ext cx="9613861" cy="4714734"/>
+          </a:xfrm>
+        </p:spPr>
+        <p:txBody>
+          <a:bodyPr>
+            <a:normAutofit fontScale="77500" lnSpcReduction="20000"/>
+          </a:bodyPr>
+          <a:lstStyle/>
+          <a:p>
+            <a:pPr marL="742950" indent="-742950">
+              <a:buFont typeface="+mj-lt"/>
+              <a:buAutoNum type="arabicPeriod"/>
+            </a:pPr>
+            <a:r>
+              <a:rPr lang="en-US" sz="7200" dirty="0" err="1"/>
+              <a:t>JQuery</a:t>
+            </a:r>
+            <a:endParaRPr lang="en-US" sz="7200" dirty="0"/>
+          </a:p>
+          <a:p>
+            <a:pPr marL="1200150" lvl="1" indent="-742950">
+              <a:buFont typeface="+mj-lt"/>
+              <a:buAutoNum type="romanUcPeriod"/>
+            </a:pPr>
+            <a:r>
+              <a:rPr lang="en-US" sz="6600" dirty="0" err="1"/>
+              <a:t>Conceitos</a:t>
+            </a:r>
+            <a:endParaRPr lang="en-US" sz="6600" dirty="0"/>
+          </a:p>
+          <a:p>
+            <a:pPr marL="1200150" lvl="1" indent="-742950">
+              <a:buFont typeface="+mj-lt"/>
+              <a:buAutoNum type="romanUcPeriod"/>
+            </a:pPr>
+            <a:r>
+              <a:rPr lang="en-US" sz="6600" dirty="0" err="1"/>
+              <a:t>Seletores</a:t>
+            </a:r>
+            <a:endParaRPr lang="en-US" sz="6600" dirty="0"/>
+          </a:p>
+          <a:p>
+            <a:pPr marL="1200150" lvl="1" indent="-742950">
+              <a:buFont typeface="+mj-lt"/>
+              <a:buAutoNum type="romanUcPeriod"/>
+            </a:pPr>
+            <a:r>
+              <a:rPr lang="en-US" sz="6600" dirty="0" err="1"/>
+              <a:t>Eventos</a:t>
+            </a:r>
+            <a:endParaRPr lang="en-US" sz="6600" dirty="0"/>
+          </a:p>
+          <a:p>
+            <a:pPr marL="1200150" lvl="1" indent="-742950">
+              <a:buFont typeface="+mj-lt"/>
+              <a:buAutoNum type="romanUcPeriod"/>
+            </a:pPr>
+            <a:r>
+              <a:rPr lang="en-US" sz="6600" dirty="0" err="1"/>
+              <a:t>Métodos</a:t>
+            </a:r>
+            <a:endParaRPr lang="en-US" sz="6600" dirty="0"/>
+          </a:p>
+          <a:p>
+            <a:pPr marL="742950" indent="-742950">
+              <a:buFont typeface="+mj-lt"/>
+              <a:buAutoNum type="arabicPeriod"/>
+            </a:pPr>
+            <a:r>
+              <a:rPr lang="en-US" sz="7000" dirty="0" err="1"/>
+              <a:t>Inicialização</a:t>
+            </a:r>
+            <a:endParaRPr lang="en-US" sz="7000" dirty="0"/>
+          </a:p>
+          <a:p>
+            <a:pPr marL="742950" indent="-742950">
+              <a:buFont typeface="+mj-lt"/>
+              <a:buAutoNum type="arabicPeriod"/>
+            </a:pPr>
+            <a:r>
+              <a:rPr lang="en-US" sz="7000" dirty="0" err="1"/>
+              <a:t>JQuery</a:t>
+            </a:r>
+            <a:r>
+              <a:rPr lang="en-US" sz="7000" dirty="0"/>
+              <a:t> “Hello World”</a:t>
+            </a:r>
+          </a:p>
+          <a:p>
+            <a:pPr marL="1200150" lvl="1" indent="-742950">
+              <a:buFont typeface="+mj-lt"/>
+              <a:buAutoNum type="romanUcPeriod"/>
+            </a:pPr>
+            <a:endParaRPr lang="en-US" sz="3200" dirty="0"/>
+          </a:p>
+          <a:p>
+            <a:pPr marL="742950" indent="-742950">
+              <a:buFont typeface="+mj-lt"/>
+              <a:buAutoNum type="arabicPeriod"/>
+            </a:pPr>
+            <a:endParaRPr lang="en-US" sz="3600" dirty="0"/>
+          </a:p>
+          <a:p>
+            <a:pPr marL="742950" indent="-742950">
+              <a:buFont typeface="+mj-lt"/>
+              <a:buAutoNum type="arabicPeriod"/>
+            </a:pPr>
+            <a:endParaRPr lang="en-US" sz="3600" dirty="0"/>
+          </a:p>
+          <a:p>
+            <a:pPr marL="742950" indent="-742950">
+              <a:buFont typeface="+mj-lt"/>
+              <a:buAutoNum type="arabicPeriod"/>
+            </a:pPr>
+            <a:endParaRPr lang="en-US" sz="3600" dirty="0"/>
+          </a:p>
+          <a:p>
+            <a:pPr marL="0" indent="0">
+              <a:buNone/>
+            </a:pPr>
+            <a:endParaRPr lang="pt-BR" sz="3600" dirty="0"/>
+          </a:p>
+        </p:txBody>
+      </p:sp>
+    </p:spTree>
+    <p:extLst>
+      <p:ext uri="{BB962C8B-B14F-4D97-AF65-F5344CB8AC3E}">
+        <p14:creationId xmlns:p14="http://schemas.microsoft.com/office/powerpoint/2010/main" val="1888204713"/>
+      </p:ext>
+    </p:extLst>
+  </p:cSld>
+  <p:clrMapOvr>
+    <a:masterClrMapping/>
+  </p:clrMapOvr>
+</p:sld>
+</file>
+
+<file path=ppt/slides/slide20.xml><?xml version="1.0" encoding="utf-8"?>
 <p:sld xmlns:a="http://schemas.openxmlformats.org/drawingml/2006/main" xmlns:r="http://schemas.openxmlformats.org/officeDocument/2006/relationships" xmlns:p="http://schemas.openxmlformats.org/presentationml/2006/main">
   <p:cSld>
     <p:spTree>
@@ -6857,7 +10773,7 @@
           <a:p>
             <a:fld id="{733E8BE4-D61F-4D52-A9A4-24AB47FC0B80}" type="slidenum">
               <a:rPr lang="pt-BR" smtClean="0"/>
-              <a:t>14</a:t>
+              <a:t>20</a:t>
             </a:fld>
             <a:endParaRPr lang="pt-BR"/>
           </a:p>
@@ -7791,7 +11707,7 @@
 </p:sld>
 </file>
 
-<file path=ppt/slides/slide15.xml><?xml version="1.0" encoding="utf-8"?>
+<file path=ppt/slides/slide21.xml><?xml version="1.0" encoding="utf-8"?>
 <p:sld xmlns:a="http://schemas.openxmlformats.org/drawingml/2006/main" xmlns:r="http://schemas.openxmlformats.org/officeDocument/2006/relationships" xmlns:p="http://schemas.openxmlformats.org/presentationml/2006/main">
   <p:cSld>
     <p:spTree>
@@ -7980,7 +11896,7 @@
           <a:p>
             <a:fld id="{733E8BE4-D61F-4D52-A9A4-24AB47FC0B80}" type="slidenum">
               <a:rPr lang="pt-BR" smtClean="0"/>
-              <a:t>15</a:t>
+              <a:t>21</a:t>
             </a:fld>
             <a:endParaRPr lang="pt-BR"/>
           </a:p>
@@ -8491,7 +12407,7 @@
 </p:sld>
 </file>
 
-<file path=ppt/slides/slide16.xml><?xml version="1.0" encoding="utf-8"?>
+<file path=ppt/slides/slide22.xml><?xml version="1.0" encoding="utf-8"?>
 <p:sld xmlns:a="http://schemas.openxmlformats.org/drawingml/2006/main" xmlns:r="http://schemas.openxmlformats.org/officeDocument/2006/relationships" xmlns:p="http://schemas.openxmlformats.org/presentationml/2006/main">
   <p:cSld>
     <p:spTree>
@@ -8654,7 +12570,7 @@
           <a:p>
             <a:fld id="{733E8BE4-D61F-4D52-A9A4-24AB47FC0B80}" type="slidenum">
               <a:rPr lang="pt-BR" smtClean="0"/>
-              <a:t>16</a:t>
+              <a:t>22</a:t>
             </a:fld>
             <a:endParaRPr lang="pt-BR"/>
           </a:p>
@@ -8713,7 +12629,7 @@
 </p:sld>
 </file>
 
-<file path=ppt/slides/slide17.xml><?xml version="1.0" encoding="utf-8"?>
+<file path=ppt/slides/slide23.xml><?xml version="1.0" encoding="utf-8"?>
 <p:sld xmlns:a="http://schemas.openxmlformats.org/drawingml/2006/main" xmlns:r="http://schemas.openxmlformats.org/officeDocument/2006/relationships" xmlns:p="http://schemas.openxmlformats.org/presentationml/2006/main">
   <p:cSld>
     <p:spTree>
@@ -8876,7 +12792,7 @@
           <a:p>
             <a:fld id="{733E8BE4-D61F-4D52-A9A4-24AB47FC0B80}" type="slidenum">
               <a:rPr lang="pt-BR" smtClean="0"/>
-              <a:t>17</a:t>
+              <a:t>23</a:t>
             </a:fld>
             <a:endParaRPr lang="pt-BR"/>
           </a:p>
@@ -8935,7 +12851,7 @@
 </p:sld>
 </file>
 
-<file path=ppt/slides/slide18.xml><?xml version="1.0" encoding="utf-8"?>
+<file path=ppt/slides/slide24.xml><?xml version="1.0" encoding="utf-8"?>
 <p:sld xmlns:a="http://schemas.openxmlformats.org/drawingml/2006/main" xmlns:r="http://schemas.openxmlformats.org/officeDocument/2006/relationships" xmlns:p="http://schemas.openxmlformats.org/presentationml/2006/main">
   <p:cSld>
     <p:spTree>
@@ -9090,7 +13006,7 @@
           <a:p>
             <a:fld id="{733E8BE4-D61F-4D52-A9A4-24AB47FC0B80}" type="slidenum">
               <a:rPr lang="pt-BR" smtClean="0"/>
-              <a:t>18</a:t>
+              <a:t>24</a:t>
             </a:fld>
             <a:endParaRPr lang="pt-BR"/>
           </a:p>
@@ -9235,7 +13151,7 @@
 </p:sld>
 </file>
 
-<file path=ppt/slides/slide19.xml><?xml version="1.0" encoding="utf-8"?>
+<file path=ppt/slides/slide25.xml><?xml version="1.0" encoding="utf-8"?>
 <p:sld xmlns:a="http://schemas.openxmlformats.org/drawingml/2006/main" xmlns:r="http://schemas.openxmlformats.org/officeDocument/2006/relationships" xmlns:p="http://schemas.openxmlformats.org/presentationml/2006/main">
   <p:cSld>
     <p:spTree>
@@ -9394,7 +13310,7 @@
           <a:p>
             <a:fld id="{733E8BE4-D61F-4D52-A9A4-24AB47FC0B80}" type="slidenum">
               <a:rPr lang="pt-BR" smtClean="0"/>
-              <a:t>19</a:t>
+              <a:t>25</a:t>
             </a:fld>
             <a:endParaRPr lang="pt-BR"/>
           </a:p>
@@ -9539,7 +13455,7 @@
 </p:sld>
 </file>
 
-<file path=ppt/slides/slide2.xml><?xml version="1.0" encoding="utf-8"?>
+<file path=ppt/slides/slide26.xml><?xml version="1.0" encoding="utf-8"?>
 <p:sld xmlns:a="http://schemas.openxmlformats.org/drawingml/2006/main" xmlns:r="http://schemas.openxmlformats.org/officeDocument/2006/relationships" xmlns:p="http://schemas.openxmlformats.org/presentationml/2006/main">
   <p:cSld>
     <p:spTree>
@@ -9558,15 +13474,26 @@
       </p:grpSpPr>
       <p:sp>
         <p:nvSpPr>
-          <p:cNvPr id="2" name="Título 1"/>
-          <p:cNvSpPr>
-            <a:spLocks noGrp="1"/>
+          <p:cNvPr id="9218" name="Rectangle 2">
+            <a:extLst>
+              <a:ext uri="{FF2B5EF4-FFF2-40B4-BE49-F238E27FC236}">
+                <a16:creationId xmlns:a16="http://schemas.microsoft.com/office/drawing/2014/main" id="{2C2A51A3-03C7-4D88-81F9-9B524045BD81}"/>
+              </a:ext>
+            </a:extLst>
+          </p:cNvPr>
+          <p:cNvSpPr>
+            <a:spLocks noGrp="1" noRot="1" noChangeArrowheads="1"/>
           </p:cNvSpPr>
           <p:nvPr>
             <p:ph type="title"/>
           </p:nvPr>
         </p:nvSpPr>
-        <p:spPr/>
+        <p:spPr>
+          <a:xfrm>
+            <a:off x="759402" y="0"/>
+            <a:ext cx="10515600" cy="1325562"/>
+          </a:xfrm>
+        </p:spPr>
         <p:txBody>
           <a:bodyPr>
             <a:normAutofit/>
@@ -9574,7 +13501,7 @@
           <a:lstStyle/>
           <a:p>
             <a:r>
-              <a:rPr lang="en-US" b="1" i="1" dirty="0">
+              <a:rPr lang="en-US" sz="4000" b="1" i="1" dirty="0">
                 <a:solidFill>
                   <a:srgbClr val="6600FF"/>
                 </a:solidFill>
@@ -9589,36 +13516,73 @@
               <a:t>TECNOLOGIAS PARA INTERNET - II</a:t>
             </a:r>
             <a:br>
-              <a:rPr lang="en-US" dirty="0"/>
+              <a:rPr lang="en-US" sz="4000" dirty="0"/>
             </a:br>
             <a:r>
-              <a:rPr lang="en-US" dirty="0"/>
-              <a:t>Aula 3 - </a:t>
-            </a:r>
-            <a:r>
-              <a:rPr lang="en-US" dirty="0" err="1"/>
+              <a:rPr lang="en-US" sz="4000" dirty="0" err="1"/>
               <a:t>JQuery</a:t>
             </a:r>
-            <a:endParaRPr lang="pt-BR" dirty="0"/>
-          </a:p>
-        </p:txBody>
-      </p:sp>
-      <p:sp>
-        <p:nvSpPr>
-          <p:cNvPr id="5" name="Espaço Reservado para Rodapé 4"/>
+            <a:r>
+              <a:rPr lang="en-US" sz="4000" dirty="0"/>
+              <a:t> – Exemplo 2 – </a:t>
+            </a:r>
+            <a:r>
+              <a:rPr lang="en-US" sz="4000" dirty="0" err="1"/>
+              <a:t>Função</a:t>
+            </a:r>
+            <a:r>
+              <a:rPr lang="en-US" sz="4000" dirty="0"/>
+              <a:t> 1</a:t>
+            </a:r>
+            <a:endParaRPr lang="tr-TR" altLang="pt-BR" sz="4000" dirty="0"/>
+          </a:p>
+        </p:txBody>
+      </p:sp>
+      <p:sp>
+        <p:nvSpPr>
+          <p:cNvPr id="2" name="Espaço Reservado para Data 1">
+            <a:extLst>
+              <a:ext uri="{FF2B5EF4-FFF2-40B4-BE49-F238E27FC236}">
+                <a16:creationId xmlns:a16="http://schemas.microsoft.com/office/drawing/2014/main" id="{CA5D9241-6779-43DA-9738-602D9E2FDFC1}"/>
+              </a:ext>
+            </a:extLst>
+          </p:cNvPr>
           <p:cNvSpPr>
             <a:spLocks noGrp="1"/>
           </p:cNvSpPr>
           <p:nvPr>
+            <p:ph type="dt" sz="half" idx="10"/>
+          </p:nvPr>
+        </p:nvSpPr>
+        <p:spPr/>
+        <p:txBody>
+          <a:bodyPr/>
+          <a:lstStyle/>
+          <a:p>
+            <a:r>
+              <a:rPr lang="pt-BR"/>
+              <a:t>30-jul-18</a:t>
+            </a:r>
+          </a:p>
+        </p:txBody>
+      </p:sp>
+      <p:sp>
+        <p:nvSpPr>
+          <p:cNvPr id="3" name="Espaço Reservado para Rodapé 2">
+            <a:extLst>
+              <a:ext uri="{FF2B5EF4-FFF2-40B4-BE49-F238E27FC236}">
+                <a16:creationId xmlns:a16="http://schemas.microsoft.com/office/drawing/2014/main" id="{37AA3B48-AC65-4151-B1C9-DF3717B580F5}"/>
+              </a:ext>
+            </a:extLst>
+          </p:cNvPr>
+          <p:cNvSpPr>
+            <a:spLocks noGrp="1"/>
+          </p:cNvSpPr>
+          <p:nvPr>
             <p:ph type="ftr" sz="quarter" idx="11"/>
           </p:nvPr>
         </p:nvSpPr>
-        <p:spPr>
-          <a:xfrm>
-            <a:off x="4142476" y="6279502"/>
-            <a:ext cx="3712955" cy="365125"/>
-          </a:xfrm>
-        </p:spPr>
+        <p:spPr/>
         <p:txBody>
           <a:bodyPr/>
           <a:lstStyle/>
@@ -9633,7 +13597,13 @@
       </p:sp>
       <p:sp>
         <p:nvSpPr>
-          <p:cNvPr id="4" name="Espaço Reservado para Número de Slide 3"/>
+          <p:cNvPr id="4" name="Espaço Reservado para Número de Slide 3">
+            <a:extLst>
+              <a:ext uri="{FF2B5EF4-FFF2-40B4-BE49-F238E27FC236}">
+                <a16:creationId xmlns:a16="http://schemas.microsoft.com/office/drawing/2014/main" id="{9C55F005-6AC6-4A94-8953-F77E82F74A86}"/>
+              </a:ext>
+            </a:extLst>
+          </p:cNvPr>
           <p:cNvSpPr>
             <a:spLocks noGrp="1"/>
           </p:cNvSpPr>
@@ -9648,360 +13618,7 @@
           <a:p>
             <a:fld id="{733E8BE4-D61F-4D52-A9A4-24AB47FC0B80}" type="slidenum">
               <a:rPr lang="pt-BR" smtClean="0"/>
-              <a:t>2</a:t>
-            </a:fld>
-            <a:endParaRPr lang="pt-BR"/>
-          </a:p>
-        </p:txBody>
-      </p:sp>
-      <p:sp>
-        <p:nvSpPr>
-          <p:cNvPr id="6" name="Espaço Reservado para Data 5">
-            <a:extLst>
-              <a:ext uri="{FF2B5EF4-FFF2-40B4-BE49-F238E27FC236}">
-                <a16:creationId xmlns:a16="http://schemas.microsoft.com/office/drawing/2014/main" id="{307CF23B-7AF2-4046-998B-6DAC717FAB3F}"/>
-              </a:ext>
-            </a:extLst>
-          </p:cNvPr>
-          <p:cNvSpPr>
-            <a:spLocks noGrp="1"/>
-          </p:cNvSpPr>
-          <p:nvPr>
-            <p:ph type="dt" sz="half" idx="10"/>
-          </p:nvPr>
-        </p:nvSpPr>
-        <p:spPr/>
-        <p:txBody>
-          <a:bodyPr/>
-          <a:lstStyle/>
-          <a:p>
-            <a:r>
-              <a:rPr lang="pt-BR"/>
-              <a:t>30-jul-18</a:t>
-            </a:r>
-          </a:p>
-        </p:txBody>
-      </p:sp>
-      <p:sp>
-        <p:nvSpPr>
-          <p:cNvPr id="9" name="Espaço Reservado para Conteúdo 2">
-            <a:extLst>
-              <a:ext uri="{FF2B5EF4-FFF2-40B4-BE49-F238E27FC236}">
-                <a16:creationId xmlns:a16="http://schemas.microsoft.com/office/drawing/2014/main" id="{56B954F7-9DEE-4825-BFEC-8D8B6C037163}"/>
-              </a:ext>
-            </a:extLst>
-          </p:cNvPr>
-          <p:cNvSpPr>
-            <a:spLocks noGrp="1"/>
-          </p:cNvSpPr>
-          <p:nvPr>
-            <p:ph idx="1"/>
-          </p:nvPr>
-        </p:nvSpPr>
-        <p:spPr>
-          <a:xfrm>
-            <a:off x="1087645" y="1777506"/>
-            <a:ext cx="9613861" cy="4714734"/>
-          </a:xfrm>
-        </p:spPr>
-        <p:txBody>
-          <a:bodyPr>
-            <a:normAutofit fontScale="77500" lnSpcReduction="20000"/>
-          </a:bodyPr>
-          <a:lstStyle/>
-          <a:p>
-            <a:pPr marL="742950" indent="-742950">
-              <a:buFont typeface="+mj-lt"/>
-              <a:buAutoNum type="arabicPeriod"/>
-            </a:pPr>
-            <a:r>
-              <a:rPr lang="en-US" sz="7200" dirty="0" err="1"/>
-              <a:t>JQuery</a:t>
-            </a:r>
-            <a:endParaRPr lang="en-US" sz="7200" dirty="0"/>
-          </a:p>
-          <a:p>
-            <a:pPr marL="1200150" lvl="1" indent="-742950">
-              <a:buFont typeface="+mj-lt"/>
-              <a:buAutoNum type="romanUcPeriod"/>
-            </a:pPr>
-            <a:r>
-              <a:rPr lang="en-US" sz="6600" dirty="0" err="1"/>
-              <a:t>Conceitos</a:t>
-            </a:r>
-            <a:endParaRPr lang="en-US" sz="6600" dirty="0"/>
-          </a:p>
-          <a:p>
-            <a:pPr marL="1200150" lvl="1" indent="-742950">
-              <a:buFont typeface="+mj-lt"/>
-              <a:buAutoNum type="romanUcPeriod"/>
-            </a:pPr>
-            <a:r>
-              <a:rPr lang="en-US" sz="6600" dirty="0" err="1"/>
-              <a:t>Seletores</a:t>
-            </a:r>
-            <a:endParaRPr lang="en-US" sz="6600" dirty="0"/>
-          </a:p>
-          <a:p>
-            <a:pPr marL="1200150" lvl="1" indent="-742950">
-              <a:buFont typeface="+mj-lt"/>
-              <a:buAutoNum type="romanUcPeriod"/>
-            </a:pPr>
-            <a:r>
-              <a:rPr lang="en-US" sz="6600" dirty="0" err="1"/>
-              <a:t>Eventos</a:t>
-            </a:r>
-            <a:endParaRPr lang="en-US" sz="6600" dirty="0"/>
-          </a:p>
-          <a:p>
-            <a:pPr marL="1200150" lvl="1" indent="-742950">
-              <a:buFont typeface="+mj-lt"/>
-              <a:buAutoNum type="romanUcPeriod"/>
-            </a:pPr>
-            <a:r>
-              <a:rPr lang="en-US" sz="6600" dirty="0" err="1"/>
-              <a:t>Métodos</a:t>
-            </a:r>
-            <a:endParaRPr lang="en-US" sz="6600" dirty="0"/>
-          </a:p>
-          <a:p>
-            <a:pPr marL="742950" indent="-742950">
-              <a:buFont typeface="+mj-lt"/>
-              <a:buAutoNum type="arabicPeriod"/>
-            </a:pPr>
-            <a:r>
-              <a:rPr lang="en-US" sz="7000" dirty="0" err="1"/>
-              <a:t>Inicialização</a:t>
-            </a:r>
-            <a:endParaRPr lang="en-US" sz="7000" dirty="0"/>
-          </a:p>
-          <a:p>
-            <a:pPr marL="742950" indent="-742950">
-              <a:buFont typeface="+mj-lt"/>
-              <a:buAutoNum type="arabicPeriod"/>
-            </a:pPr>
-            <a:r>
-              <a:rPr lang="en-US" sz="7000" dirty="0" err="1"/>
-              <a:t>JQuery</a:t>
-            </a:r>
-            <a:r>
-              <a:rPr lang="en-US" sz="7000" dirty="0"/>
-              <a:t> “Hello World”</a:t>
-            </a:r>
-          </a:p>
-          <a:p>
-            <a:pPr marL="1200150" lvl="1" indent="-742950">
-              <a:buFont typeface="+mj-lt"/>
-              <a:buAutoNum type="romanUcPeriod"/>
-            </a:pPr>
-            <a:endParaRPr lang="en-US" sz="3200" dirty="0"/>
-          </a:p>
-          <a:p>
-            <a:pPr marL="742950" indent="-742950">
-              <a:buFont typeface="+mj-lt"/>
-              <a:buAutoNum type="arabicPeriod"/>
-            </a:pPr>
-            <a:endParaRPr lang="en-US" sz="3600" dirty="0"/>
-          </a:p>
-          <a:p>
-            <a:pPr marL="742950" indent="-742950">
-              <a:buFont typeface="+mj-lt"/>
-              <a:buAutoNum type="arabicPeriod"/>
-            </a:pPr>
-            <a:endParaRPr lang="en-US" sz="3600" dirty="0"/>
-          </a:p>
-          <a:p>
-            <a:pPr marL="742950" indent="-742950">
-              <a:buFont typeface="+mj-lt"/>
-              <a:buAutoNum type="arabicPeriod"/>
-            </a:pPr>
-            <a:endParaRPr lang="en-US" sz="3600" dirty="0"/>
-          </a:p>
-          <a:p>
-            <a:pPr marL="0" indent="0">
-              <a:buNone/>
-            </a:pPr>
-            <a:endParaRPr lang="pt-BR" sz="3600" dirty="0"/>
-          </a:p>
-        </p:txBody>
-      </p:sp>
-    </p:spTree>
-    <p:extLst>
-      <p:ext uri="{BB962C8B-B14F-4D97-AF65-F5344CB8AC3E}">
-        <p14:creationId xmlns:p14="http://schemas.microsoft.com/office/powerpoint/2010/main" val="1888204713"/>
-      </p:ext>
-    </p:extLst>
-  </p:cSld>
-  <p:clrMapOvr>
-    <a:masterClrMapping/>
-  </p:clrMapOvr>
-</p:sld>
-</file>
-
-<file path=ppt/slides/slide20.xml><?xml version="1.0" encoding="utf-8"?>
-<p:sld xmlns:a="http://schemas.openxmlformats.org/drawingml/2006/main" xmlns:r="http://schemas.openxmlformats.org/officeDocument/2006/relationships" xmlns:p="http://schemas.openxmlformats.org/presentationml/2006/main">
-  <p:cSld>
-    <p:spTree>
-      <p:nvGrpSpPr>
-        <p:cNvPr id="1" name=""/>
-        <p:cNvGrpSpPr/>
-        <p:nvPr/>
-      </p:nvGrpSpPr>
-      <p:grpSpPr>
-        <a:xfrm>
-          <a:off x="0" y="0"/>
-          <a:ext cx="0" cy="0"/>
-          <a:chOff x="0" y="0"/>
-          <a:chExt cx="0" cy="0"/>
-        </a:xfrm>
-      </p:grpSpPr>
-      <p:sp>
-        <p:nvSpPr>
-          <p:cNvPr id="9218" name="Rectangle 2">
-            <a:extLst>
-              <a:ext uri="{FF2B5EF4-FFF2-40B4-BE49-F238E27FC236}">
-                <a16:creationId xmlns:a16="http://schemas.microsoft.com/office/drawing/2014/main" id="{2C2A51A3-03C7-4D88-81F9-9B524045BD81}"/>
-              </a:ext>
-            </a:extLst>
-          </p:cNvPr>
-          <p:cNvSpPr>
-            <a:spLocks noGrp="1" noRot="1" noChangeArrowheads="1"/>
-          </p:cNvSpPr>
-          <p:nvPr>
-            <p:ph type="title"/>
-          </p:nvPr>
-        </p:nvSpPr>
-        <p:spPr>
-          <a:xfrm>
-            <a:off x="759402" y="0"/>
-            <a:ext cx="10515600" cy="1325562"/>
-          </a:xfrm>
-        </p:spPr>
-        <p:txBody>
-          <a:bodyPr>
-            <a:normAutofit/>
-          </a:bodyPr>
-          <a:lstStyle/>
-          <a:p>
-            <a:r>
-              <a:rPr lang="en-US" sz="4000" b="1" i="1" dirty="0">
-                <a:solidFill>
-                  <a:srgbClr val="6600FF"/>
-                </a:solidFill>
-                <a:effectLst>
-                  <a:outerShdw blurRad="38100" dist="38100" dir="2700000" algn="tl">
-                    <a:srgbClr val="000000">
-                      <a:alpha val="43137"/>
-                    </a:srgbClr>
-                  </a:outerShdw>
-                </a:effectLst>
-              </a:rPr>
-              <a:t>TECNOLOGIAS PARA INTERNET - II</a:t>
-            </a:r>
-            <a:br>
-              <a:rPr lang="en-US" sz="4000" dirty="0"/>
-            </a:br>
-            <a:r>
-              <a:rPr lang="en-US" sz="4000" dirty="0" err="1"/>
-              <a:t>JQuery</a:t>
-            </a:r>
-            <a:r>
-              <a:rPr lang="en-US" sz="4000" dirty="0"/>
-              <a:t> – Exemplo 2 – </a:t>
-            </a:r>
-            <a:r>
-              <a:rPr lang="en-US" sz="4000" dirty="0" err="1"/>
-              <a:t>Função</a:t>
-            </a:r>
-            <a:r>
-              <a:rPr lang="en-US" sz="4000" dirty="0"/>
-              <a:t> 1</a:t>
-            </a:r>
-            <a:endParaRPr lang="tr-TR" altLang="pt-BR" sz="4000" dirty="0"/>
-          </a:p>
-        </p:txBody>
-      </p:sp>
-      <p:sp>
-        <p:nvSpPr>
-          <p:cNvPr id="2" name="Espaço Reservado para Data 1">
-            <a:extLst>
-              <a:ext uri="{FF2B5EF4-FFF2-40B4-BE49-F238E27FC236}">
-                <a16:creationId xmlns:a16="http://schemas.microsoft.com/office/drawing/2014/main" id="{CA5D9241-6779-43DA-9738-602D9E2FDFC1}"/>
-              </a:ext>
-            </a:extLst>
-          </p:cNvPr>
-          <p:cNvSpPr>
-            <a:spLocks noGrp="1"/>
-          </p:cNvSpPr>
-          <p:nvPr>
-            <p:ph type="dt" sz="half" idx="10"/>
-          </p:nvPr>
-        </p:nvSpPr>
-        <p:spPr/>
-        <p:txBody>
-          <a:bodyPr/>
-          <a:lstStyle/>
-          <a:p>
-            <a:r>
-              <a:rPr lang="pt-BR"/>
-              <a:t>30-jul-18</a:t>
-            </a:r>
-          </a:p>
-        </p:txBody>
-      </p:sp>
-      <p:sp>
-        <p:nvSpPr>
-          <p:cNvPr id="3" name="Espaço Reservado para Rodapé 2">
-            <a:extLst>
-              <a:ext uri="{FF2B5EF4-FFF2-40B4-BE49-F238E27FC236}">
-                <a16:creationId xmlns:a16="http://schemas.microsoft.com/office/drawing/2014/main" id="{37AA3B48-AC65-4151-B1C9-DF3717B580F5}"/>
-              </a:ext>
-            </a:extLst>
-          </p:cNvPr>
-          <p:cNvSpPr>
-            <a:spLocks noGrp="1"/>
-          </p:cNvSpPr>
-          <p:nvPr>
-            <p:ph type="ftr" sz="quarter" idx="11"/>
-          </p:nvPr>
-        </p:nvSpPr>
-        <p:spPr/>
-        <p:txBody>
-          <a:bodyPr/>
-          <a:lstStyle/>
-          <a:p>
-            <a:r>
-              <a:rPr lang="pt-BR"/>
-              <a:t>Tecnologias para Internet - II  -  Prof.  André L. Braga</a:t>
-            </a:r>
-            <a:endParaRPr lang="pt-BR" dirty="0"/>
-          </a:p>
-        </p:txBody>
-      </p:sp>
-      <p:sp>
-        <p:nvSpPr>
-          <p:cNvPr id="4" name="Espaço Reservado para Número de Slide 3">
-            <a:extLst>
-              <a:ext uri="{FF2B5EF4-FFF2-40B4-BE49-F238E27FC236}">
-                <a16:creationId xmlns:a16="http://schemas.microsoft.com/office/drawing/2014/main" id="{9C55F005-6AC6-4A94-8953-F77E82F74A86}"/>
-              </a:ext>
-            </a:extLst>
-          </p:cNvPr>
-          <p:cNvSpPr>
-            <a:spLocks noGrp="1"/>
-          </p:cNvSpPr>
-          <p:nvPr>
-            <p:ph type="sldNum" sz="quarter" idx="12"/>
-          </p:nvPr>
-        </p:nvSpPr>
-        <p:spPr/>
-        <p:txBody>
-          <a:bodyPr/>
-          <a:lstStyle/>
-          <a:p>
-            <a:fld id="{733E8BE4-D61F-4D52-A9A4-24AB47FC0B80}" type="slidenum">
-              <a:rPr lang="pt-BR" smtClean="0"/>
-              <a:t>20</a:t>
+              <a:t>26</a:t>
             </a:fld>
             <a:endParaRPr lang="pt-BR"/>
           </a:p>
@@ -10145,7 +13762,7 @@
 </p:sld>
 </file>
 
-<file path=ppt/slides/slide21.xml><?xml version="1.0" encoding="utf-8"?>
+<file path=ppt/slides/slide27.xml><?xml version="1.0" encoding="utf-8"?>
 <p:sld xmlns:a="http://schemas.openxmlformats.org/drawingml/2006/main" xmlns:r="http://schemas.openxmlformats.org/officeDocument/2006/relationships" xmlns:p="http://schemas.openxmlformats.org/presentationml/2006/main">
   <p:cSld>
     <p:spTree>
@@ -10387,7 +14004,7 @@
           <a:p>
             <a:fld id="{733E8BE4-D61F-4D52-A9A4-24AB47FC0B80}" type="slidenum">
               <a:rPr lang="pt-BR" smtClean="0"/>
-              <a:t>21</a:t>
+              <a:t>27</a:t>
             </a:fld>
             <a:endParaRPr lang="pt-BR"/>
           </a:p>
@@ -10453,7 +14070,7 @@
 </p:sld>
 </file>
 
-<file path=ppt/slides/slide22.xml><?xml version="1.0" encoding="utf-8"?>
+<file path=ppt/slides/slide28.xml><?xml version="1.0" encoding="utf-8"?>
 <p:sld xmlns:a="http://schemas.openxmlformats.org/drawingml/2006/main" xmlns:r="http://schemas.openxmlformats.org/officeDocument/2006/relationships" xmlns:p="http://schemas.openxmlformats.org/presentationml/2006/main">
   <p:cSld>
     <p:spTree>
@@ -10616,7 +14233,7 @@
           <a:p>
             <a:fld id="{733E8BE4-D61F-4D52-A9A4-24AB47FC0B80}" type="slidenum">
               <a:rPr lang="pt-BR" smtClean="0"/>
-              <a:t>22</a:t>
+              <a:t>28</a:t>
             </a:fld>
             <a:endParaRPr lang="pt-BR"/>
           </a:p>
@@ -10694,7 +14311,7 @@
 </p:sld>
 </file>
 
-<file path=ppt/slides/slide23.xml><?xml version="1.0" encoding="utf-8"?>
+<file path=ppt/slides/slide29.xml><?xml version="1.0" encoding="utf-8"?>
 <p:sld xmlns:a="http://schemas.openxmlformats.org/drawingml/2006/main" xmlns:r="http://schemas.openxmlformats.org/officeDocument/2006/relationships" xmlns:p="http://schemas.openxmlformats.org/presentationml/2006/main">
   <p:cSld>
     <p:spTree>
@@ -10960,7 +14577,7 @@
           <a:p>
             <a:fld id="{733E8BE4-D61F-4D52-A9A4-24AB47FC0B80}" type="slidenum">
               <a:rPr lang="pt-BR" smtClean="0"/>
-              <a:t>23</a:t>
+              <a:t>29</a:t>
             </a:fld>
             <a:endParaRPr lang="pt-BR"/>
           </a:p>
@@ -10979,7 +14596,7 @@
 </p:sld>
 </file>
 
-<file path=ppt/slides/slide24.xml><?xml version="1.0" encoding="utf-8"?>
+<file path=ppt/slides/slide3.xml><?xml version="1.0" encoding="utf-8"?>
 <p:sld xmlns:a="http://schemas.openxmlformats.org/drawingml/2006/main" xmlns:r="http://schemas.openxmlformats.org/officeDocument/2006/relationships" xmlns:p="http://schemas.openxmlformats.org/presentationml/2006/main">
   <p:cSld>
     <p:spTree>
@@ -10998,29 +14615,32 @@
       </p:grpSpPr>
       <p:sp>
         <p:nvSpPr>
-          <p:cNvPr id="9218" name="Rectangle 2">
-            <a:extLst>
-              <a:ext uri="{FF2B5EF4-FFF2-40B4-BE49-F238E27FC236}">
-                <a16:creationId xmlns:a16="http://schemas.microsoft.com/office/drawing/2014/main" id="{2C2A51A3-03C7-4D88-81F9-9B524045BD81}"/>
-              </a:ext>
-            </a:extLst>
-          </p:cNvPr>
-          <p:cNvSpPr>
-            <a:spLocks noGrp="1" noRot="1" noChangeArrowheads="1"/>
+          <p:cNvPr id="304130" name="Rectangle 2">
+            <a:extLst>
+              <a:ext uri="{FF2B5EF4-FFF2-40B4-BE49-F238E27FC236}">
+                <a16:creationId xmlns:a16="http://schemas.microsoft.com/office/drawing/2014/main" id="{7B505F29-54B3-4564-BF6A-A857020D55D5}"/>
+              </a:ext>
+            </a:extLst>
+          </p:cNvPr>
+          <p:cNvSpPr>
+            <a:spLocks noGrp="1" noChangeArrowheads="1"/>
           </p:cNvSpPr>
           <p:nvPr>
             <p:ph type="title"/>
           </p:nvPr>
         </p:nvSpPr>
-        <p:spPr/>
-        <p:txBody>
-          <a:bodyPr>
-            <a:normAutofit/>
-          </a:bodyPr>
-          <a:lstStyle/>
-          <a:p>
-            <a:r>
-              <a:rPr lang="en-US" sz="4000" b="1" i="1" dirty="0">
+        <p:spPr>
+          <a:xfrm>
+            <a:off x="838200" y="85103"/>
+            <a:ext cx="10515600" cy="1325562"/>
+          </a:xfrm>
+        </p:spPr>
+        <p:txBody>
+          <a:bodyPr/>
+          <a:lstStyle/>
+          <a:p>
+            <a:r>
+              <a:rPr lang="en-US" b="1" i="1" dirty="0">
                 <a:solidFill>
                   <a:srgbClr val="6600FF"/>
                 </a:solidFill>
@@ -11035,6 +14655,765 @@
               <a:t>TECNOLOGIAS PARA INTERNET - II</a:t>
             </a:r>
             <a:br>
+              <a:rPr lang="en-US" dirty="0"/>
+            </a:br>
+            <a:r>
+              <a:rPr lang="en-US" dirty="0" err="1"/>
+              <a:t>JQuery</a:t>
+            </a:r>
+            <a:r>
+              <a:rPr lang="en-US" dirty="0"/>
+              <a:t> - </a:t>
+            </a:r>
+            <a:r>
+              <a:rPr lang="en-US" dirty="0" err="1"/>
+              <a:t>Conceitos</a:t>
+            </a:r>
+            <a:endParaRPr lang="es-ES_tradnl" altLang="pt-BR" dirty="0"/>
+          </a:p>
+        </p:txBody>
+      </p:sp>
+      <p:sp>
+        <p:nvSpPr>
+          <p:cNvPr id="4" name="Espaço Reservado para Data 3">
+            <a:extLst>
+              <a:ext uri="{FF2B5EF4-FFF2-40B4-BE49-F238E27FC236}">
+                <a16:creationId xmlns:a16="http://schemas.microsoft.com/office/drawing/2014/main" id="{AA878FC1-C5B7-4669-95D3-2A90BF62AADD}"/>
+              </a:ext>
+            </a:extLst>
+          </p:cNvPr>
+          <p:cNvSpPr>
+            <a:spLocks noGrp="1"/>
+          </p:cNvSpPr>
+          <p:nvPr>
+            <p:ph type="dt" sz="half" idx="10"/>
+          </p:nvPr>
+        </p:nvSpPr>
+        <p:spPr/>
+        <p:txBody>
+          <a:bodyPr/>
+          <a:lstStyle/>
+          <a:p>
+            <a:r>
+              <a:rPr lang="pt-BR"/>
+              <a:t>30-jul-18</a:t>
+            </a:r>
+          </a:p>
+        </p:txBody>
+      </p:sp>
+      <p:sp>
+        <p:nvSpPr>
+          <p:cNvPr id="5" name="Espaço Reservado para Rodapé 4">
+            <a:extLst>
+              <a:ext uri="{FF2B5EF4-FFF2-40B4-BE49-F238E27FC236}">
+                <a16:creationId xmlns:a16="http://schemas.microsoft.com/office/drawing/2014/main" id="{6373A092-48F0-490B-B7FA-0A8BF66DF19D}"/>
+              </a:ext>
+            </a:extLst>
+          </p:cNvPr>
+          <p:cNvSpPr>
+            <a:spLocks noGrp="1"/>
+          </p:cNvSpPr>
+          <p:nvPr>
+            <p:ph type="ftr" sz="quarter" idx="11"/>
+          </p:nvPr>
+        </p:nvSpPr>
+        <p:spPr/>
+        <p:txBody>
+          <a:bodyPr/>
+          <a:lstStyle/>
+          <a:p>
+            <a:r>
+              <a:rPr lang="pt-BR" dirty="0"/>
+              <a:t>Tecnologias para Internet - II  -  Prof.  André L. Braga</a:t>
+            </a:r>
+          </a:p>
+        </p:txBody>
+      </p:sp>
+      <p:sp>
+        <p:nvSpPr>
+          <p:cNvPr id="6" name="Espaço Reservado para Número de Slide 5">
+            <a:extLst>
+              <a:ext uri="{FF2B5EF4-FFF2-40B4-BE49-F238E27FC236}">
+                <a16:creationId xmlns:a16="http://schemas.microsoft.com/office/drawing/2014/main" id="{9E9B8146-1BA5-482E-A510-1C368A2D7C6F}"/>
+              </a:ext>
+            </a:extLst>
+          </p:cNvPr>
+          <p:cNvSpPr>
+            <a:spLocks noGrp="1"/>
+          </p:cNvSpPr>
+          <p:nvPr>
+            <p:ph type="sldNum" sz="quarter" idx="12"/>
+          </p:nvPr>
+        </p:nvSpPr>
+        <p:spPr/>
+        <p:txBody>
+          <a:bodyPr/>
+          <a:lstStyle/>
+          <a:p>
+            <a:fld id="{733E8BE4-D61F-4D52-A9A4-24AB47FC0B80}" type="slidenum">
+              <a:rPr lang="pt-BR" smtClean="0"/>
+              <a:t>3</a:t>
+            </a:fld>
+            <a:endParaRPr lang="pt-BR"/>
+          </a:p>
+        </p:txBody>
+      </p:sp>
+      <p:sp>
+        <p:nvSpPr>
+          <p:cNvPr id="9" name="Retângulo 8">
+            <a:extLst>
+              <a:ext uri="{FF2B5EF4-FFF2-40B4-BE49-F238E27FC236}">
+                <a16:creationId xmlns:a16="http://schemas.microsoft.com/office/drawing/2014/main" id="{2366A8E9-A3D1-4BA4-A454-08A66B073726}"/>
+              </a:ext>
+            </a:extLst>
+          </p:cNvPr>
+          <p:cNvSpPr/>
+          <p:nvPr/>
+        </p:nvSpPr>
+        <p:spPr>
+          <a:xfrm>
+            <a:off x="642938" y="1328962"/>
+            <a:ext cx="11044238" cy="5109091"/>
+          </a:xfrm>
+          <a:prstGeom prst="rect">
+            <a:avLst/>
+          </a:prstGeom>
+        </p:spPr>
+        <p:txBody>
+          <a:bodyPr wrap="square">
+            <a:spAutoFit/>
+          </a:bodyPr>
+          <a:lstStyle/>
+          <a:p>
+            <a:pPr marL="285750" indent="-285750">
+              <a:buFont typeface="Arial" panose="020B0604020202020204" pitchFamily="34" charset="0"/>
+              <a:buChar char="•"/>
+            </a:pPr>
+            <a:r>
+              <a:rPr lang="en-US" sz="2800" b="1" dirty="0" err="1"/>
+              <a:t>Bibiloteca</a:t>
+            </a:r>
+            <a:r>
+              <a:rPr lang="en-US" sz="2800" b="1" dirty="0"/>
+              <a:t> JavaScript</a:t>
+            </a:r>
+          </a:p>
+          <a:p>
+            <a:pPr marL="285750" indent="-285750">
+              <a:buFont typeface="Arial" panose="020B0604020202020204" pitchFamily="34" charset="0"/>
+              <a:buChar char="•"/>
+            </a:pPr>
+            <a:r>
+              <a:rPr lang="en-US" sz="2800" b="1" dirty="0" err="1"/>
+              <a:t>Seletores</a:t>
+            </a:r>
+            <a:endParaRPr lang="en-US" sz="2800" b="1" dirty="0"/>
+          </a:p>
+          <a:p>
+            <a:pPr marL="742950" lvl="1" indent="-285750">
+              <a:buFont typeface="Arial" panose="020B0604020202020204" pitchFamily="34" charset="0"/>
+              <a:buChar char="•"/>
+            </a:pPr>
+            <a:r>
+              <a:rPr lang="en-US" sz="2800" b="1" dirty="0">
+                <a:solidFill>
+                  <a:srgbClr val="6600FF"/>
+                </a:solidFill>
+                <a:latin typeface="Courier New" panose="02070309020205020404" pitchFamily="49" charset="0"/>
+                <a:cs typeface="Courier New" panose="02070309020205020404" pitchFamily="49" charset="0"/>
+              </a:rPr>
+              <a:t>$</a:t>
+            </a:r>
+            <a:r>
+              <a:rPr lang="en-US" sz="2800" dirty="0">
+                <a:latin typeface="Courier New" panose="02070309020205020404" pitchFamily="49" charset="0"/>
+                <a:cs typeface="Courier New" panose="02070309020205020404" pitchFamily="49" charset="0"/>
+              </a:rPr>
+              <a:t>(&lt;</a:t>
+            </a:r>
+            <a:r>
+              <a:rPr lang="en-US" sz="2800" dirty="0" err="1">
+                <a:latin typeface="Courier New" panose="02070309020205020404" pitchFamily="49" charset="0"/>
+                <a:cs typeface="Courier New" panose="02070309020205020404" pitchFamily="49" charset="0"/>
+              </a:rPr>
+              <a:t>seleção</a:t>
+            </a:r>
+            <a:r>
+              <a:rPr lang="en-US" sz="2800" dirty="0">
+                <a:latin typeface="Courier New" panose="02070309020205020404" pitchFamily="49" charset="0"/>
+                <a:cs typeface="Courier New" panose="02070309020205020404" pitchFamily="49" charset="0"/>
+              </a:rPr>
+              <a:t>&gt;</a:t>
+            </a:r>
+            <a:r>
+              <a:rPr lang="en-US" sz="2800" dirty="0">
+                <a:solidFill>
+                  <a:srgbClr val="6600FF"/>
+                </a:solidFill>
+                <a:latin typeface="Courier New" panose="02070309020205020404" pitchFamily="49" charset="0"/>
+                <a:cs typeface="Courier New" panose="02070309020205020404" pitchFamily="49" charset="0"/>
+              </a:rPr>
+              <a:t>)</a:t>
+            </a:r>
+            <a:r>
+              <a:rPr lang="en-US" sz="2800" b="1" dirty="0">
+                <a:solidFill>
+                  <a:srgbClr val="6600FF"/>
+                </a:solidFill>
+                <a:latin typeface="Courier New" panose="02070309020205020404" pitchFamily="49" charset="0"/>
+                <a:cs typeface="Courier New" panose="02070309020205020404" pitchFamily="49" charset="0"/>
+              </a:rPr>
+              <a:t>.&lt;</a:t>
+            </a:r>
+            <a:r>
+              <a:rPr lang="en-US" sz="2800" b="1" dirty="0" err="1">
+                <a:solidFill>
+                  <a:srgbClr val="6600FF"/>
+                </a:solidFill>
+                <a:latin typeface="Courier New" panose="02070309020205020404" pitchFamily="49" charset="0"/>
+                <a:cs typeface="Courier New" panose="02070309020205020404" pitchFamily="49" charset="0"/>
+              </a:rPr>
+              <a:t>Ação</a:t>
+            </a:r>
+            <a:r>
+              <a:rPr lang="en-US" sz="2800" b="1" dirty="0">
+                <a:solidFill>
+                  <a:srgbClr val="6600FF"/>
+                </a:solidFill>
+                <a:latin typeface="Courier New" panose="02070309020205020404" pitchFamily="49" charset="0"/>
+                <a:cs typeface="Courier New" panose="02070309020205020404" pitchFamily="49" charset="0"/>
+              </a:rPr>
+              <a:t>&gt;()</a:t>
+            </a:r>
+          </a:p>
+          <a:p>
+            <a:pPr lvl="1"/>
+            <a:r>
+              <a:rPr lang="en-US" sz="2800" dirty="0">
+                <a:latin typeface="Courier New" panose="02070309020205020404" pitchFamily="49" charset="0"/>
+                <a:cs typeface="Courier New" panose="02070309020205020404" pitchFamily="49" charset="0"/>
+              </a:rPr>
+              <a:t>  Ex. </a:t>
+            </a:r>
+            <a:r>
+              <a:rPr lang="en-US" sz="2800" b="1" dirty="0">
+                <a:solidFill>
+                  <a:srgbClr val="6600FF"/>
+                </a:solidFill>
+                <a:latin typeface="Courier New" panose="02070309020205020404" pitchFamily="49" charset="0"/>
+                <a:cs typeface="Courier New" panose="02070309020205020404" pitchFamily="49" charset="0"/>
+              </a:rPr>
+              <a:t>$</a:t>
+            </a:r>
+            <a:r>
+              <a:rPr lang="en-US" sz="2800" dirty="0">
+                <a:latin typeface="Courier New" panose="02070309020205020404" pitchFamily="49" charset="0"/>
+                <a:cs typeface="Courier New" panose="02070309020205020404" pitchFamily="49" charset="0"/>
+              </a:rPr>
+              <a:t>(</a:t>
+            </a:r>
+            <a:r>
+              <a:rPr lang="en-US" sz="2800" b="1" dirty="0">
+                <a:latin typeface="Courier New" panose="02070309020205020404" pitchFamily="49" charset="0"/>
+                <a:cs typeface="Courier New" panose="02070309020205020404" pitchFamily="49" charset="0"/>
+              </a:rPr>
+              <a:t>“p”</a:t>
+            </a:r>
+            <a:r>
+              <a:rPr lang="en-US" sz="2800" dirty="0">
+                <a:solidFill>
+                  <a:srgbClr val="6600FF"/>
+                </a:solidFill>
+                <a:latin typeface="Courier New" panose="02070309020205020404" pitchFamily="49" charset="0"/>
+                <a:cs typeface="Courier New" panose="02070309020205020404" pitchFamily="49" charset="0"/>
+              </a:rPr>
+              <a:t>)</a:t>
+            </a:r>
+            <a:r>
+              <a:rPr lang="en-US" sz="2800" b="1" dirty="0">
+                <a:solidFill>
+                  <a:srgbClr val="6600FF"/>
+                </a:solidFill>
+                <a:latin typeface="Courier New" panose="02070309020205020404" pitchFamily="49" charset="0"/>
+                <a:cs typeface="Courier New" panose="02070309020205020404" pitchFamily="49" charset="0"/>
+              </a:rPr>
+              <a:t>.text(</a:t>
+            </a:r>
+            <a:r>
+              <a:rPr lang="en-US" sz="2800" b="1" dirty="0">
+                <a:latin typeface="Courier New" panose="02070309020205020404" pitchFamily="49" charset="0"/>
+                <a:cs typeface="Courier New" panose="02070309020205020404" pitchFamily="49" charset="0"/>
+              </a:rPr>
+              <a:t>“Novo texto”</a:t>
+            </a:r>
+            <a:r>
+              <a:rPr lang="en-US" sz="2800" b="1" dirty="0">
+                <a:solidFill>
+                  <a:srgbClr val="6600FF"/>
+                </a:solidFill>
+                <a:latin typeface="Courier New" panose="02070309020205020404" pitchFamily="49" charset="0"/>
+                <a:cs typeface="Courier New" panose="02070309020205020404" pitchFamily="49" charset="0"/>
+              </a:rPr>
+              <a:t>);</a:t>
+            </a:r>
+          </a:p>
+          <a:p>
+            <a:pPr marL="285750" indent="-285750">
+              <a:buFont typeface="Arial" panose="020B0604020202020204" pitchFamily="34" charset="0"/>
+              <a:buChar char="•"/>
+            </a:pPr>
+            <a:r>
+              <a:rPr lang="en-US" sz="2800" b="1" dirty="0" err="1"/>
+              <a:t>Eventos</a:t>
+            </a:r>
+            <a:endParaRPr lang="en-US" sz="2800" b="1" dirty="0"/>
+          </a:p>
+          <a:p>
+            <a:pPr marL="742950" lvl="1" indent="-285750">
+              <a:buFont typeface="Arial" panose="020B0604020202020204" pitchFamily="34" charset="0"/>
+              <a:buChar char="•"/>
+            </a:pPr>
+            <a:r>
+              <a:rPr lang="en-US" sz="2800" b="1" dirty="0">
+                <a:solidFill>
+                  <a:srgbClr val="6600FF"/>
+                </a:solidFill>
+                <a:latin typeface="Courier New" panose="02070309020205020404" pitchFamily="49" charset="0"/>
+                <a:cs typeface="Courier New" panose="02070309020205020404" pitchFamily="49" charset="0"/>
+              </a:rPr>
+              <a:t>$</a:t>
+            </a:r>
+            <a:r>
+              <a:rPr lang="en-US" sz="2800" dirty="0">
+                <a:latin typeface="Courier New" panose="02070309020205020404" pitchFamily="49" charset="0"/>
+                <a:cs typeface="Courier New" panose="02070309020205020404" pitchFamily="49" charset="0"/>
+              </a:rPr>
+              <a:t>(&lt;</a:t>
+            </a:r>
+            <a:r>
+              <a:rPr lang="en-US" sz="2800" dirty="0" err="1">
+                <a:latin typeface="Courier New" panose="02070309020205020404" pitchFamily="49" charset="0"/>
+                <a:cs typeface="Courier New" panose="02070309020205020404" pitchFamily="49" charset="0"/>
+              </a:rPr>
+              <a:t>seleção</a:t>
+            </a:r>
+            <a:r>
+              <a:rPr lang="en-US" sz="2800" dirty="0">
+                <a:latin typeface="Courier New" panose="02070309020205020404" pitchFamily="49" charset="0"/>
+                <a:cs typeface="Courier New" panose="02070309020205020404" pitchFamily="49" charset="0"/>
+              </a:rPr>
+              <a:t>&gt;</a:t>
+            </a:r>
+            <a:r>
+              <a:rPr lang="en-US" sz="2800" dirty="0">
+                <a:solidFill>
+                  <a:srgbClr val="6600FF"/>
+                </a:solidFill>
+                <a:latin typeface="Courier New" panose="02070309020205020404" pitchFamily="49" charset="0"/>
+                <a:cs typeface="Courier New" panose="02070309020205020404" pitchFamily="49" charset="0"/>
+              </a:rPr>
+              <a:t>)</a:t>
+            </a:r>
+            <a:r>
+              <a:rPr lang="en-US" sz="2800" b="1" dirty="0">
+                <a:solidFill>
+                  <a:srgbClr val="6600FF"/>
+                </a:solidFill>
+                <a:latin typeface="Courier New" panose="02070309020205020404" pitchFamily="49" charset="0"/>
+                <a:cs typeface="Courier New" panose="02070309020205020404" pitchFamily="49" charset="0"/>
+              </a:rPr>
+              <a:t>.&lt;</a:t>
+            </a:r>
+            <a:r>
+              <a:rPr lang="en-US" sz="2800" b="1" dirty="0" err="1">
+                <a:solidFill>
+                  <a:srgbClr val="6600FF"/>
+                </a:solidFill>
+                <a:latin typeface="Courier New" panose="02070309020205020404" pitchFamily="49" charset="0"/>
+                <a:cs typeface="Courier New" panose="02070309020205020404" pitchFamily="49" charset="0"/>
+              </a:rPr>
+              <a:t>Evento</a:t>
+            </a:r>
+            <a:r>
+              <a:rPr lang="en-US" sz="2800" b="1" dirty="0">
+                <a:solidFill>
+                  <a:srgbClr val="6600FF"/>
+                </a:solidFill>
+                <a:latin typeface="Courier New" panose="02070309020205020404" pitchFamily="49" charset="0"/>
+                <a:cs typeface="Courier New" panose="02070309020205020404" pitchFamily="49" charset="0"/>
+              </a:rPr>
+              <a:t>&gt;()</a:t>
+            </a:r>
+          </a:p>
+          <a:p>
+            <a:r>
+              <a:rPr lang="en-US" sz="2800" dirty="0">
+                <a:latin typeface="Courier New" panose="02070309020205020404" pitchFamily="49" charset="0"/>
+                <a:cs typeface="Courier New" panose="02070309020205020404" pitchFamily="49" charset="0"/>
+              </a:rPr>
+              <a:t>    Ex.</a:t>
+            </a:r>
+            <a:r>
+              <a:rPr lang="en-US" sz="2800" b="1" dirty="0">
+                <a:solidFill>
+                  <a:srgbClr val="6600FF"/>
+                </a:solidFill>
+                <a:latin typeface="Courier New" panose="02070309020205020404" pitchFamily="49" charset="0"/>
+                <a:cs typeface="Courier New" panose="02070309020205020404" pitchFamily="49" charset="0"/>
+              </a:rPr>
+              <a:t> $</a:t>
+            </a:r>
+            <a:r>
+              <a:rPr lang="en-US" sz="2800" dirty="0">
+                <a:latin typeface="Courier New" panose="02070309020205020404" pitchFamily="49" charset="0"/>
+                <a:cs typeface="Courier New" panose="02070309020205020404" pitchFamily="49" charset="0"/>
+              </a:rPr>
+              <a:t>(</a:t>
+            </a:r>
+            <a:r>
+              <a:rPr lang="en-US" sz="2800" b="1" dirty="0">
+                <a:latin typeface="Courier New" panose="02070309020205020404" pitchFamily="49" charset="0"/>
+                <a:cs typeface="Courier New" panose="02070309020205020404" pitchFamily="49" charset="0"/>
+              </a:rPr>
+              <a:t>“p”</a:t>
+            </a:r>
+            <a:r>
+              <a:rPr lang="en-US" sz="2800" dirty="0">
+                <a:solidFill>
+                  <a:srgbClr val="6600FF"/>
+                </a:solidFill>
+                <a:latin typeface="Courier New" panose="02070309020205020404" pitchFamily="49" charset="0"/>
+                <a:cs typeface="Courier New" panose="02070309020205020404" pitchFamily="49" charset="0"/>
+              </a:rPr>
+              <a:t>)</a:t>
+            </a:r>
+            <a:r>
+              <a:rPr lang="en-US" sz="2800" b="1" dirty="0">
+                <a:solidFill>
+                  <a:srgbClr val="6600FF"/>
+                </a:solidFill>
+                <a:latin typeface="Courier New" panose="02070309020205020404" pitchFamily="49" charset="0"/>
+                <a:cs typeface="Courier New" panose="02070309020205020404" pitchFamily="49" charset="0"/>
+              </a:rPr>
+              <a:t>.click(</a:t>
+            </a:r>
+            <a:r>
+              <a:rPr lang="en-US" sz="2400" dirty="0">
+                <a:latin typeface="Courier New" panose="02070309020205020404" pitchFamily="49" charset="0"/>
+                <a:cs typeface="Courier New" panose="02070309020205020404" pitchFamily="49" charset="0"/>
+              </a:rPr>
+              <a:t>function() {</a:t>
+            </a:r>
+          </a:p>
+          <a:p>
+            <a:r>
+              <a:rPr lang="en-US" dirty="0">
+                <a:latin typeface="Courier New" panose="02070309020205020404" pitchFamily="49" charset="0"/>
+                <a:cs typeface="Courier New" panose="02070309020205020404" pitchFamily="49" charset="0"/>
+              </a:rPr>
+              <a:t>               $("p").</a:t>
+            </a:r>
+            <a:r>
+              <a:rPr lang="en-US" dirty="0" err="1">
+                <a:latin typeface="Courier New" panose="02070309020205020404" pitchFamily="49" charset="0"/>
+                <a:cs typeface="Courier New" panose="02070309020205020404" pitchFamily="49" charset="0"/>
+              </a:rPr>
+              <a:t>attr</a:t>
+            </a:r>
+            <a:r>
+              <a:rPr lang="en-US" dirty="0">
+                <a:latin typeface="Courier New" panose="02070309020205020404" pitchFamily="49" charset="0"/>
+                <a:cs typeface="Courier New" panose="02070309020205020404" pitchFamily="49" charset="0"/>
+              </a:rPr>
+              <a:t>("style", "</a:t>
+            </a:r>
+            <a:r>
+              <a:rPr lang="en-US" dirty="0" err="1">
+                <a:latin typeface="Courier New" panose="02070309020205020404" pitchFamily="49" charset="0"/>
+                <a:cs typeface="Courier New" panose="02070309020205020404" pitchFamily="49" charset="0"/>
+              </a:rPr>
+              <a:t>background-color:blue</a:t>
+            </a:r>
+            <a:r>
+              <a:rPr lang="en-US" dirty="0">
+                <a:latin typeface="Courier New" panose="02070309020205020404" pitchFamily="49" charset="0"/>
+                <a:cs typeface="Courier New" panose="02070309020205020404" pitchFamily="49" charset="0"/>
+              </a:rPr>
+              <a:t>; </a:t>
+            </a:r>
+            <a:r>
+              <a:rPr lang="en-US" dirty="0" err="1">
+                <a:latin typeface="Courier New" panose="02070309020205020404" pitchFamily="49" charset="0"/>
+                <a:cs typeface="Courier New" panose="02070309020205020404" pitchFamily="49" charset="0"/>
+              </a:rPr>
+              <a:t>color:white</a:t>
+            </a:r>
+            <a:r>
+              <a:rPr lang="en-US" dirty="0">
+                <a:latin typeface="Courier New" panose="02070309020205020404" pitchFamily="49" charset="0"/>
+                <a:cs typeface="Courier New" panose="02070309020205020404" pitchFamily="49" charset="0"/>
+              </a:rPr>
+              <a:t>");      </a:t>
+            </a:r>
+          </a:p>
+          <a:p>
+            <a:r>
+              <a:rPr lang="en-US" dirty="0">
+                <a:latin typeface="Courier New" panose="02070309020205020404" pitchFamily="49" charset="0"/>
+                <a:cs typeface="Courier New" panose="02070309020205020404" pitchFamily="49" charset="0"/>
+              </a:rPr>
+              <a:t>       </a:t>
+            </a:r>
+            <a:r>
+              <a:rPr lang="en-US" sz="2400" dirty="0">
+                <a:latin typeface="Courier New" panose="02070309020205020404" pitchFamily="49" charset="0"/>
+                <a:cs typeface="Courier New" panose="02070309020205020404" pitchFamily="49" charset="0"/>
+              </a:rPr>
+              <a:t>}</a:t>
+            </a:r>
+            <a:r>
+              <a:rPr lang="en-US" sz="2800" b="1" dirty="0">
+                <a:solidFill>
+                  <a:srgbClr val="6600FF"/>
+                </a:solidFill>
+                <a:latin typeface="Courier New" panose="02070309020205020404" pitchFamily="49" charset="0"/>
+                <a:cs typeface="Courier New" panose="02070309020205020404" pitchFamily="49" charset="0"/>
+              </a:rPr>
+              <a:t>);</a:t>
+            </a:r>
+          </a:p>
+          <a:p>
+            <a:pPr marL="285750" indent="-285750">
+              <a:buFont typeface="Arial" panose="020B0604020202020204" pitchFamily="34" charset="0"/>
+              <a:buChar char="•"/>
+            </a:pPr>
+            <a:r>
+              <a:rPr lang="en-US" sz="2800" b="1" dirty="0" err="1"/>
+              <a:t>Métodos</a:t>
+            </a:r>
+            <a:endParaRPr lang="en-US" sz="2800" b="1" dirty="0"/>
+          </a:p>
+          <a:p>
+            <a:pPr marL="742950" lvl="1" indent="-285750">
+              <a:buFont typeface="Arial" panose="020B0604020202020204" pitchFamily="34" charset="0"/>
+              <a:buChar char="•"/>
+            </a:pPr>
+            <a:r>
+              <a:rPr lang="en-US" sz="2800" b="1" dirty="0">
+                <a:solidFill>
+                  <a:srgbClr val="6600FF"/>
+                </a:solidFill>
+                <a:latin typeface="Courier New" panose="02070309020205020404" pitchFamily="49" charset="0"/>
+                <a:cs typeface="Courier New" panose="02070309020205020404" pitchFamily="49" charset="0"/>
+              </a:rPr>
+              <a:t>$</a:t>
+            </a:r>
+            <a:r>
+              <a:rPr lang="en-US" sz="2800" dirty="0">
+                <a:latin typeface="Courier New" panose="02070309020205020404" pitchFamily="49" charset="0"/>
+                <a:cs typeface="Courier New" panose="02070309020205020404" pitchFamily="49" charset="0"/>
+              </a:rPr>
+              <a:t>(&lt;</a:t>
+            </a:r>
+            <a:r>
+              <a:rPr lang="en-US" sz="2800" dirty="0" err="1">
+                <a:latin typeface="Courier New" panose="02070309020205020404" pitchFamily="49" charset="0"/>
+                <a:cs typeface="Courier New" panose="02070309020205020404" pitchFamily="49" charset="0"/>
+              </a:rPr>
+              <a:t>seleção</a:t>
+            </a:r>
+            <a:r>
+              <a:rPr lang="en-US" sz="2800" dirty="0">
+                <a:latin typeface="Courier New" panose="02070309020205020404" pitchFamily="49" charset="0"/>
+                <a:cs typeface="Courier New" panose="02070309020205020404" pitchFamily="49" charset="0"/>
+              </a:rPr>
+              <a:t>&gt;</a:t>
+            </a:r>
+            <a:r>
+              <a:rPr lang="en-US" sz="2800" dirty="0">
+                <a:solidFill>
+                  <a:srgbClr val="6600FF"/>
+                </a:solidFill>
+                <a:latin typeface="Courier New" panose="02070309020205020404" pitchFamily="49" charset="0"/>
+                <a:cs typeface="Courier New" panose="02070309020205020404" pitchFamily="49" charset="0"/>
+              </a:rPr>
+              <a:t>)</a:t>
+            </a:r>
+            <a:r>
+              <a:rPr lang="en-US" sz="2800" b="1" dirty="0">
+                <a:solidFill>
+                  <a:srgbClr val="6600FF"/>
+                </a:solidFill>
+                <a:latin typeface="Courier New" panose="02070309020205020404" pitchFamily="49" charset="0"/>
+                <a:cs typeface="Courier New" panose="02070309020205020404" pitchFamily="49" charset="0"/>
+              </a:rPr>
+              <a:t>.&lt;</a:t>
+            </a:r>
+            <a:r>
+              <a:rPr lang="en-US" sz="2800" b="1" dirty="0" err="1">
+                <a:solidFill>
+                  <a:srgbClr val="6600FF"/>
+                </a:solidFill>
+                <a:latin typeface="Courier New" panose="02070309020205020404" pitchFamily="49" charset="0"/>
+                <a:cs typeface="Courier New" panose="02070309020205020404" pitchFamily="49" charset="0"/>
+              </a:rPr>
+              <a:t>Método</a:t>
+            </a:r>
+            <a:r>
+              <a:rPr lang="en-US" sz="2800" b="1" dirty="0">
+                <a:solidFill>
+                  <a:srgbClr val="6600FF"/>
+                </a:solidFill>
+                <a:latin typeface="Courier New" panose="02070309020205020404" pitchFamily="49" charset="0"/>
+                <a:cs typeface="Courier New" panose="02070309020205020404" pitchFamily="49" charset="0"/>
+              </a:rPr>
+              <a:t>&gt;()</a:t>
+            </a:r>
+          </a:p>
+          <a:p>
+            <a:pPr lvl="1"/>
+            <a:r>
+              <a:rPr lang="en-US" sz="2800" dirty="0">
+                <a:latin typeface="Courier New" panose="02070309020205020404" pitchFamily="49" charset="0"/>
+                <a:cs typeface="Courier New" panose="02070309020205020404" pitchFamily="49" charset="0"/>
+              </a:rPr>
+              <a:t>  Ex. var texto = </a:t>
+            </a:r>
+            <a:r>
+              <a:rPr lang="en-US" sz="2800" b="1" dirty="0">
+                <a:solidFill>
+                  <a:srgbClr val="6600FF"/>
+                </a:solidFill>
+                <a:latin typeface="Courier New" panose="02070309020205020404" pitchFamily="49" charset="0"/>
+                <a:cs typeface="Courier New" panose="02070309020205020404" pitchFamily="49" charset="0"/>
+              </a:rPr>
+              <a:t>$</a:t>
+            </a:r>
+            <a:r>
+              <a:rPr lang="en-US" sz="2800" dirty="0">
+                <a:latin typeface="Courier New" panose="02070309020205020404" pitchFamily="49" charset="0"/>
+                <a:cs typeface="Courier New" panose="02070309020205020404" pitchFamily="49" charset="0"/>
+              </a:rPr>
+              <a:t>(“</a:t>
+            </a:r>
+            <a:r>
+              <a:rPr lang="en-US" sz="2800" b="1" dirty="0">
+                <a:latin typeface="Courier New" panose="02070309020205020404" pitchFamily="49" charset="0"/>
+                <a:cs typeface="Courier New" panose="02070309020205020404" pitchFamily="49" charset="0"/>
+              </a:rPr>
+              <a:t>p</a:t>
+            </a:r>
+            <a:r>
+              <a:rPr lang="en-US" sz="2800" dirty="0">
+                <a:latin typeface="Courier New" panose="02070309020205020404" pitchFamily="49" charset="0"/>
+                <a:cs typeface="Courier New" panose="02070309020205020404" pitchFamily="49" charset="0"/>
+              </a:rPr>
+              <a:t>”).</a:t>
+            </a:r>
+            <a:r>
+              <a:rPr lang="en-US" sz="2800" dirty="0" err="1">
+                <a:latin typeface="Courier New" panose="02070309020205020404" pitchFamily="49" charset="0"/>
+                <a:cs typeface="Courier New" panose="02070309020205020404" pitchFamily="49" charset="0"/>
+              </a:rPr>
+              <a:t>val</a:t>
+            </a:r>
+            <a:r>
+              <a:rPr lang="en-US" sz="2800" dirty="0">
+                <a:latin typeface="Courier New" panose="02070309020205020404" pitchFamily="49" charset="0"/>
+                <a:cs typeface="Courier New" panose="02070309020205020404" pitchFamily="49" charset="0"/>
+              </a:rPr>
+              <a:t>(); </a:t>
+            </a:r>
+            <a:r>
+              <a:rPr lang="en-US" sz="2800" dirty="0" err="1">
+                <a:latin typeface="Courier New" panose="02070309020205020404" pitchFamily="49" charset="0"/>
+                <a:cs typeface="Courier New" panose="02070309020205020404" pitchFamily="49" charset="0"/>
+              </a:rPr>
+              <a:t>Obs</a:t>
+            </a:r>
+            <a:r>
+              <a:rPr lang="en-US" sz="2800" dirty="0">
+                <a:latin typeface="Courier New" panose="02070309020205020404" pitchFamily="49" charset="0"/>
+                <a:cs typeface="Courier New" panose="02070309020205020404" pitchFamily="49" charset="0"/>
+              </a:rPr>
+              <a:t>: para inputs</a:t>
+            </a:r>
+            <a:endParaRPr lang="pt-BR" sz="1600" dirty="0"/>
+          </a:p>
+        </p:txBody>
+      </p:sp>
+    </p:spTree>
+    <p:extLst>
+      <p:ext uri="{BB962C8B-B14F-4D97-AF65-F5344CB8AC3E}">
+        <p14:creationId xmlns:p14="http://schemas.microsoft.com/office/powerpoint/2010/main" val="2827539807"/>
+      </p:ext>
+    </p:extLst>
+  </p:cSld>
+  <p:clrMapOvr>
+    <a:masterClrMapping/>
+  </p:clrMapOvr>
+  <p:transition spd="med">
+    <p:strips dir="rd"/>
+  </p:transition>
+</p:sld>
+</file>
+
+<file path=ppt/slides/slide30.xml><?xml version="1.0" encoding="utf-8"?>
+<p:sld xmlns:a="http://schemas.openxmlformats.org/drawingml/2006/main" xmlns:r="http://schemas.openxmlformats.org/officeDocument/2006/relationships" xmlns:p="http://schemas.openxmlformats.org/presentationml/2006/main">
+  <p:cSld>
+    <p:spTree>
+      <p:nvGrpSpPr>
+        <p:cNvPr id="1" name=""/>
+        <p:cNvGrpSpPr/>
+        <p:nvPr/>
+      </p:nvGrpSpPr>
+      <p:grpSpPr>
+        <a:xfrm>
+          <a:off x="0" y="0"/>
+          <a:ext cx="0" cy="0"/>
+          <a:chOff x="0" y="0"/>
+          <a:chExt cx="0" cy="0"/>
+        </a:xfrm>
+      </p:grpSpPr>
+      <p:sp>
+        <p:nvSpPr>
+          <p:cNvPr id="9218" name="Rectangle 2">
+            <a:extLst>
+              <a:ext uri="{FF2B5EF4-FFF2-40B4-BE49-F238E27FC236}">
+                <a16:creationId xmlns:a16="http://schemas.microsoft.com/office/drawing/2014/main" id="{2C2A51A3-03C7-4D88-81F9-9B524045BD81}"/>
+              </a:ext>
+            </a:extLst>
+          </p:cNvPr>
+          <p:cNvSpPr>
+            <a:spLocks noGrp="1" noRot="1" noChangeArrowheads="1"/>
+          </p:cNvSpPr>
+          <p:nvPr>
+            <p:ph type="title"/>
+          </p:nvPr>
+        </p:nvSpPr>
+        <p:spPr/>
+        <p:txBody>
+          <a:bodyPr>
+            <a:normAutofit/>
+          </a:bodyPr>
+          <a:lstStyle/>
+          <a:p>
+            <a:r>
+              <a:rPr lang="en-US" sz="4000" b="1" i="1" dirty="0">
+                <a:solidFill>
+                  <a:srgbClr val="6600FF"/>
+                </a:solidFill>
+                <a:effectLst>
+                  <a:outerShdw blurRad="38100" dist="38100" dir="2700000" algn="tl">
+                    <a:srgbClr val="000000">
+                      <a:alpha val="43137"/>
+                    </a:srgbClr>
+                  </a:outerShdw>
+                </a:effectLst>
+              </a:rPr>
+              <a:t>TECNOLOGIAS PARA INTERNET - II</a:t>
+            </a:r>
+            <a:br>
               <a:rPr lang="en-US" sz="4000" dirty="0"/>
             </a:br>
             <a:r>
@@ -11137,7 +15516,7 @@
           <a:p>
             <a:fld id="{733E8BE4-D61F-4D52-A9A4-24AB47FC0B80}" type="slidenum">
               <a:rPr lang="pt-BR" smtClean="0"/>
-              <a:t>24</a:t>
+              <a:t>30</a:t>
             </a:fld>
             <a:endParaRPr lang="pt-BR"/>
           </a:p>
@@ -11186,7 +15565,7 @@
 </p:sld>
 </file>
 
-<file path=ppt/slides/slide25.xml><?xml version="1.0" encoding="utf-8"?>
+<file path=ppt/slides/slide31.xml><?xml version="1.0" encoding="utf-8"?>
 <p:sld xmlns:a="http://schemas.openxmlformats.org/drawingml/2006/main" xmlns:r="http://schemas.openxmlformats.org/officeDocument/2006/relationships" xmlns:p="http://schemas.openxmlformats.org/presentationml/2006/main">
   <p:cSld>
     <p:spTree>
@@ -11348,7 +15727,7 @@
           <a:p>
             <a:fld id="{733E8BE4-D61F-4D52-A9A4-24AB47FC0B80}" type="slidenum">
               <a:rPr lang="pt-BR" smtClean="0"/>
-              <a:t>25</a:t>
+              <a:t>31</a:t>
             </a:fld>
             <a:endParaRPr lang="pt-BR"/>
           </a:p>
@@ -11427,7 +15806,7 @@
 </p:sld>
 </file>
 
-<file path=ppt/slides/slide26.xml><?xml version="1.0" encoding="utf-8"?>
+<file path=ppt/slides/slide32.xml><?xml version="1.0" encoding="utf-8"?>
 <p:sld xmlns:a="http://schemas.openxmlformats.org/drawingml/2006/main" xmlns:r="http://schemas.openxmlformats.org/officeDocument/2006/relationships" xmlns:p="http://schemas.openxmlformats.org/presentationml/2006/main">
   <p:cSld>
     <p:spTree>
@@ -11593,7 +15972,7 @@
           <a:p>
             <a:fld id="{733E8BE4-D61F-4D52-A9A4-24AB47FC0B80}" type="slidenum">
               <a:rPr lang="pt-BR" smtClean="0"/>
-              <a:t>26</a:t>
+              <a:t>32</a:t>
             </a:fld>
             <a:endParaRPr lang="pt-BR"/>
           </a:p>
@@ -11672,7 +16051,7 @@
 </p:sld>
 </file>
 
-<file path=ppt/slides/slide27.xml><?xml version="1.0" encoding="utf-8"?>
+<file path=ppt/slides/slide33.xml><?xml version="1.0" encoding="utf-8"?>
 <p:sld xmlns:a="http://schemas.openxmlformats.org/drawingml/2006/main" xmlns:r="http://schemas.openxmlformats.org/officeDocument/2006/relationships" xmlns:p="http://schemas.openxmlformats.org/presentationml/2006/main">
   <p:cSld>
     <p:spTree>
@@ -11838,7 +16217,7 @@
           <a:p>
             <a:fld id="{733E8BE4-D61F-4D52-A9A4-24AB47FC0B80}" type="slidenum">
               <a:rPr lang="pt-BR" smtClean="0"/>
-              <a:t>27</a:t>
+              <a:t>33</a:t>
             </a:fld>
             <a:endParaRPr lang="pt-BR"/>
           </a:p>
@@ -11917,768 +16296,6 @@
 </p:sld>
 </file>
 
-<file path=ppt/slides/slide3.xml><?xml version="1.0" encoding="utf-8"?>
-<p:sld xmlns:a="http://schemas.openxmlformats.org/drawingml/2006/main" xmlns:r="http://schemas.openxmlformats.org/officeDocument/2006/relationships" xmlns:p="http://schemas.openxmlformats.org/presentationml/2006/main">
-  <p:cSld>
-    <p:spTree>
-      <p:nvGrpSpPr>
-        <p:cNvPr id="1" name=""/>
-        <p:cNvGrpSpPr/>
-        <p:nvPr/>
-      </p:nvGrpSpPr>
-      <p:grpSpPr>
-        <a:xfrm>
-          <a:off x="0" y="0"/>
-          <a:ext cx="0" cy="0"/>
-          <a:chOff x="0" y="0"/>
-          <a:chExt cx="0" cy="0"/>
-        </a:xfrm>
-      </p:grpSpPr>
-      <p:sp>
-        <p:nvSpPr>
-          <p:cNvPr id="304130" name="Rectangle 2">
-            <a:extLst>
-              <a:ext uri="{FF2B5EF4-FFF2-40B4-BE49-F238E27FC236}">
-                <a16:creationId xmlns:a16="http://schemas.microsoft.com/office/drawing/2014/main" id="{7B505F29-54B3-4564-BF6A-A857020D55D5}"/>
-              </a:ext>
-            </a:extLst>
-          </p:cNvPr>
-          <p:cNvSpPr>
-            <a:spLocks noGrp="1" noChangeArrowheads="1"/>
-          </p:cNvSpPr>
-          <p:nvPr>
-            <p:ph type="title"/>
-          </p:nvPr>
-        </p:nvSpPr>
-        <p:spPr>
-          <a:xfrm>
-            <a:off x="838200" y="85103"/>
-            <a:ext cx="10515600" cy="1325562"/>
-          </a:xfrm>
-        </p:spPr>
-        <p:txBody>
-          <a:bodyPr/>
-          <a:lstStyle/>
-          <a:p>
-            <a:r>
-              <a:rPr lang="en-US" b="1" i="1" dirty="0">
-                <a:solidFill>
-                  <a:srgbClr val="6600FF"/>
-                </a:solidFill>
-                <a:effectLst>
-                  <a:outerShdw blurRad="38100" dist="38100" dir="2700000" algn="tl">
-                    <a:srgbClr val="000000">
-                      <a:alpha val="43137"/>
-                    </a:srgbClr>
-                  </a:outerShdw>
-                </a:effectLst>
-              </a:rPr>
-              <a:t>TECNOLOGIAS PARA INTERNET - II</a:t>
-            </a:r>
-            <a:br>
-              <a:rPr lang="en-US" dirty="0"/>
-            </a:br>
-            <a:r>
-              <a:rPr lang="en-US" dirty="0" err="1"/>
-              <a:t>JQuery</a:t>
-            </a:r>
-            <a:r>
-              <a:rPr lang="en-US" dirty="0"/>
-              <a:t> - </a:t>
-            </a:r>
-            <a:r>
-              <a:rPr lang="en-US" dirty="0" err="1"/>
-              <a:t>Conceitos</a:t>
-            </a:r>
-            <a:endParaRPr lang="es-ES_tradnl" altLang="pt-BR" dirty="0"/>
-          </a:p>
-        </p:txBody>
-      </p:sp>
-      <p:sp>
-        <p:nvSpPr>
-          <p:cNvPr id="4" name="Espaço Reservado para Data 3">
-            <a:extLst>
-              <a:ext uri="{FF2B5EF4-FFF2-40B4-BE49-F238E27FC236}">
-                <a16:creationId xmlns:a16="http://schemas.microsoft.com/office/drawing/2014/main" id="{AA878FC1-C5B7-4669-95D3-2A90BF62AADD}"/>
-              </a:ext>
-            </a:extLst>
-          </p:cNvPr>
-          <p:cNvSpPr>
-            <a:spLocks noGrp="1"/>
-          </p:cNvSpPr>
-          <p:nvPr>
-            <p:ph type="dt" sz="half" idx="10"/>
-          </p:nvPr>
-        </p:nvSpPr>
-        <p:spPr/>
-        <p:txBody>
-          <a:bodyPr/>
-          <a:lstStyle/>
-          <a:p>
-            <a:r>
-              <a:rPr lang="pt-BR"/>
-              <a:t>30-jul-18</a:t>
-            </a:r>
-          </a:p>
-        </p:txBody>
-      </p:sp>
-      <p:sp>
-        <p:nvSpPr>
-          <p:cNvPr id="5" name="Espaço Reservado para Rodapé 4">
-            <a:extLst>
-              <a:ext uri="{FF2B5EF4-FFF2-40B4-BE49-F238E27FC236}">
-                <a16:creationId xmlns:a16="http://schemas.microsoft.com/office/drawing/2014/main" id="{6373A092-48F0-490B-B7FA-0A8BF66DF19D}"/>
-              </a:ext>
-            </a:extLst>
-          </p:cNvPr>
-          <p:cNvSpPr>
-            <a:spLocks noGrp="1"/>
-          </p:cNvSpPr>
-          <p:nvPr>
-            <p:ph type="ftr" sz="quarter" idx="11"/>
-          </p:nvPr>
-        </p:nvSpPr>
-        <p:spPr/>
-        <p:txBody>
-          <a:bodyPr/>
-          <a:lstStyle/>
-          <a:p>
-            <a:r>
-              <a:rPr lang="pt-BR" dirty="0"/>
-              <a:t>Tecnologias para Internet - II  -  Prof.  André L. Braga</a:t>
-            </a:r>
-          </a:p>
-        </p:txBody>
-      </p:sp>
-      <p:sp>
-        <p:nvSpPr>
-          <p:cNvPr id="6" name="Espaço Reservado para Número de Slide 5">
-            <a:extLst>
-              <a:ext uri="{FF2B5EF4-FFF2-40B4-BE49-F238E27FC236}">
-                <a16:creationId xmlns:a16="http://schemas.microsoft.com/office/drawing/2014/main" id="{9E9B8146-1BA5-482E-A510-1C368A2D7C6F}"/>
-              </a:ext>
-            </a:extLst>
-          </p:cNvPr>
-          <p:cNvSpPr>
-            <a:spLocks noGrp="1"/>
-          </p:cNvSpPr>
-          <p:nvPr>
-            <p:ph type="sldNum" sz="quarter" idx="12"/>
-          </p:nvPr>
-        </p:nvSpPr>
-        <p:spPr/>
-        <p:txBody>
-          <a:bodyPr/>
-          <a:lstStyle/>
-          <a:p>
-            <a:fld id="{733E8BE4-D61F-4D52-A9A4-24AB47FC0B80}" type="slidenum">
-              <a:rPr lang="pt-BR" smtClean="0"/>
-              <a:t>3</a:t>
-            </a:fld>
-            <a:endParaRPr lang="pt-BR"/>
-          </a:p>
-        </p:txBody>
-      </p:sp>
-      <p:sp>
-        <p:nvSpPr>
-          <p:cNvPr id="9" name="Retângulo 8">
-            <a:extLst>
-              <a:ext uri="{FF2B5EF4-FFF2-40B4-BE49-F238E27FC236}">
-                <a16:creationId xmlns:a16="http://schemas.microsoft.com/office/drawing/2014/main" id="{2366A8E9-A3D1-4BA4-A454-08A66B073726}"/>
-              </a:ext>
-            </a:extLst>
-          </p:cNvPr>
-          <p:cNvSpPr/>
-          <p:nvPr/>
-        </p:nvSpPr>
-        <p:spPr>
-          <a:xfrm>
-            <a:off x="642938" y="1328962"/>
-            <a:ext cx="11044238" cy="5109091"/>
-          </a:xfrm>
-          <a:prstGeom prst="rect">
-            <a:avLst/>
-          </a:prstGeom>
-        </p:spPr>
-        <p:txBody>
-          <a:bodyPr wrap="square">
-            <a:spAutoFit/>
-          </a:bodyPr>
-          <a:lstStyle/>
-          <a:p>
-            <a:pPr marL="285750" indent="-285750">
-              <a:buFont typeface="Arial" panose="020B0604020202020204" pitchFamily="34" charset="0"/>
-              <a:buChar char="•"/>
-            </a:pPr>
-            <a:r>
-              <a:rPr lang="en-US" sz="2800" b="1" dirty="0" err="1"/>
-              <a:t>Bibiloteca</a:t>
-            </a:r>
-            <a:r>
-              <a:rPr lang="en-US" sz="2800" b="1" dirty="0"/>
-              <a:t> JavaScript</a:t>
-            </a:r>
-          </a:p>
-          <a:p>
-            <a:pPr marL="285750" indent="-285750">
-              <a:buFont typeface="Arial" panose="020B0604020202020204" pitchFamily="34" charset="0"/>
-              <a:buChar char="•"/>
-            </a:pPr>
-            <a:r>
-              <a:rPr lang="en-US" sz="2800" b="1" dirty="0" err="1"/>
-              <a:t>Seletores</a:t>
-            </a:r>
-            <a:endParaRPr lang="en-US" sz="2800" b="1" dirty="0"/>
-          </a:p>
-          <a:p>
-            <a:pPr marL="742950" lvl="1" indent="-285750">
-              <a:buFont typeface="Arial" panose="020B0604020202020204" pitchFamily="34" charset="0"/>
-              <a:buChar char="•"/>
-            </a:pPr>
-            <a:r>
-              <a:rPr lang="en-US" sz="2800" b="1" dirty="0">
-                <a:solidFill>
-                  <a:srgbClr val="6600FF"/>
-                </a:solidFill>
-                <a:latin typeface="Courier New" panose="02070309020205020404" pitchFamily="49" charset="0"/>
-                <a:cs typeface="Courier New" panose="02070309020205020404" pitchFamily="49" charset="0"/>
-              </a:rPr>
-              <a:t>$</a:t>
-            </a:r>
-            <a:r>
-              <a:rPr lang="en-US" sz="2800" dirty="0">
-                <a:latin typeface="Courier New" panose="02070309020205020404" pitchFamily="49" charset="0"/>
-                <a:cs typeface="Courier New" panose="02070309020205020404" pitchFamily="49" charset="0"/>
-              </a:rPr>
-              <a:t>(&lt;</a:t>
-            </a:r>
-            <a:r>
-              <a:rPr lang="en-US" sz="2800" dirty="0" err="1">
-                <a:latin typeface="Courier New" panose="02070309020205020404" pitchFamily="49" charset="0"/>
-                <a:cs typeface="Courier New" panose="02070309020205020404" pitchFamily="49" charset="0"/>
-              </a:rPr>
-              <a:t>seleção</a:t>
-            </a:r>
-            <a:r>
-              <a:rPr lang="en-US" sz="2800" dirty="0">
-                <a:latin typeface="Courier New" panose="02070309020205020404" pitchFamily="49" charset="0"/>
-                <a:cs typeface="Courier New" panose="02070309020205020404" pitchFamily="49" charset="0"/>
-              </a:rPr>
-              <a:t>&gt;</a:t>
-            </a:r>
-            <a:r>
-              <a:rPr lang="en-US" sz="2800" dirty="0">
-                <a:solidFill>
-                  <a:srgbClr val="6600FF"/>
-                </a:solidFill>
-                <a:latin typeface="Courier New" panose="02070309020205020404" pitchFamily="49" charset="0"/>
-                <a:cs typeface="Courier New" panose="02070309020205020404" pitchFamily="49" charset="0"/>
-              </a:rPr>
-              <a:t>)</a:t>
-            </a:r>
-            <a:r>
-              <a:rPr lang="en-US" sz="2800" b="1" dirty="0">
-                <a:solidFill>
-                  <a:srgbClr val="6600FF"/>
-                </a:solidFill>
-                <a:latin typeface="Courier New" panose="02070309020205020404" pitchFamily="49" charset="0"/>
-                <a:cs typeface="Courier New" panose="02070309020205020404" pitchFamily="49" charset="0"/>
-              </a:rPr>
-              <a:t>.&lt;</a:t>
-            </a:r>
-            <a:r>
-              <a:rPr lang="en-US" sz="2800" b="1" dirty="0" err="1">
-                <a:solidFill>
-                  <a:srgbClr val="6600FF"/>
-                </a:solidFill>
-                <a:latin typeface="Courier New" panose="02070309020205020404" pitchFamily="49" charset="0"/>
-                <a:cs typeface="Courier New" panose="02070309020205020404" pitchFamily="49" charset="0"/>
-              </a:rPr>
-              <a:t>Ação</a:t>
-            </a:r>
-            <a:r>
-              <a:rPr lang="en-US" sz="2800" b="1" dirty="0">
-                <a:solidFill>
-                  <a:srgbClr val="6600FF"/>
-                </a:solidFill>
-                <a:latin typeface="Courier New" panose="02070309020205020404" pitchFamily="49" charset="0"/>
-                <a:cs typeface="Courier New" panose="02070309020205020404" pitchFamily="49" charset="0"/>
-              </a:rPr>
-              <a:t>&gt;()</a:t>
-            </a:r>
-          </a:p>
-          <a:p>
-            <a:pPr lvl="1"/>
-            <a:r>
-              <a:rPr lang="en-US" sz="2800" dirty="0">
-                <a:latin typeface="Courier New" panose="02070309020205020404" pitchFamily="49" charset="0"/>
-                <a:cs typeface="Courier New" panose="02070309020205020404" pitchFamily="49" charset="0"/>
-              </a:rPr>
-              <a:t>  Ex. </a:t>
-            </a:r>
-            <a:r>
-              <a:rPr lang="en-US" sz="2800" b="1" dirty="0">
-                <a:solidFill>
-                  <a:srgbClr val="6600FF"/>
-                </a:solidFill>
-                <a:latin typeface="Courier New" panose="02070309020205020404" pitchFamily="49" charset="0"/>
-                <a:cs typeface="Courier New" panose="02070309020205020404" pitchFamily="49" charset="0"/>
-              </a:rPr>
-              <a:t>$</a:t>
-            </a:r>
-            <a:r>
-              <a:rPr lang="en-US" sz="2800" dirty="0">
-                <a:latin typeface="Courier New" panose="02070309020205020404" pitchFamily="49" charset="0"/>
-                <a:cs typeface="Courier New" panose="02070309020205020404" pitchFamily="49" charset="0"/>
-              </a:rPr>
-              <a:t>(</a:t>
-            </a:r>
-            <a:r>
-              <a:rPr lang="en-US" sz="2800" b="1" dirty="0">
-                <a:latin typeface="Courier New" panose="02070309020205020404" pitchFamily="49" charset="0"/>
-                <a:cs typeface="Courier New" panose="02070309020205020404" pitchFamily="49" charset="0"/>
-              </a:rPr>
-              <a:t>“p”</a:t>
-            </a:r>
-            <a:r>
-              <a:rPr lang="en-US" sz="2800" dirty="0">
-                <a:solidFill>
-                  <a:srgbClr val="6600FF"/>
-                </a:solidFill>
-                <a:latin typeface="Courier New" panose="02070309020205020404" pitchFamily="49" charset="0"/>
-                <a:cs typeface="Courier New" panose="02070309020205020404" pitchFamily="49" charset="0"/>
-              </a:rPr>
-              <a:t>)</a:t>
-            </a:r>
-            <a:r>
-              <a:rPr lang="en-US" sz="2800" b="1" dirty="0">
-                <a:solidFill>
-                  <a:srgbClr val="6600FF"/>
-                </a:solidFill>
-                <a:latin typeface="Courier New" panose="02070309020205020404" pitchFamily="49" charset="0"/>
-                <a:cs typeface="Courier New" panose="02070309020205020404" pitchFamily="49" charset="0"/>
-              </a:rPr>
-              <a:t>.text(</a:t>
-            </a:r>
-            <a:r>
-              <a:rPr lang="en-US" sz="2800" b="1" dirty="0">
-                <a:latin typeface="Courier New" panose="02070309020205020404" pitchFamily="49" charset="0"/>
-                <a:cs typeface="Courier New" panose="02070309020205020404" pitchFamily="49" charset="0"/>
-              </a:rPr>
-              <a:t>“Novo texto”</a:t>
-            </a:r>
-            <a:r>
-              <a:rPr lang="en-US" sz="2800" b="1" dirty="0">
-                <a:solidFill>
-                  <a:srgbClr val="6600FF"/>
-                </a:solidFill>
-                <a:latin typeface="Courier New" panose="02070309020205020404" pitchFamily="49" charset="0"/>
-                <a:cs typeface="Courier New" panose="02070309020205020404" pitchFamily="49" charset="0"/>
-              </a:rPr>
-              <a:t>);</a:t>
-            </a:r>
-          </a:p>
-          <a:p>
-            <a:pPr marL="285750" indent="-285750">
-              <a:buFont typeface="Arial" panose="020B0604020202020204" pitchFamily="34" charset="0"/>
-              <a:buChar char="•"/>
-            </a:pPr>
-            <a:r>
-              <a:rPr lang="en-US" sz="2800" b="1" dirty="0" err="1"/>
-              <a:t>Eventos</a:t>
-            </a:r>
-            <a:endParaRPr lang="en-US" sz="2800" b="1" dirty="0"/>
-          </a:p>
-          <a:p>
-            <a:pPr marL="742950" lvl="1" indent="-285750">
-              <a:buFont typeface="Arial" panose="020B0604020202020204" pitchFamily="34" charset="0"/>
-              <a:buChar char="•"/>
-            </a:pPr>
-            <a:r>
-              <a:rPr lang="en-US" sz="2800" b="1" dirty="0">
-                <a:solidFill>
-                  <a:srgbClr val="6600FF"/>
-                </a:solidFill>
-                <a:latin typeface="Courier New" panose="02070309020205020404" pitchFamily="49" charset="0"/>
-                <a:cs typeface="Courier New" panose="02070309020205020404" pitchFamily="49" charset="0"/>
-              </a:rPr>
-              <a:t>$</a:t>
-            </a:r>
-            <a:r>
-              <a:rPr lang="en-US" sz="2800" dirty="0">
-                <a:latin typeface="Courier New" panose="02070309020205020404" pitchFamily="49" charset="0"/>
-                <a:cs typeface="Courier New" panose="02070309020205020404" pitchFamily="49" charset="0"/>
-              </a:rPr>
-              <a:t>(&lt;</a:t>
-            </a:r>
-            <a:r>
-              <a:rPr lang="en-US" sz="2800" dirty="0" err="1">
-                <a:latin typeface="Courier New" panose="02070309020205020404" pitchFamily="49" charset="0"/>
-                <a:cs typeface="Courier New" panose="02070309020205020404" pitchFamily="49" charset="0"/>
-              </a:rPr>
-              <a:t>seleção</a:t>
-            </a:r>
-            <a:r>
-              <a:rPr lang="en-US" sz="2800" dirty="0">
-                <a:latin typeface="Courier New" panose="02070309020205020404" pitchFamily="49" charset="0"/>
-                <a:cs typeface="Courier New" panose="02070309020205020404" pitchFamily="49" charset="0"/>
-              </a:rPr>
-              <a:t>&gt;</a:t>
-            </a:r>
-            <a:r>
-              <a:rPr lang="en-US" sz="2800" dirty="0">
-                <a:solidFill>
-                  <a:srgbClr val="6600FF"/>
-                </a:solidFill>
-                <a:latin typeface="Courier New" panose="02070309020205020404" pitchFamily="49" charset="0"/>
-                <a:cs typeface="Courier New" panose="02070309020205020404" pitchFamily="49" charset="0"/>
-              </a:rPr>
-              <a:t>)</a:t>
-            </a:r>
-            <a:r>
-              <a:rPr lang="en-US" sz="2800" b="1" dirty="0">
-                <a:solidFill>
-                  <a:srgbClr val="6600FF"/>
-                </a:solidFill>
-                <a:latin typeface="Courier New" panose="02070309020205020404" pitchFamily="49" charset="0"/>
-                <a:cs typeface="Courier New" panose="02070309020205020404" pitchFamily="49" charset="0"/>
-              </a:rPr>
-              <a:t>.&lt;</a:t>
-            </a:r>
-            <a:r>
-              <a:rPr lang="en-US" sz="2800" b="1" dirty="0" err="1">
-                <a:solidFill>
-                  <a:srgbClr val="6600FF"/>
-                </a:solidFill>
-                <a:latin typeface="Courier New" panose="02070309020205020404" pitchFamily="49" charset="0"/>
-                <a:cs typeface="Courier New" panose="02070309020205020404" pitchFamily="49" charset="0"/>
-              </a:rPr>
-              <a:t>Evento</a:t>
-            </a:r>
-            <a:r>
-              <a:rPr lang="en-US" sz="2800" b="1" dirty="0">
-                <a:solidFill>
-                  <a:srgbClr val="6600FF"/>
-                </a:solidFill>
-                <a:latin typeface="Courier New" panose="02070309020205020404" pitchFamily="49" charset="0"/>
-                <a:cs typeface="Courier New" panose="02070309020205020404" pitchFamily="49" charset="0"/>
-              </a:rPr>
-              <a:t>&gt;()</a:t>
-            </a:r>
-          </a:p>
-          <a:p>
-            <a:r>
-              <a:rPr lang="en-US" sz="2800" dirty="0">
-                <a:latin typeface="Courier New" panose="02070309020205020404" pitchFamily="49" charset="0"/>
-                <a:cs typeface="Courier New" panose="02070309020205020404" pitchFamily="49" charset="0"/>
-              </a:rPr>
-              <a:t>    Ex.</a:t>
-            </a:r>
-            <a:r>
-              <a:rPr lang="en-US" sz="2800" b="1" dirty="0">
-                <a:solidFill>
-                  <a:srgbClr val="6600FF"/>
-                </a:solidFill>
-                <a:latin typeface="Courier New" panose="02070309020205020404" pitchFamily="49" charset="0"/>
-                <a:cs typeface="Courier New" panose="02070309020205020404" pitchFamily="49" charset="0"/>
-              </a:rPr>
-              <a:t> $</a:t>
-            </a:r>
-            <a:r>
-              <a:rPr lang="en-US" sz="2800" dirty="0">
-                <a:latin typeface="Courier New" panose="02070309020205020404" pitchFamily="49" charset="0"/>
-                <a:cs typeface="Courier New" panose="02070309020205020404" pitchFamily="49" charset="0"/>
-              </a:rPr>
-              <a:t>(</a:t>
-            </a:r>
-            <a:r>
-              <a:rPr lang="en-US" sz="2800" b="1" dirty="0">
-                <a:latin typeface="Courier New" panose="02070309020205020404" pitchFamily="49" charset="0"/>
-                <a:cs typeface="Courier New" panose="02070309020205020404" pitchFamily="49" charset="0"/>
-              </a:rPr>
-              <a:t>“p”</a:t>
-            </a:r>
-            <a:r>
-              <a:rPr lang="en-US" sz="2800" dirty="0">
-                <a:solidFill>
-                  <a:srgbClr val="6600FF"/>
-                </a:solidFill>
-                <a:latin typeface="Courier New" panose="02070309020205020404" pitchFamily="49" charset="0"/>
-                <a:cs typeface="Courier New" panose="02070309020205020404" pitchFamily="49" charset="0"/>
-              </a:rPr>
-              <a:t>)</a:t>
-            </a:r>
-            <a:r>
-              <a:rPr lang="en-US" sz="2800" b="1" dirty="0">
-                <a:solidFill>
-                  <a:srgbClr val="6600FF"/>
-                </a:solidFill>
-                <a:latin typeface="Courier New" panose="02070309020205020404" pitchFamily="49" charset="0"/>
-                <a:cs typeface="Courier New" panose="02070309020205020404" pitchFamily="49" charset="0"/>
-              </a:rPr>
-              <a:t>.click(</a:t>
-            </a:r>
-            <a:r>
-              <a:rPr lang="en-US" sz="2400" dirty="0">
-                <a:latin typeface="Courier New" panose="02070309020205020404" pitchFamily="49" charset="0"/>
-                <a:cs typeface="Courier New" panose="02070309020205020404" pitchFamily="49" charset="0"/>
-              </a:rPr>
-              <a:t>function() {</a:t>
-            </a:r>
-          </a:p>
-          <a:p>
-            <a:r>
-              <a:rPr lang="en-US" dirty="0">
-                <a:latin typeface="Courier New" panose="02070309020205020404" pitchFamily="49" charset="0"/>
-                <a:cs typeface="Courier New" panose="02070309020205020404" pitchFamily="49" charset="0"/>
-              </a:rPr>
-              <a:t>               $("p").</a:t>
-            </a:r>
-            <a:r>
-              <a:rPr lang="en-US" dirty="0" err="1">
-                <a:latin typeface="Courier New" panose="02070309020205020404" pitchFamily="49" charset="0"/>
-                <a:cs typeface="Courier New" panose="02070309020205020404" pitchFamily="49" charset="0"/>
-              </a:rPr>
-              <a:t>attr</a:t>
-            </a:r>
-            <a:r>
-              <a:rPr lang="en-US" dirty="0">
-                <a:latin typeface="Courier New" panose="02070309020205020404" pitchFamily="49" charset="0"/>
-                <a:cs typeface="Courier New" panose="02070309020205020404" pitchFamily="49" charset="0"/>
-              </a:rPr>
-              <a:t>("style", "</a:t>
-            </a:r>
-            <a:r>
-              <a:rPr lang="en-US" dirty="0" err="1">
-                <a:latin typeface="Courier New" panose="02070309020205020404" pitchFamily="49" charset="0"/>
-                <a:cs typeface="Courier New" panose="02070309020205020404" pitchFamily="49" charset="0"/>
-              </a:rPr>
-              <a:t>background-color:blue</a:t>
-            </a:r>
-            <a:r>
-              <a:rPr lang="en-US" dirty="0">
-                <a:latin typeface="Courier New" panose="02070309020205020404" pitchFamily="49" charset="0"/>
-                <a:cs typeface="Courier New" panose="02070309020205020404" pitchFamily="49" charset="0"/>
-              </a:rPr>
-              <a:t>; </a:t>
-            </a:r>
-            <a:r>
-              <a:rPr lang="en-US" dirty="0" err="1">
-                <a:latin typeface="Courier New" panose="02070309020205020404" pitchFamily="49" charset="0"/>
-                <a:cs typeface="Courier New" panose="02070309020205020404" pitchFamily="49" charset="0"/>
-              </a:rPr>
-              <a:t>color:white</a:t>
-            </a:r>
-            <a:r>
-              <a:rPr lang="en-US" dirty="0">
-                <a:latin typeface="Courier New" panose="02070309020205020404" pitchFamily="49" charset="0"/>
-                <a:cs typeface="Courier New" panose="02070309020205020404" pitchFamily="49" charset="0"/>
-              </a:rPr>
-              <a:t>");      </a:t>
-            </a:r>
-          </a:p>
-          <a:p>
-            <a:r>
-              <a:rPr lang="en-US" dirty="0">
-                <a:latin typeface="Courier New" panose="02070309020205020404" pitchFamily="49" charset="0"/>
-                <a:cs typeface="Courier New" panose="02070309020205020404" pitchFamily="49" charset="0"/>
-              </a:rPr>
-              <a:t>       </a:t>
-            </a:r>
-            <a:r>
-              <a:rPr lang="en-US" sz="2400" dirty="0">
-                <a:latin typeface="Courier New" panose="02070309020205020404" pitchFamily="49" charset="0"/>
-                <a:cs typeface="Courier New" panose="02070309020205020404" pitchFamily="49" charset="0"/>
-              </a:rPr>
-              <a:t>}</a:t>
-            </a:r>
-            <a:r>
-              <a:rPr lang="en-US" sz="2800" b="1" dirty="0">
-                <a:solidFill>
-                  <a:srgbClr val="6600FF"/>
-                </a:solidFill>
-                <a:latin typeface="Courier New" panose="02070309020205020404" pitchFamily="49" charset="0"/>
-                <a:cs typeface="Courier New" panose="02070309020205020404" pitchFamily="49" charset="0"/>
-              </a:rPr>
-              <a:t>);</a:t>
-            </a:r>
-          </a:p>
-          <a:p>
-            <a:pPr marL="285750" indent="-285750">
-              <a:buFont typeface="Arial" panose="020B0604020202020204" pitchFamily="34" charset="0"/>
-              <a:buChar char="•"/>
-            </a:pPr>
-            <a:r>
-              <a:rPr lang="en-US" sz="2800" b="1" dirty="0" err="1"/>
-              <a:t>Métodos</a:t>
-            </a:r>
-            <a:endParaRPr lang="en-US" sz="2800" b="1" dirty="0"/>
-          </a:p>
-          <a:p>
-            <a:pPr marL="742950" lvl="1" indent="-285750">
-              <a:buFont typeface="Arial" panose="020B0604020202020204" pitchFamily="34" charset="0"/>
-              <a:buChar char="•"/>
-            </a:pPr>
-            <a:r>
-              <a:rPr lang="en-US" sz="2800" b="1" dirty="0">
-                <a:solidFill>
-                  <a:srgbClr val="6600FF"/>
-                </a:solidFill>
-                <a:latin typeface="Courier New" panose="02070309020205020404" pitchFamily="49" charset="0"/>
-                <a:cs typeface="Courier New" panose="02070309020205020404" pitchFamily="49" charset="0"/>
-              </a:rPr>
-              <a:t>$</a:t>
-            </a:r>
-            <a:r>
-              <a:rPr lang="en-US" sz="2800" dirty="0">
-                <a:latin typeface="Courier New" panose="02070309020205020404" pitchFamily="49" charset="0"/>
-                <a:cs typeface="Courier New" panose="02070309020205020404" pitchFamily="49" charset="0"/>
-              </a:rPr>
-              <a:t>(&lt;</a:t>
-            </a:r>
-            <a:r>
-              <a:rPr lang="en-US" sz="2800" dirty="0" err="1">
-                <a:latin typeface="Courier New" panose="02070309020205020404" pitchFamily="49" charset="0"/>
-                <a:cs typeface="Courier New" panose="02070309020205020404" pitchFamily="49" charset="0"/>
-              </a:rPr>
-              <a:t>seleção</a:t>
-            </a:r>
-            <a:r>
-              <a:rPr lang="en-US" sz="2800" dirty="0">
-                <a:latin typeface="Courier New" panose="02070309020205020404" pitchFamily="49" charset="0"/>
-                <a:cs typeface="Courier New" panose="02070309020205020404" pitchFamily="49" charset="0"/>
-              </a:rPr>
-              <a:t>&gt;</a:t>
-            </a:r>
-            <a:r>
-              <a:rPr lang="en-US" sz="2800" dirty="0">
-                <a:solidFill>
-                  <a:srgbClr val="6600FF"/>
-                </a:solidFill>
-                <a:latin typeface="Courier New" panose="02070309020205020404" pitchFamily="49" charset="0"/>
-                <a:cs typeface="Courier New" panose="02070309020205020404" pitchFamily="49" charset="0"/>
-              </a:rPr>
-              <a:t>)</a:t>
-            </a:r>
-            <a:r>
-              <a:rPr lang="en-US" sz="2800" b="1" dirty="0">
-                <a:solidFill>
-                  <a:srgbClr val="6600FF"/>
-                </a:solidFill>
-                <a:latin typeface="Courier New" panose="02070309020205020404" pitchFamily="49" charset="0"/>
-                <a:cs typeface="Courier New" panose="02070309020205020404" pitchFamily="49" charset="0"/>
-              </a:rPr>
-              <a:t>.&lt;</a:t>
-            </a:r>
-            <a:r>
-              <a:rPr lang="en-US" sz="2800" b="1" dirty="0" err="1">
-                <a:solidFill>
-                  <a:srgbClr val="6600FF"/>
-                </a:solidFill>
-                <a:latin typeface="Courier New" panose="02070309020205020404" pitchFamily="49" charset="0"/>
-                <a:cs typeface="Courier New" panose="02070309020205020404" pitchFamily="49" charset="0"/>
-              </a:rPr>
-              <a:t>Método</a:t>
-            </a:r>
-            <a:r>
-              <a:rPr lang="en-US" sz="2800" b="1" dirty="0">
-                <a:solidFill>
-                  <a:srgbClr val="6600FF"/>
-                </a:solidFill>
-                <a:latin typeface="Courier New" panose="02070309020205020404" pitchFamily="49" charset="0"/>
-                <a:cs typeface="Courier New" panose="02070309020205020404" pitchFamily="49" charset="0"/>
-              </a:rPr>
-              <a:t>&gt;()</a:t>
-            </a:r>
-          </a:p>
-          <a:p>
-            <a:pPr lvl="1"/>
-            <a:r>
-              <a:rPr lang="en-US" sz="2800" dirty="0">
-                <a:latin typeface="Courier New" panose="02070309020205020404" pitchFamily="49" charset="0"/>
-                <a:cs typeface="Courier New" panose="02070309020205020404" pitchFamily="49" charset="0"/>
-              </a:rPr>
-              <a:t>  Ex. var texto = </a:t>
-            </a:r>
-            <a:r>
-              <a:rPr lang="en-US" sz="2800" b="1" dirty="0">
-                <a:solidFill>
-                  <a:srgbClr val="6600FF"/>
-                </a:solidFill>
-                <a:latin typeface="Courier New" panose="02070309020205020404" pitchFamily="49" charset="0"/>
-                <a:cs typeface="Courier New" panose="02070309020205020404" pitchFamily="49" charset="0"/>
-              </a:rPr>
-              <a:t>$</a:t>
-            </a:r>
-            <a:r>
-              <a:rPr lang="en-US" sz="2800" dirty="0">
-                <a:latin typeface="Courier New" panose="02070309020205020404" pitchFamily="49" charset="0"/>
-                <a:cs typeface="Courier New" panose="02070309020205020404" pitchFamily="49" charset="0"/>
-              </a:rPr>
-              <a:t>(“</a:t>
-            </a:r>
-            <a:r>
-              <a:rPr lang="en-US" sz="2800" b="1" dirty="0">
-                <a:latin typeface="Courier New" panose="02070309020205020404" pitchFamily="49" charset="0"/>
-                <a:cs typeface="Courier New" panose="02070309020205020404" pitchFamily="49" charset="0"/>
-              </a:rPr>
-              <a:t>p</a:t>
-            </a:r>
-            <a:r>
-              <a:rPr lang="en-US" sz="2800" dirty="0">
-                <a:latin typeface="Courier New" panose="02070309020205020404" pitchFamily="49" charset="0"/>
-                <a:cs typeface="Courier New" panose="02070309020205020404" pitchFamily="49" charset="0"/>
-              </a:rPr>
-              <a:t>”).</a:t>
-            </a:r>
-            <a:r>
-              <a:rPr lang="en-US" sz="2800" dirty="0" err="1">
-                <a:latin typeface="Courier New" panose="02070309020205020404" pitchFamily="49" charset="0"/>
-                <a:cs typeface="Courier New" panose="02070309020205020404" pitchFamily="49" charset="0"/>
-              </a:rPr>
-              <a:t>val</a:t>
-            </a:r>
-            <a:r>
-              <a:rPr lang="en-US" sz="2800" dirty="0">
-                <a:latin typeface="Courier New" panose="02070309020205020404" pitchFamily="49" charset="0"/>
-                <a:cs typeface="Courier New" panose="02070309020205020404" pitchFamily="49" charset="0"/>
-              </a:rPr>
-              <a:t>(); </a:t>
-            </a:r>
-            <a:r>
-              <a:rPr lang="en-US" sz="2800" dirty="0" err="1">
-                <a:latin typeface="Courier New" panose="02070309020205020404" pitchFamily="49" charset="0"/>
-                <a:cs typeface="Courier New" panose="02070309020205020404" pitchFamily="49" charset="0"/>
-              </a:rPr>
-              <a:t>Obs</a:t>
-            </a:r>
-            <a:r>
-              <a:rPr lang="en-US" sz="2800" dirty="0">
-                <a:latin typeface="Courier New" panose="02070309020205020404" pitchFamily="49" charset="0"/>
-                <a:cs typeface="Courier New" panose="02070309020205020404" pitchFamily="49" charset="0"/>
-              </a:rPr>
-              <a:t>: para inputs</a:t>
-            </a:r>
-            <a:endParaRPr lang="pt-BR" sz="1600" dirty="0"/>
-          </a:p>
-        </p:txBody>
-      </p:sp>
-    </p:spTree>
-    <p:extLst>
-      <p:ext uri="{BB962C8B-B14F-4D97-AF65-F5344CB8AC3E}">
-        <p14:creationId xmlns:p14="http://schemas.microsoft.com/office/powerpoint/2010/main" val="2827539807"/>
-      </p:ext>
-    </p:extLst>
-  </p:cSld>
-  <p:clrMapOvr>
-    <a:masterClrMapping/>
-  </p:clrMapOvr>
-  <p:transition spd="med">
-    <p:strips dir="rd"/>
-  </p:transition>
-</p:sld>
-</file>
-
 <file path=ppt/slides/slide4.xml><?xml version="1.0" encoding="utf-8"?>
 <p:sld xmlns:a="http://schemas.openxmlformats.org/drawingml/2006/main" xmlns:r="http://schemas.openxmlformats.org/officeDocument/2006/relationships" xmlns:p="http://schemas.openxmlformats.org/presentationml/2006/main">
   <p:cSld>
@@ -14258,8 +17875,8 @@
         </p:nvSpPr>
         <p:spPr>
           <a:xfrm>
-            <a:off x="433387" y="1342707"/>
-            <a:ext cx="11839575" cy="4647426"/>
+            <a:off x="433388" y="1471924"/>
+            <a:ext cx="11258504" cy="4893647"/>
           </a:xfrm>
           <a:prstGeom prst="rect">
             <a:avLst/>
@@ -14342,15 +17959,6 @@
               </a:rPr>
               <a:t>&gt;();</a:t>
             </a:r>
-          </a:p>
-          <a:p>
-            <a:endParaRPr lang="en-US" sz="3200" b="1" dirty="0">
-              <a:solidFill>
-                <a:srgbClr val="6600FF"/>
-              </a:solidFill>
-              <a:latin typeface="Courier New" panose="02070309020205020404" pitchFamily="49" charset="0"/>
-              <a:cs typeface="Courier New" panose="02070309020205020404" pitchFamily="49" charset="0"/>
-            </a:endParaRPr>
           </a:p>
           <a:p>
             <a:pPr marL="285750" indent="-285750">
@@ -14451,6 +18059,34 @@
             </a:r>
           </a:p>
           <a:p>
+            <a:pPr algn="ctr">
+              <a:lnSpc>
+                <a:spcPct val="150000"/>
+              </a:lnSpc>
+            </a:pPr>
+            <a:r>
+              <a:rPr lang="en-US" sz="3200" b="1" i="1" dirty="0">
+                <a:latin typeface="Arial" panose="020B0604020202020204" pitchFamily="34" charset="0"/>
+                <a:cs typeface="Arial" panose="020B0604020202020204" pitchFamily="34" charset="0"/>
+              </a:rPr>
+              <a:t>Também retorna o texto/html do </a:t>
+            </a:r>
+            <a:r>
+              <a:rPr lang="en-US" sz="3200" b="1" i="1" dirty="0" err="1">
+                <a:latin typeface="Arial" panose="020B0604020202020204" pitchFamily="34" charset="0"/>
+                <a:cs typeface="Arial" panose="020B0604020202020204" pitchFamily="34" charset="0"/>
+              </a:rPr>
+              <a:t>elemento</a:t>
+            </a:r>
+            <a:r>
+              <a:rPr lang="en-US" sz="3200" b="1" i="1" dirty="0">
+                <a:latin typeface="Arial" panose="020B0604020202020204" pitchFamily="34" charset="0"/>
+                <a:cs typeface="Arial" panose="020B0604020202020204" pitchFamily="34" charset="0"/>
+              </a:rPr>
+              <a:t>:   </a:t>
+            </a:r>
+          </a:p>
+          <a:p>
             <a:pPr marL="285750" indent="-285750">
               <a:lnSpc>
                 <a:spcPct val="150000"/>
@@ -14505,7 +18141,7 @@
                 <a:latin typeface="Courier New" panose="02070309020205020404" pitchFamily="49" charset="0"/>
                 <a:cs typeface="Courier New" panose="02070309020205020404" pitchFamily="49" charset="0"/>
               </a:rPr>
-              <a:t>”);   </a:t>
+              <a:t>”);</a:t>
             </a:r>
           </a:p>
           <a:p>
@@ -14652,11 +18288,15 @@
             </a:r>
             <a:r>
               <a:rPr lang="en-US" dirty="0"/>
-              <a:t> - </a:t>
+              <a:t> – </a:t>
             </a:r>
             <a:r>
               <a:rPr lang="en-US" dirty="0" err="1"/>
-              <a:t>Inicialização</a:t>
+              <a:t>Métodos</a:t>
+            </a:r>
+            <a:r>
+              <a:rPr lang="en-US" dirty="0"/>
+              <a:t> II</a:t>
             </a:r>
             <a:endParaRPr lang="es-ES_tradnl" altLang="pt-BR" dirty="0"/>
           </a:p>
@@ -14684,7 +18324,7 @@
           <a:lstStyle/>
           <a:p>
             <a:r>
-              <a:rPr lang="pt-BR"/>
+              <a:rPr lang="pt-BR" dirty="0"/>
               <a:t>30-jul-18</a:t>
             </a:r>
           </a:p>
@@ -14762,8 +18402,8 @@
         </p:nvSpPr>
         <p:spPr>
           <a:xfrm>
-            <a:off x="176212" y="1304607"/>
-            <a:ext cx="11839575" cy="5478423"/>
+            <a:off x="433387" y="1471924"/>
+            <a:ext cx="11862185" cy="5670783"/>
           </a:xfrm>
           <a:prstGeom prst="rect">
             <a:avLst/>
@@ -14775,405 +18415,428 @@
           </a:bodyPr>
           <a:lstStyle/>
           <a:p>
+            <a:r>
+              <a:rPr lang="en-US" sz="3200" b="1" dirty="0">
+                <a:solidFill>
+                  <a:srgbClr val="6600FF"/>
+                </a:solidFill>
+                <a:latin typeface="Courier New" panose="02070309020205020404" pitchFamily="49" charset="0"/>
+                <a:cs typeface="Courier New" panose="02070309020205020404" pitchFamily="49" charset="0"/>
+              </a:rPr>
+              <a:t>$</a:t>
+            </a:r>
+            <a:r>
+              <a:rPr lang="en-US" sz="3200" dirty="0">
+                <a:latin typeface="Courier New" panose="02070309020205020404" pitchFamily="49" charset="0"/>
+                <a:cs typeface="Courier New" panose="02070309020205020404" pitchFamily="49" charset="0"/>
+              </a:rPr>
+              <a:t>(&lt;</a:t>
+            </a:r>
+            <a:r>
+              <a:rPr lang="en-US" sz="3200" dirty="0" err="1">
+                <a:latin typeface="Courier New" panose="02070309020205020404" pitchFamily="49" charset="0"/>
+                <a:cs typeface="Courier New" panose="02070309020205020404" pitchFamily="49" charset="0"/>
+              </a:rPr>
+              <a:t>seleção</a:t>
+            </a:r>
+            <a:r>
+              <a:rPr lang="en-US" sz="3200" dirty="0">
+                <a:latin typeface="Courier New" panose="02070309020205020404" pitchFamily="49" charset="0"/>
+                <a:cs typeface="Courier New" panose="02070309020205020404" pitchFamily="49" charset="0"/>
+              </a:rPr>
+              <a:t>&gt;</a:t>
+            </a:r>
+            <a:r>
+              <a:rPr lang="en-US" sz="3200" dirty="0">
+                <a:solidFill>
+                  <a:srgbClr val="6600FF"/>
+                </a:solidFill>
+                <a:latin typeface="Courier New" panose="02070309020205020404" pitchFamily="49" charset="0"/>
+                <a:cs typeface="Courier New" panose="02070309020205020404" pitchFamily="49" charset="0"/>
+              </a:rPr>
+              <a:t>)</a:t>
+            </a:r>
+            <a:r>
+              <a:rPr lang="en-US" sz="3200" b="1" dirty="0">
+                <a:solidFill>
+                  <a:srgbClr val="6600FF"/>
+                </a:solidFill>
+                <a:latin typeface="Courier New" panose="02070309020205020404" pitchFamily="49" charset="0"/>
+                <a:cs typeface="Courier New" panose="02070309020205020404" pitchFamily="49" charset="0"/>
+              </a:rPr>
+              <a:t>.&lt;</a:t>
+            </a:r>
+            <a:r>
+              <a:rPr lang="en-US" sz="3200" b="1" dirty="0" err="1">
+                <a:solidFill>
+                  <a:srgbClr val="6600FF"/>
+                </a:solidFill>
+                <a:latin typeface="Courier New" panose="02070309020205020404" pitchFamily="49" charset="0"/>
+                <a:cs typeface="Courier New" panose="02070309020205020404" pitchFamily="49" charset="0"/>
+              </a:rPr>
+              <a:t>Método</a:t>
+            </a:r>
+            <a:r>
+              <a:rPr lang="en-US" sz="3200" b="1" dirty="0">
+                <a:solidFill>
+                  <a:srgbClr val="6600FF"/>
+                </a:solidFill>
+                <a:latin typeface="Courier New" panose="02070309020205020404" pitchFamily="49" charset="0"/>
+                <a:cs typeface="Courier New" panose="02070309020205020404" pitchFamily="49" charset="0"/>
+              </a:rPr>
+              <a:t>&gt;();</a:t>
+            </a:r>
+          </a:p>
+          <a:p>
             <a:pPr marL="285750" indent="-285750">
               <a:buFont typeface="Arial" panose="020B0604020202020204" pitchFamily="34" charset="0"/>
               <a:buChar char="•"/>
             </a:pPr>
             <a:r>
-              <a:rPr lang="en-US" sz="3200" b="1" dirty="0" err="1"/>
-              <a:t>Declarar</a:t>
-            </a:r>
-            <a:r>
-              <a:rPr lang="en-US" sz="3200" b="1" dirty="0"/>
+              <a:rPr lang="en-US" sz="3600" b="1" dirty="0" err="1"/>
+              <a:t>Adicionar</a:t>
+            </a:r>
+            <a:r>
+              <a:rPr lang="en-US" sz="3600" b="1" dirty="0"/>
               <a:t> </a:t>
             </a:r>
             <a:r>
-              <a:rPr lang="en-US" sz="3200" b="1" dirty="0" err="1"/>
-              <a:t>biblioteca</a:t>
-            </a:r>
-            <a:r>
-              <a:rPr lang="en-US" sz="3200" b="1" dirty="0"/>
-              <a:t>:</a:t>
-            </a:r>
-            <a:endParaRPr lang="pt-BR" sz="3200" b="1" dirty="0"/>
-          </a:p>
-          <a:p>
-            <a:r>
-              <a:rPr lang="pt-BR" sz="3200" dirty="0"/>
-              <a:t>        </a:t>
-            </a:r>
-            <a:r>
-              <a:rPr lang="pt-BR" sz="3200" dirty="0">
-                <a:latin typeface="Courier New" panose="02070309020205020404" pitchFamily="49" charset="0"/>
-                <a:cs typeface="Courier New" panose="02070309020205020404" pitchFamily="49" charset="0"/>
-              </a:rPr>
-              <a:t>&lt;</a:t>
-            </a:r>
-            <a:r>
-              <a:rPr lang="pt-BR" sz="3200" b="1" dirty="0">
-                <a:latin typeface="Courier New" panose="02070309020205020404" pitchFamily="49" charset="0"/>
-                <a:cs typeface="Courier New" panose="02070309020205020404" pitchFamily="49" charset="0"/>
-              </a:rPr>
-              <a:t>script</a:t>
-            </a:r>
-            <a:r>
-              <a:rPr lang="pt-BR" sz="3200" dirty="0">
-                <a:latin typeface="Courier New" panose="02070309020205020404" pitchFamily="49" charset="0"/>
-                <a:cs typeface="Courier New" panose="02070309020205020404" pitchFamily="49" charset="0"/>
-              </a:rPr>
-              <a:t> </a:t>
-            </a:r>
-            <a:r>
-              <a:rPr lang="pt-BR" sz="3200" b="1" dirty="0" err="1">
-                <a:latin typeface="Courier New" panose="02070309020205020404" pitchFamily="49" charset="0"/>
-                <a:cs typeface="Courier New" panose="02070309020205020404" pitchFamily="49" charset="0"/>
-              </a:rPr>
-              <a:t>src</a:t>
-            </a:r>
-            <a:r>
-              <a:rPr lang="pt-BR" sz="3200" dirty="0">
-                <a:latin typeface="Courier New" panose="02070309020205020404" pitchFamily="49" charset="0"/>
-                <a:cs typeface="Courier New" panose="02070309020205020404" pitchFamily="49" charset="0"/>
-              </a:rPr>
-              <a:t>=“.... jquery.min.js"&gt; &lt;/</a:t>
-            </a:r>
-            <a:r>
-              <a:rPr lang="pt-BR" sz="3200" b="1" dirty="0">
-                <a:latin typeface="Courier New" panose="02070309020205020404" pitchFamily="49" charset="0"/>
-                <a:cs typeface="Courier New" panose="02070309020205020404" pitchFamily="49" charset="0"/>
-              </a:rPr>
-              <a:t>script</a:t>
-            </a:r>
-            <a:r>
-              <a:rPr lang="pt-BR" sz="3200" dirty="0">
-                <a:latin typeface="Courier New" panose="02070309020205020404" pitchFamily="49" charset="0"/>
-                <a:cs typeface="Courier New" panose="02070309020205020404" pitchFamily="49" charset="0"/>
-              </a:rPr>
-              <a:t>&gt;</a:t>
-            </a:r>
-          </a:p>
-          <a:p>
-            <a:r>
-              <a:rPr lang="en-US" sz="3200" dirty="0">
-                <a:latin typeface="Courier New" panose="02070309020205020404" pitchFamily="49" charset="0"/>
-                <a:cs typeface="Courier New" panose="02070309020205020404" pitchFamily="49" charset="0"/>
-              </a:rPr>
-              <a:t>    E</a:t>
-            </a:r>
-            <a:r>
-              <a:rPr lang="pt-BR" sz="3200" dirty="0">
-                <a:latin typeface="Courier New" panose="02070309020205020404" pitchFamily="49" charset="0"/>
-                <a:cs typeface="Courier New" panose="02070309020205020404" pitchFamily="49" charset="0"/>
-              </a:rPr>
-              <a:t>x:</a:t>
-            </a:r>
-          </a:p>
-          <a:p>
-            <a:r>
-              <a:rPr lang="pt-BR" sz="3200" dirty="0"/>
-              <a:t>    </a:t>
-            </a:r>
-            <a:r>
-              <a:rPr lang="pt-BR" sz="2800" dirty="0">
-                <a:latin typeface="Courier New" panose="02070309020205020404" pitchFamily="49" charset="0"/>
-                <a:cs typeface="Courier New" panose="02070309020205020404" pitchFamily="49" charset="0"/>
-              </a:rPr>
-              <a:t>&lt;</a:t>
-            </a:r>
-            <a:r>
-              <a:rPr lang="pt-BR" sz="2800" b="1" dirty="0">
-                <a:latin typeface="Courier New" panose="02070309020205020404" pitchFamily="49" charset="0"/>
-                <a:cs typeface="Courier New" panose="02070309020205020404" pitchFamily="49" charset="0"/>
-              </a:rPr>
-              <a:t>script</a:t>
-            </a:r>
-            <a:r>
-              <a:rPr lang="pt-BR" sz="2800" dirty="0">
-                <a:latin typeface="Courier New" panose="02070309020205020404" pitchFamily="49" charset="0"/>
-                <a:cs typeface="Courier New" panose="02070309020205020404" pitchFamily="49" charset="0"/>
-              </a:rPr>
-              <a:t> </a:t>
-            </a:r>
-            <a:r>
-              <a:rPr lang="pt-BR" sz="2800" b="1" dirty="0" err="1">
-                <a:latin typeface="Courier New" panose="02070309020205020404" pitchFamily="49" charset="0"/>
-                <a:cs typeface="Courier New" panose="02070309020205020404" pitchFamily="49" charset="0"/>
-              </a:rPr>
-              <a:t>src</a:t>
-            </a:r>
-            <a:r>
-              <a:rPr lang="pt-BR" sz="2800" dirty="0">
-                <a:latin typeface="Courier New" panose="02070309020205020404" pitchFamily="49" charset="0"/>
-                <a:cs typeface="Courier New" panose="02070309020205020404" pitchFamily="49" charset="0"/>
-              </a:rPr>
-              <a:t>=“</a:t>
-            </a:r>
-            <a:r>
-              <a:rPr lang="pt-BR" sz="2800" b="1" dirty="0" err="1">
-                <a:solidFill>
-                  <a:srgbClr val="6600FF"/>
-                </a:solidFill>
-                <a:latin typeface="Courier New" panose="02070309020205020404" pitchFamily="49" charset="0"/>
-                <a:cs typeface="Courier New" panose="02070309020205020404" pitchFamily="49" charset="0"/>
-              </a:rPr>
-              <a:t>js</a:t>
-            </a:r>
-            <a:r>
-              <a:rPr lang="pt-BR" sz="2800" b="1" dirty="0">
-                <a:solidFill>
-                  <a:srgbClr val="6600FF"/>
-                </a:solidFill>
-                <a:latin typeface="Courier New" panose="02070309020205020404" pitchFamily="49" charset="0"/>
-                <a:cs typeface="Courier New" panose="02070309020205020404" pitchFamily="49" charset="0"/>
-              </a:rPr>
-              <a:t>/</a:t>
-            </a:r>
-            <a:r>
-              <a:rPr lang="pt-BR" sz="2800" b="1" dirty="0" err="1">
-                <a:solidFill>
-                  <a:srgbClr val="6600FF"/>
-                </a:solidFill>
-                <a:latin typeface="Courier New" panose="02070309020205020404" pitchFamily="49" charset="0"/>
-                <a:cs typeface="Courier New" panose="02070309020205020404" pitchFamily="49" charset="0"/>
-              </a:rPr>
-              <a:t>libs</a:t>
-            </a:r>
-            <a:r>
-              <a:rPr lang="pt-BR" sz="2800" b="1" dirty="0">
-                <a:solidFill>
-                  <a:srgbClr val="6600FF"/>
-                </a:solidFill>
-                <a:latin typeface="Courier New" panose="02070309020205020404" pitchFamily="49" charset="0"/>
-                <a:cs typeface="Courier New" panose="02070309020205020404" pitchFamily="49" charset="0"/>
-              </a:rPr>
-              <a:t>/</a:t>
-            </a:r>
-            <a:r>
-              <a:rPr lang="pt-BR" sz="2800" b="1" dirty="0" err="1">
-                <a:solidFill>
-                  <a:srgbClr val="6600FF"/>
-                </a:solidFill>
-                <a:latin typeface="Courier New" panose="02070309020205020404" pitchFamily="49" charset="0"/>
-                <a:cs typeface="Courier New" panose="02070309020205020404" pitchFamily="49" charset="0"/>
-              </a:rPr>
-              <a:t>jquery</a:t>
-            </a:r>
-            <a:r>
-              <a:rPr lang="pt-BR" sz="2800" b="1" dirty="0">
-                <a:solidFill>
-                  <a:srgbClr val="6600FF"/>
-                </a:solidFill>
-                <a:latin typeface="Courier New" panose="02070309020205020404" pitchFamily="49" charset="0"/>
-                <a:cs typeface="Courier New" panose="02070309020205020404" pitchFamily="49" charset="0"/>
-              </a:rPr>
-              <a:t>/jquery.min.js</a:t>
-            </a:r>
-            <a:r>
-              <a:rPr lang="pt-BR" sz="2800" dirty="0">
-                <a:latin typeface="Courier New" panose="02070309020205020404" pitchFamily="49" charset="0"/>
-                <a:cs typeface="Courier New" panose="02070309020205020404" pitchFamily="49" charset="0"/>
-              </a:rPr>
-              <a:t>"&gt; &lt;/</a:t>
-            </a:r>
-            <a:r>
-              <a:rPr lang="pt-BR" sz="2800" b="1" dirty="0">
-                <a:latin typeface="Courier New" panose="02070309020205020404" pitchFamily="49" charset="0"/>
-                <a:cs typeface="Courier New" panose="02070309020205020404" pitchFamily="49" charset="0"/>
-              </a:rPr>
-              <a:t>script</a:t>
-            </a:r>
-            <a:r>
-              <a:rPr lang="pt-BR" sz="2800" dirty="0">
-                <a:latin typeface="Courier New" panose="02070309020205020404" pitchFamily="49" charset="0"/>
-                <a:cs typeface="Courier New" panose="02070309020205020404" pitchFamily="49" charset="0"/>
-              </a:rPr>
-              <a:t>&gt;</a:t>
-            </a:r>
-          </a:p>
-          <a:p>
-            <a:pPr marL="285750" indent="-285750">
+              <a:rPr lang="en-US" sz="3600" b="1" dirty="0" err="1"/>
+              <a:t>Listas</a:t>
+            </a:r>
+            <a:r>
+              <a:rPr lang="en-US" sz="3600" b="1" dirty="0"/>
+              <a:t> / Arrays: </a:t>
+            </a:r>
+          </a:p>
+          <a:p>
+            <a:pPr marL="742950" lvl="1" indent="-285750">
               <a:buFont typeface="Arial" panose="020B0604020202020204" pitchFamily="34" charset="0"/>
               <a:buChar char="•"/>
             </a:pPr>
-            <a:endParaRPr lang="en-US" sz="3200" b="1" dirty="0"/>
-          </a:p>
-          <a:p>
-            <a:pPr marL="285750" indent="-285750">
+            <a:r>
+              <a:rPr lang="en-US" sz="3200" b="1" dirty="0">
+                <a:solidFill>
+                  <a:srgbClr val="6600FF"/>
+                </a:solidFill>
+                <a:latin typeface="Courier New" panose="02070309020205020404" pitchFamily="49" charset="0"/>
+                <a:cs typeface="Courier New" panose="02070309020205020404" pitchFamily="49" charset="0"/>
+              </a:rPr>
+              <a:t>var</a:t>
+            </a:r>
+            <a:r>
+              <a:rPr lang="en-US" sz="2800" dirty="0">
+                <a:latin typeface="Courier New" panose="02070309020205020404" pitchFamily="49" charset="0"/>
+                <a:cs typeface="Courier New" panose="02070309020205020404" pitchFamily="49" charset="0"/>
+              </a:rPr>
+              <a:t> </a:t>
+            </a:r>
+            <a:r>
+              <a:rPr lang="en-US" sz="2800" i="1" dirty="0">
+                <a:latin typeface="Courier New" panose="02070309020205020404" pitchFamily="49" charset="0"/>
+                <a:cs typeface="Courier New" panose="02070309020205020404" pitchFamily="49" charset="0"/>
+              </a:rPr>
+              <a:t>nomes</a:t>
+            </a:r>
+            <a:r>
+              <a:rPr lang="en-US" sz="2800" dirty="0">
+                <a:latin typeface="Courier New" panose="02070309020205020404" pitchFamily="49" charset="0"/>
+                <a:cs typeface="Courier New" panose="02070309020205020404" pitchFamily="49" charset="0"/>
+              </a:rPr>
+              <a:t> = [ "John", "Steve", "Ben", "Damon"];</a:t>
+            </a:r>
+          </a:p>
+          <a:p>
+            <a:pPr marL="742950" lvl="1" indent="-285750">
               <a:buFont typeface="Arial" panose="020B0604020202020204" pitchFamily="34" charset="0"/>
               <a:buChar char="•"/>
             </a:pPr>
             <a:r>
-              <a:rPr lang="en-US" sz="3200" b="1" dirty="0"/>
-              <a:t>I</a:t>
-            </a:r>
-            <a:r>
-              <a:rPr lang="pt-BR" sz="3200" b="1" dirty="0" err="1"/>
-              <a:t>nicializar</a:t>
-            </a:r>
-            <a:r>
-              <a:rPr lang="pt-BR" sz="3200" b="1" dirty="0"/>
-              <a:t> </a:t>
-            </a:r>
-            <a:r>
-              <a:rPr lang="pt-BR" sz="3200" b="1" dirty="0" err="1"/>
-              <a:t>JQuery</a:t>
-            </a:r>
-            <a:r>
-              <a:rPr lang="pt-BR" sz="3200" b="1" dirty="0"/>
-              <a:t> na página:</a:t>
-            </a:r>
-          </a:p>
-          <a:p>
-            <a:r>
-              <a:rPr lang="en-US" sz="2800" b="1" dirty="0">
-                <a:latin typeface="Courier New" panose="02070309020205020404" pitchFamily="49" charset="0"/>
-                <a:cs typeface="Courier New" panose="02070309020205020404" pitchFamily="49" charset="0"/>
-              </a:rPr>
-              <a:t> &lt;script type</a:t>
+              <a:rPr lang="en-US" sz="3200" b="1" dirty="0">
+                <a:solidFill>
+                  <a:srgbClr val="6600FF"/>
+                </a:solidFill>
+                <a:latin typeface="Courier New" panose="02070309020205020404" pitchFamily="49" charset="0"/>
+                <a:cs typeface="Courier New" panose="02070309020205020404" pitchFamily="49" charset="0"/>
+              </a:rPr>
+              <a:t>$</a:t>
             </a:r>
             <a:r>
               <a:rPr lang="en-US" sz="2800" dirty="0">
                 <a:latin typeface="Courier New" panose="02070309020205020404" pitchFamily="49" charset="0"/>
                 <a:cs typeface="Courier New" panose="02070309020205020404" pitchFamily="49" charset="0"/>
               </a:rPr>
-              <a:t>="text/</a:t>
+              <a:t>('p').</a:t>
+            </a:r>
+            <a:r>
+              <a:rPr lang="en-US" sz="3200" b="1" dirty="0">
+                <a:solidFill>
+                  <a:srgbClr val="6600FF"/>
+                </a:solidFill>
+                <a:latin typeface="Courier New" panose="02070309020205020404" pitchFamily="49" charset="0"/>
+                <a:cs typeface="Courier New" panose="02070309020205020404" pitchFamily="49" charset="0"/>
+              </a:rPr>
+              <a:t>html</a:t>
+            </a:r>
+            <a:r>
+              <a:rPr lang="en-US" sz="2800" dirty="0">
+                <a:latin typeface="Courier New" panose="02070309020205020404" pitchFamily="49" charset="0"/>
+                <a:cs typeface="Courier New" panose="02070309020205020404" pitchFamily="49" charset="0"/>
+              </a:rPr>
+              <a:t>(</a:t>
             </a:r>
             <a:r>
               <a:rPr lang="en-US" sz="2800" dirty="0" err="1">
                 <a:latin typeface="Courier New" panose="02070309020205020404" pitchFamily="49" charset="0"/>
                 <a:cs typeface="Courier New" panose="02070309020205020404" pitchFamily="49" charset="0"/>
               </a:rPr>
-              <a:t>javascript</a:t>
+              <a:t>nomes.</a:t>
+            </a:r>
+            <a:r>
+              <a:rPr lang="en-US" sz="3200" b="1" dirty="0" err="1">
+                <a:solidFill>
+                  <a:srgbClr val="6600FF"/>
+                </a:solidFill>
+                <a:latin typeface="Courier New" panose="02070309020205020404" pitchFamily="49" charset="0"/>
+                <a:cs typeface="Courier New" panose="02070309020205020404" pitchFamily="49" charset="0"/>
+              </a:rPr>
+              <a:t>join</a:t>
             </a:r>
             <a:r>
               <a:rPr lang="en-US" sz="2800" dirty="0">
                 <a:latin typeface="Courier New" panose="02070309020205020404" pitchFamily="49" charset="0"/>
                 <a:cs typeface="Courier New" panose="02070309020205020404" pitchFamily="49" charset="0"/>
               </a:rPr>
-              <a:t>"&gt;</a:t>
-            </a:r>
-          </a:p>
-          <a:p>
+              <a:t>("&lt;</a:t>
+            </a:r>
+            <a:r>
+              <a:rPr lang="en-US" sz="2800" dirty="0" err="1">
+                <a:latin typeface="Courier New" panose="02070309020205020404" pitchFamily="49" charset="0"/>
+                <a:cs typeface="Courier New" panose="02070309020205020404" pitchFamily="49" charset="0"/>
+              </a:rPr>
+              <a:t>br</a:t>
+            </a:r>
             <a:r>
               <a:rPr lang="en-US" sz="2800" dirty="0">
                 <a:latin typeface="Courier New" panose="02070309020205020404" pitchFamily="49" charset="0"/>
                 <a:cs typeface="Courier New" panose="02070309020205020404" pitchFamily="49" charset="0"/>
               </a:rPr>
-              <a:t>            </a:t>
-            </a:r>
-            <a:r>
-              <a:rPr lang="en-US" sz="2800" b="1" dirty="0">
-                <a:solidFill>
-                  <a:srgbClr val="6600FF"/>
-                </a:solidFill>
-                <a:latin typeface="Courier New" panose="02070309020205020404" pitchFamily="49" charset="0"/>
-                <a:cs typeface="Courier New" panose="02070309020205020404" pitchFamily="49" charset="0"/>
-              </a:rPr>
-              <a:t>$</a:t>
-            </a:r>
-            <a:r>
-              <a:rPr lang="en-US" sz="2800" dirty="0">
-                <a:latin typeface="Courier New" panose="02070309020205020404" pitchFamily="49" charset="0"/>
-                <a:cs typeface="Courier New" panose="02070309020205020404" pitchFamily="49" charset="0"/>
-              </a:rPr>
-              <a:t>(document</a:t>
-            </a:r>
-            <a:r>
-              <a:rPr lang="en-US" sz="2800" dirty="0">
-                <a:solidFill>
-                  <a:srgbClr val="6600FF"/>
-                </a:solidFill>
-                <a:latin typeface="Courier New" panose="02070309020205020404" pitchFamily="49" charset="0"/>
-                <a:cs typeface="Courier New" panose="02070309020205020404" pitchFamily="49" charset="0"/>
-              </a:rPr>
-              <a:t>)</a:t>
-            </a:r>
-            <a:r>
-              <a:rPr lang="en-US" sz="2800" b="1" dirty="0">
-                <a:solidFill>
-                  <a:srgbClr val="6600FF"/>
-                </a:solidFill>
-                <a:latin typeface="Courier New" panose="02070309020205020404" pitchFamily="49" charset="0"/>
-                <a:cs typeface="Courier New" panose="02070309020205020404" pitchFamily="49" charset="0"/>
-              </a:rPr>
-              <a:t>.ready</a:t>
-            </a:r>
-            <a:r>
-              <a:rPr lang="en-US" sz="2800" b="1" dirty="0">
-                <a:latin typeface="Courier New" panose="02070309020205020404" pitchFamily="49" charset="0"/>
-                <a:cs typeface="Courier New" panose="02070309020205020404" pitchFamily="49" charset="0"/>
-              </a:rPr>
-              <a:t>(</a:t>
-            </a:r>
-            <a:r>
-              <a:rPr lang="en-US" sz="2800" dirty="0">
-                <a:latin typeface="Courier New" panose="02070309020205020404" pitchFamily="49" charset="0"/>
-                <a:cs typeface="Courier New" panose="02070309020205020404" pitchFamily="49" charset="0"/>
-              </a:rPr>
-              <a:t>function() {</a:t>
-            </a:r>
-          </a:p>
-          <a:p>
-            <a:pPr algn="ctr"/>
-            <a:r>
-              <a:rPr lang="en-US" sz="2800" dirty="0">
-                <a:latin typeface="Courier New" panose="02070309020205020404" pitchFamily="49" charset="0"/>
-                <a:cs typeface="Courier New" panose="02070309020205020404" pitchFamily="49" charset="0"/>
-              </a:rPr>
-              <a:t>       </a:t>
-            </a:r>
-            <a:r>
-              <a:rPr lang="en-US" sz="2800" b="1" dirty="0"/>
-              <a:t>&lt;Código </a:t>
-            </a:r>
-            <a:r>
-              <a:rPr lang="en-US" sz="2800" b="1" dirty="0" err="1"/>
-              <a:t>em</a:t>
-            </a:r>
-            <a:r>
-              <a:rPr lang="en-US" sz="2800" b="1" dirty="0"/>
-              <a:t> </a:t>
-            </a:r>
-            <a:r>
-              <a:rPr lang="en-US" sz="2800" b="1" dirty="0" err="1"/>
-              <a:t>JQuery</a:t>
-            </a:r>
-            <a:r>
-              <a:rPr lang="en-US" sz="2800" b="1" dirty="0"/>
-              <a:t>&gt;</a:t>
-            </a:r>
-          </a:p>
-          <a:p>
-            <a:r>
-              <a:rPr lang="en-US" sz="2800" dirty="0">
-                <a:latin typeface="Courier New" panose="02070309020205020404" pitchFamily="49" charset="0"/>
-                <a:cs typeface="Courier New" panose="02070309020205020404" pitchFamily="49" charset="0"/>
-              </a:rPr>
-              <a:t>            });</a:t>
-            </a:r>
-          </a:p>
-          <a:p>
-            <a:r>
-              <a:rPr lang="en-US" sz="2800" b="1" dirty="0">
-                <a:latin typeface="Courier New" panose="02070309020205020404" pitchFamily="49" charset="0"/>
-                <a:cs typeface="Courier New" panose="02070309020205020404" pitchFamily="49" charset="0"/>
-              </a:rPr>
-              <a:t> &lt;/script&gt;</a:t>
+              <a:t>/&gt;"));</a:t>
             </a:r>
           </a:p>
           <a:p>
             <a:pPr marL="285750" indent="-285750">
+              <a:lnSpc>
+                <a:spcPct val="150000"/>
+              </a:lnSpc>
               <a:buFont typeface="Arial" panose="020B0604020202020204" pitchFamily="34" charset="0"/>
               <a:buChar char="•"/>
             </a:pPr>
-            <a:endParaRPr lang="pt-BR" dirty="0"/>
+            <a:r>
+              <a:rPr lang="en-US" sz="3200" b="1" dirty="0" err="1"/>
+              <a:t>Alterar</a:t>
+            </a:r>
+            <a:r>
+              <a:rPr lang="en-US" sz="3200" b="1" dirty="0"/>
+              <a:t> </a:t>
+            </a:r>
+            <a:r>
+              <a:rPr lang="en-US" sz="3200" b="1" dirty="0" err="1"/>
+              <a:t>propriedades</a:t>
+            </a:r>
+            <a:r>
+              <a:rPr lang="en-US" sz="3200" b="1" dirty="0"/>
+              <a:t> </a:t>
+            </a:r>
+            <a:r>
+              <a:rPr lang="en-US" sz="3200" b="1" dirty="0" err="1"/>
+              <a:t>dinamicamente</a:t>
+            </a:r>
+            <a:r>
+              <a:rPr lang="en-US" sz="3200" b="1" dirty="0"/>
+              <a:t>:</a:t>
+            </a:r>
+          </a:p>
+          <a:p>
+            <a:pPr lvl="1"/>
+            <a:r>
+              <a:rPr lang="en-US" sz="3200" b="1" dirty="0">
+                <a:solidFill>
+                  <a:srgbClr val="6600FF"/>
+                </a:solidFill>
+                <a:latin typeface="Courier New" panose="02070309020205020404" pitchFamily="49" charset="0"/>
+                <a:cs typeface="Courier New" panose="02070309020205020404" pitchFamily="49" charset="0"/>
+              </a:rPr>
+              <a:t>$</a:t>
+            </a:r>
+            <a:r>
+              <a:rPr lang="en-US" sz="2800" dirty="0">
+                <a:latin typeface="Courier New" panose="02070309020205020404" pitchFamily="49" charset="0"/>
+                <a:cs typeface="Courier New" panose="02070309020205020404" pitchFamily="49" charset="0"/>
+              </a:rPr>
+              <a:t>('p').</a:t>
+            </a:r>
+            <a:r>
+              <a:rPr lang="en-US" sz="3200" b="1" dirty="0" err="1">
+                <a:solidFill>
+                  <a:srgbClr val="6600FF"/>
+                </a:solidFill>
+                <a:latin typeface="Courier New" panose="02070309020205020404" pitchFamily="49" charset="0"/>
+                <a:cs typeface="Courier New" panose="02070309020205020404" pitchFamily="49" charset="0"/>
+              </a:rPr>
+              <a:t>css</a:t>
+            </a:r>
+            <a:r>
+              <a:rPr lang="en-US" sz="2800" dirty="0">
+                <a:latin typeface="Courier New" panose="02070309020205020404" pitchFamily="49" charset="0"/>
+                <a:cs typeface="Courier New" panose="02070309020205020404" pitchFamily="49" charset="0"/>
+              </a:rPr>
+              <a:t>({</a:t>
+            </a:r>
+          </a:p>
+          <a:p>
+            <a:pPr lvl="2"/>
+            <a:r>
+              <a:rPr lang="en-US" sz="2800" dirty="0">
+                <a:latin typeface="Courier New" panose="02070309020205020404" pitchFamily="49" charset="0"/>
+                <a:cs typeface="Courier New" panose="02070309020205020404" pitchFamily="49" charset="0"/>
+              </a:rPr>
+              <a:t>'</a:t>
+            </a:r>
+            <a:r>
+              <a:rPr lang="en-US" sz="2800" b="1" i="1" dirty="0" err="1">
+                <a:latin typeface="Courier New" panose="02070309020205020404" pitchFamily="49" charset="0"/>
+                <a:cs typeface="Courier New" panose="02070309020205020404" pitchFamily="49" charset="0"/>
+              </a:rPr>
+              <a:t>background-color</a:t>
+            </a:r>
+            <a:r>
+              <a:rPr lang="en-US" sz="2800" dirty="0" err="1">
+                <a:latin typeface="Courier New" panose="02070309020205020404" pitchFamily="49" charset="0"/>
+                <a:cs typeface="Courier New" panose="02070309020205020404" pitchFamily="49" charset="0"/>
+              </a:rPr>
+              <a:t>':'</a:t>
+            </a:r>
+            <a:r>
+              <a:rPr lang="en-US" sz="2800" b="1" i="1" dirty="0" err="1">
+                <a:latin typeface="Courier New" panose="02070309020205020404" pitchFamily="49" charset="0"/>
+                <a:cs typeface="Courier New" panose="02070309020205020404" pitchFamily="49" charset="0"/>
+              </a:rPr>
+              <a:t>cyan</a:t>
+            </a:r>
+            <a:r>
+              <a:rPr lang="en-US" sz="2800" dirty="0">
+                <a:latin typeface="Courier New" panose="02070309020205020404" pitchFamily="49" charset="0"/>
+                <a:cs typeface="Courier New" panose="02070309020205020404" pitchFamily="49" charset="0"/>
+              </a:rPr>
+              <a:t>',</a:t>
+            </a:r>
+          </a:p>
+          <a:p>
+            <a:pPr lvl="2"/>
+            <a:r>
+              <a:rPr lang="en-US" sz="2800" dirty="0">
+                <a:latin typeface="Courier New" panose="02070309020205020404" pitchFamily="49" charset="0"/>
+                <a:cs typeface="Courier New" panose="02070309020205020404" pitchFamily="49" charset="0"/>
+              </a:rPr>
+              <a:t>'</a:t>
+            </a:r>
+            <a:r>
+              <a:rPr lang="en-US" sz="2800" b="1" i="1" dirty="0" err="1">
+                <a:latin typeface="Courier New" panose="02070309020205020404" pitchFamily="49" charset="0"/>
+                <a:cs typeface="Courier New" panose="02070309020205020404" pitchFamily="49" charset="0"/>
+              </a:rPr>
+              <a:t>font-weight</a:t>
+            </a:r>
+            <a:r>
+              <a:rPr lang="en-US" sz="2800" dirty="0" err="1">
+                <a:latin typeface="Courier New" panose="02070309020205020404" pitchFamily="49" charset="0"/>
+                <a:cs typeface="Courier New" panose="02070309020205020404" pitchFamily="49" charset="0"/>
+              </a:rPr>
+              <a:t>':'</a:t>
+            </a:r>
+            <a:r>
+              <a:rPr lang="en-US" sz="2800" b="1" i="1" dirty="0" err="1">
+                <a:latin typeface="Courier New" panose="02070309020205020404" pitchFamily="49" charset="0"/>
+                <a:cs typeface="Courier New" panose="02070309020205020404" pitchFamily="49" charset="0"/>
+              </a:rPr>
+              <a:t>bold</a:t>
+            </a:r>
+            <a:r>
+              <a:rPr lang="en-US" sz="2800" dirty="0">
+                <a:latin typeface="Courier New" panose="02070309020205020404" pitchFamily="49" charset="0"/>
+                <a:cs typeface="Courier New" panose="02070309020205020404" pitchFamily="49" charset="0"/>
+              </a:rPr>
+              <a:t>',</a:t>
+            </a:r>
+          </a:p>
+          <a:p>
+            <a:pPr lvl="2"/>
+            <a:r>
+              <a:rPr lang="en-US" sz="2800" dirty="0">
+                <a:latin typeface="Courier New" panose="02070309020205020404" pitchFamily="49" charset="0"/>
+                <a:cs typeface="Courier New" panose="02070309020205020404" pitchFamily="49" charset="0"/>
+              </a:rPr>
+              <a:t>'</a:t>
+            </a:r>
+            <a:r>
+              <a:rPr lang="en-US" sz="2800" b="1" i="1" dirty="0" err="1">
+                <a:latin typeface="Courier New" panose="02070309020205020404" pitchFamily="49" charset="0"/>
+                <a:cs typeface="Courier New" panose="02070309020205020404" pitchFamily="49" charset="0"/>
+              </a:rPr>
+              <a:t>color</a:t>
+            </a:r>
+            <a:r>
+              <a:rPr lang="en-US" sz="2800" dirty="0" err="1">
+                <a:latin typeface="Courier New" panose="02070309020205020404" pitchFamily="49" charset="0"/>
+                <a:cs typeface="Courier New" panose="02070309020205020404" pitchFamily="49" charset="0"/>
+              </a:rPr>
+              <a:t>':'</a:t>
+            </a:r>
+            <a:r>
+              <a:rPr lang="en-US" sz="2800" b="1" i="1" dirty="0" err="1">
+                <a:latin typeface="Courier New" panose="02070309020205020404" pitchFamily="49" charset="0"/>
+                <a:cs typeface="Courier New" panose="02070309020205020404" pitchFamily="49" charset="0"/>
+              </a:rPr>
+              <a:t>blue</a:t>
+            </a:r>
+            <a:r>
+              <a:rPr lang="en-US" sz="2800" dirty="0">
+                <a:latin typeface="Courier New" panose="02070309020205020404" pitchFamily="49" charset="0"/>
+                <a:cs typeface="Courier New" panose="02070309020205020404" pitchFamily="49" charset="0"/>
+              </a:rPr>
+              <a:t>'</a:t>
+            </a:r>
+          </a:p>
+          <a:p>
+            <a:pPr lvl="2"/>
+            <a:r>
+              <a:rPr lang="en-US" sz="2800" dirty="0">
+                <a:latin typeface="Courier New" panose="02070309020205020404" pitchFamily="49" charset="0"/>
+                <a:cs typeface="Courier New" panose="02070309020205020404" pitchFamily="49" charset="0"/>
+              </a:rPr>
+              <a:t>});</a:t>
+            </a:r>
+          </a:p>
+          <a:p>
+            <a:pPr marL="742950" lvl="1" indent="-285750">
+              <a:lnSpc>
+                <a:spcPct val="150000"/>
+              </a:lnSpc>
+              <a:buFont typeface="Arial" panose="020B0604020202020204" pitchFamily="34" charset="0"/>
+              <a:buChar char="•"/>
+            </a:pPr>
+            <a:endParaRPr lang="en-US" sz="2800" dirty="0">
+              <a:latin typeface="Courier New" panose="02070309020205020404" pitchFamily="49" charset="0"/>
+              <a:cs typeface="Courier New" panose="02070309020205020404" pitchFamily="49" charset="0"/>
+            </a:endParaRPr>
           </a:p>
         </p:txBody>
       </p:sp>
     </p:spTree>
     <p:extLst>
       <p:ext uri="{BB962C8B-B14F-4D97-AF65-F5344CB8AC3E}">
-        <p14:creationId xmlns:p14="http://schemas.microsoft.com/office/powerpoint/2010/main" val="2126871565"/>
+        <p14:creationId xmlns:p14="http://schemas.microsoft.com/office/powerpoint/2010/main" val="3057299076"/>
       </p:ext>
     </p:extLst>
   </p:cSld>
@@ -15205,27 +18868,32 @@
       </p:grpSpPr>
       <p:sp>
         <p:nvSpPr>
-          <p:cNvPr id="9218" name="Rectangle 2">
-            <a:extLst>
-              <a:ext uri="{FF2B5EF4-FFF2-40B4-BE49-F238E27FC236}">
-                <a16:creationId xmlns:a16="http://schemas.microsoft.com/office/drawing/2014/main" id="{2C2A51A3-03C7-4D88-81F9-9B524045BD81}"/>
-              </a:ext>
-            </a:extLst>
-          </p:cNvPr>
-          <p:cNvSpPr>
-            <a:spLocks noGrp="1" noRot="1" noChangeArrowheads="1"/>
+          <p:cNvPr id="304130" name="Rectangle 2">
+            <a:extLst>
+              <a:ext uri="{FF2B5EF4-FFF2-40B4-BE49-F238E27FC236}">
+                <a16:creationId xmlns:a16="http://schemas.microsoft.com/office/drawing/2014/main" id="{7B505F29-54B3-4564-BF6A-A857020D55D5}"/>
+              </a:ext>
+            </a:extLst>
+          </p:cNvPr>
+          <p:cNvSpPr>
+            <a:spLocks noGrp="1" noChangeArrowheads="1"/>
           </p:cNvSpPr>
           <p:nvPr>
             <p:ph type="title"/>
           </p:nvPr>
         </p:nvSpPr>
-        <p:spPr/>
+        <p:spPr>
+          <a:xfrm>
+            <a:off x="838200" y="85103"/>
+            <a:ext cx="10515600" cy="1325562"/>
+          </a:xfrm>
+        </p:spPr>
         <p:txBody>
           <a:bodyPr/>
           <a:lstStyle/>
           <a:p>
             <a:r>
-              <a:rPr lang="en-US" sz="4000" b="1" i="1" dirty="0">
+              <a:rPr lang="en-US" b="1" i="1" dirty="0">
                 <a:solidFill>
                   <a:srgbClr val="6600FF"/>
                 </a:solidFill>
@@ -15240,34 +18908,34 @@
               <a:t>TECNOLOGIAS PARA INTERNET - II</a:t>
             </a:r>
             <a:br>
-              <a:rPr lang="en-US" sz="4000" dirty="0"/>
+              <a:rPr lang="en-US" dirty="0"/>
             </a:br>
             <a:r>
-              <a:rPr lang="en-US" sz="4000" dirty="0" err="1"/>
+              <a:rPr lang="en-US" dirty="0" err="1"/>
               <a:t>JQuery</a:t>
             </a:r>
             <a:r>
-              <a:rPr lang="en-US" sz="4000" dirty="0"/>
+              <a:rPr lang="en-US" dirty="0"/>
               <a:t> – </a:t>
             </a:r>
             <a:r>
-              <a:rPr lang="en-US" sz="4000" dirty="0" err="1"/>
-              <a:t>Instalação</a:t>
-            </a:r>
-            <a:r>
-              <a:rPr lang="en-US" sz="4000" dirty="0"/>
-              <a:t> – Hello World</a:t>
-            </a:r>
-            <a:endParaRPr lang="tr-TR" altLang="pt-BR" sz="4000" dirty="0"/>
-          </a:p>
-        </p:txBody>
-      </p:sp>
-      <p:sp>
-        <p:nvSpPr>
-          <p:cNvPr id="2" name="Espaço Reservado para Data 1">
-            <a:extLst>
-              <a:ext uri="{FF2B5EF4-FFF2-40B4-BE49-F238E27FC236}">
-                <a16:creationId xmlns:a16="http://schemas.microsoft.com/office/drawing/2014/main" id="{CA5D9241-6779-43DA-9738-602D9E2FDFC1}"/>
+              <a:rPr lang="en-US" dirty="0" err="1"/>
+              <a:t>Métodos</a:t>
+            </a:r>
+            <a:r>
+              <a:rPr lang="en-US" dirty="0"/>
+              <a:t> III</a:t>
+            </a:r>
+            <a:endParaRPr lang="es-ES_tradnl" altLang="pt-BR" dirty="0"/>
+          </a:p>
+        </p:txBody>
+      </p:sp>
+      <p:sp>
+        <p:nvSpPr>
+          <p:cNvPr id="4" name="Espaço Reservado para Data 3">
+            <a:extLst>
+              <a:ext uri="{FF2B5EF4-FFF2-40B4-BE49-F238E27FC236}">
+                <a16:creationId xmlns:a16="http://schemas.microsoft.com/office/drawing/2014/main" id="{AA878FC1-C5B7-4669-95D3-2A90BF62AADD}"/>
               </a:ext>
             </a:extLst>
           </p:cNvPr>
@@ -15284,7 +18952,7 @@
           <a:lstStyle/>
           <a:p>
             <a:r>
-              <a:rPr lang="pt-BR"/>
+              <a:rPr lang="pt-BR" dirty="0"/>
               <a:t>30-jul-18</a:t>
             </a:r>
           </a:p>
@@ -15292,10 +18960,10 @@
       </p:sp>
       <p:sp>
         <p:nvSpPr>
-          <p:cNvPr id="3" name="Espaço Reservado para Rodapé 2">
-            <a:extLst>
-              <a:ext uri="{FF2B5EF4-FFF2-40B4-BE49-F238E27FC236}">
-                <a16:creationId xmlns:a16="http://schemas.microsoft.com/office/drawing/2014/main" id="{37AA3B48-AC65-4151-B1C9-DF3717B580F5}"/>
+          <p:cNvPr id="5" name="Espaço Reservado para Rodapé 4">
+            <a:extLst>
+              <a:ext uri="{FF2B5EF4-FFF2-40B4-BE49-F238E27FC236}">
+                <a16:creationId xmlns:a16="http://schemas.microsoft.com/office/drawing/2014/main" id="{6373A092-48F0-490B-B7FA-0A8BF66DF19D}"/>
               </a:ext>
             </a:extLst>
           </p:cNvPr>
@@ -15321,10 +18989,10 @@
       </p:sp>
       <p:sp>
         <p:nvSpPr>
-          <p:cNvPr id="4" name="Espaço Reservado para Número de Slide 3">
-            <a:extLst>
-              <a:ext uri="{FF2B5EF4-FFF2-40B4-BE49-F238E27FC236}">
-                <a16:creationId xmlns:a16="http://schemas.microsoft.com/office/drawing/2014/main" id="{9C55F005-6AC6-4A94-8953-F77E82F74A86}"/>
+          <p:cNvPr id="6" name="Espaço Reservado para Número de Slide 5">
+            <a:extLst>
+              <a:ext uri="{FF2B5EF4-FFF2-40B4-BE49-F238E27FC236}">
+                <a16:creationId xmlns:a16="http://schemas.microsoft.com/office/drawing/2014/main" id="{9E9B8146-1BA5-482E-A510-1C368A2D7C6F}"/>
               </a:ext>
             </a:extLst>
           </p:cNvPr>
@@ -15348,115 +19016,305 @@
           </a:p>
         </p:txBody>
       </p:sp>
-      <p:pic>
-        <p:nvPicPr>
-          <p:cNvPr id="5" name="Imagem 4">
-            <a:extLst>
-              <a:ext uri="{FF2B5EF4-FFF2-40B4-BE49-F238E27FC236}">
-                <a16:creationId xmlns:a16="http://schemas.microsoft.com/office/drawing/2014/main" id="{9FD74C77-92CB-4AA3-BBBA-7784DB5D5F38}"/>
-              </a:ext>
-            </a:extLst>
-          </p:cNvPr>
-          <p:cNvPicPr>
-            <a:picLocks noChangeAspect="1"/>
-          </p:cNvPicPr>
+      <p:sp>
+        <p:nvSpPr>
+          <p:cNvPr id="9" name="Retângulo 8">
+            <a:extLst>
+              <a:ext uri="{FF2B5EF4-FFF2-40B4-BE49-F238E27FC236}">
+                <a16:creationId xmlns:a16="http://schemas.microsoft.com/office/drawing/2014/main" id="{2366A8E9-A3D1-4BA4-A454-08A66B073726}"/>
+              </a:ext>
+            </a:extLst>
+          </p:cNvPr>
+          <p:cNvSpPr/>
           <p:nvPr/>
-        </p:nvPicPr>
-        <p:blipFill>
-          <a:blip r:embed="rId2"/>
-          <a:stretch>
-            <a:fillRect/>
-          </a:stretch>
-        </p:blipFill>
+        </p:nvSpPr>
         <p:spPr>
           <a:xfrm>
-            <a:off x="369400" y="1598030"/>
-            <a:ext cx="8248127" cy="4580602"/>
+            <a:off x="433387" y="1471924"/>
+            <a:ext cx="11862185" cy="3885679"/>
           </a:xfrm>
           <a:prstGeom prst="rect">
             <a:avLst/>
           </a:prstGeom>
-          <a:solidFill>
-            <a:srgbClr val="FFFFFF">
-              <a:shade val="85000"/>
-            </a:srgbClr>
-          </a:solidFill>
-          <a:ln w="190500" cap="rnd">
-            <a:solidFill>
-              <a:srgbClr val="FFFFFF"/>
-            </a:solidFill>
-          </a:ln>
-          <a:effectLst>
-            <a:outerShdw blurRad="50000" algn="tl" rotWithShape="0">
-              <a:srgbClr val="000000">
-                <a:alpha val="41000"/>
-              </a:srgbClr>
-            </a:outerShdw>
-          </a:effectLst>
-          <a:scene3d>
-            <a:camera prst="orthographicFront"/>
-            <a:lightRig rig="twoPt" dir="t">
-              <a:rot lat="0" lon="0" rev="7800000"/>
-            </a:lightRig>
-          </a:scene3d>
-          <a:sp3d contourW="6350">
-            <a:bevelT w="50800" h="16510"/>
-            <a:contourClr>
-              <a:srgbClr val="C0C0C0"/>
-            </a:contourClr>
-          </a:sp3d>
         </p:spPr>
-      </p:pic>
-      <p:pic>
-        <p:nvPicPr>
-          <p:cNvPr id="6" name="Imagem 5">
-            <a:extLst>
-              <a:ext uri="{FF2B5EF4-FFF2-40B4-BE49-F238E27FC236}">
-                <a16:creationId xmlns:a16="http://schemas.microsoft.com/office/drawing/2014/main" id="{DCB3FCAF-AF11-4C8B-BA07-D33C6C35DA9F}"/>
-              </a:ext>
-            </a:extLst>
-          </p:cNvPr>
-          <p:cNvPicPr>
-            <a:picLocks noChangeAspect="1"/>
-          </p:cNvPicPr>
-          <p:nvPr/>
-        </p:nvPicPr>
-        <p:blipFill>
-          <a:blip r:embed="rId3"/>
-          <a:stretch>
-            <a:fillRect/>
-          </a:stretch>
-        </p:blipFill>
-        <p:spPr>
-          <a:xfrm>
-            <a:off x="3169969" y="2709438"/>
-            <a:ext cx="8471621" cy="3646912"/>
-          </a:xfrm>
-          <a:prstGeom prst="rect">
-            <a:avLst/>
-          </a:prstGeom>
-          <a:ln>
-            <a:noFill/>
-          </a:ln>
-          <a:effectLst>
-            <a:outerShdw blurRad="190500" algn="tl" rotWithShape="0">
-              <a:srgbClr val="000000">
-                <a:alpha val="70000"/>
-              </a:srgbClr>
-            </a:outerShdw>
-          </a:effectLst>
-        </p:spPr>
-      </p:pic>
+        <p:txBody>
+          <a:bodyPr wrap="square">
+            <a:spAutoFit/>
+          </a:bodyPr>
+          <a:lstStyle/>
+          <a:p>
+            <a:r>
+              <a:rPr lang="en-US" sz="3200" b="1" dirty="0">
+                <a:solidFill>
+                  <a:srgbClr val="6600FF"/>
+                </a:solidFill>
+                <a:latin typeface="Courier New" panose="02070309020205020404" pitchFamily="49" charset="0"/>
+                <a:cs typeface="Courier New" panose="02070309020205020404" pitchFamily="49" charset="0"/>
+              </a:rPr>
+              <a:t>$</a:t>
+            </a:r>
+            <a:r>
+              <a:rPr lang="en-US" sz="3200" dirty="0">
+                <a:latin typeface="Courier New" panose="02070309020205020404" pitchFamily="49" charset="0"/>
+                <a:cs typeface="Courier New" panose="02070309020205020404" pitchFamily="49" charset="0"/>
+              </a:rPr>
+              <a:t>(&lt;</a:t>
+            </a:r>
+            <a:r>
+              <a:rPr lang="en-US" sz="3200" dirty="0" err="1">
+                <a:latin typeface="Courier New" panose="02070309020205020404" pitchFamily="49" charset="0"/>
+                <a:cs typeface="Courier New" panose="02070309020205020404" pitchFamily="49" charset="0"/>
+              </a:rPr>
+              <a:t>seleção</a:t>
+            </a:r>
+            <a:r>
+              <a:rPr lang="en-US" sz="3200" dirty="0">
+                <a:latin typeface="Courier New" panose="02070309020205020404" pitchFamily="49" charset="0"/>
+                <a:cs typeface="Courier New" panose="02070309020205020404" pitchFamily="49" charset="0"/>
+              </a:rPr>
+              <a:t>&gt;</a:t>
+            </a:r>
+            <a:r>
+              <a:rPr lang="en-US" sz="3200" dirty="0">
+                <a:solidFill>
+                  <a:srgbClr val="6600FF"/>
+                </a:solidFill>
+                <a:latin typeface="Courier New" panose="02070309020205020404" pitchFamily="49" charset="0"/>
+                <a:cs typeface="Courier New" panose="02070309020205020404" pitchFamily="49" charset="0"/>
+              </a:rPr>
+              <a:t>)</a:t>
+            </a:r>
+            <a:r>
+              <a:rPr lang="en-US" sz="3200" b="1" dirty="0">
+                <a:solidFill>
+                  <a:srgbClr val="6600FF"/>
+                </a:solidFill>
+                <a:latin typeface="Courier New" panose="02070309020205020404" pitchFamily="49" charset="0"/>
+                <a:cs typeface="Courier New" panose="02070309020205020404" pitchFamily="49" charset="0"/>
+              </a:rPr>
+              <a:t>.&lt;</a:t>
+            </a:r>
+            <a:r>
+              <a:rPr lang="en-US" sz="3200" b="1" dirty="0" err="1">
+                <a:solidFill>
+                  <a:srgbClr val="6600FF"/>
+                </a:solidFill>
+                <a:latin typeface="Courier New" panose="02070309020205020404" pitchFamily="49" charset="0"/>
+                <a:cs typeface="Courier New" panose="02070309020205020404" pitchFamily="49" charset="0"/>
+              </a:rPr>
+              <a:t>Método</a:t>
+            </a:r>
+            <a:r>
+              <a:rPr lang="en-US" sz="3200" b="1" dirty="0">
+                <a:solidFill>
+                  <a:srgbClr val="6600FF"/>
+                </a:solidFill>
+                <a:latin typeface="Courier New" panose="02070309020205020404" pitchFamily="49" charset="0"/>
+                <a:cs typeface="Courier New" panose="02070309020205020404" pitchFamily="49" charset="0"/>
+              </a:rPr>
+              <a:t>&gt;();</a:t>
+            </a:r>
+          </a:p>
+          <a:p>
+            <a:pPr marL="285750" indent="-285750">
+              <a:buFont typeface="Arial" panose="020B0604020202020204" pitchFamily="34" charset="0"/>
+              <a:buChar char="•"/>
+            </a:pPr>
+            <a:r>
+              <a:rPr lang="en-US" sz="3600" b="1" dirty="0"/>
+              <a:t>Mostrar/</a:t>
+            </a:r>
+            <a:r>
+              <a:rPr lang="en-US" sz="3600" b="1" dirty="0" err="1"/>
+              <a:t>Esconder</a:t>
+            </a:r>
+            <a:r>
+              <a:rPr lang="en-US" sz="3600" b="1" dirty="0"/>
+              <a:t> </a:t>
+            </a:r>
+            <a:r>
+              <a:rPr lang="en-US" sz="3600" b="1" dirty="0" err="1"/>
+              <a:t>elementos</a:t>
+            </a:r>
+            <a:r>
+              <a:rPr lang="en-US" sz="3600" b="1" dirty="0"/>
+              <a:t>: </a:t>
+            </a:r>
+          </a:p>
+          <a:p>
+            <a:pPr marL="742950" lvl="1" indent="-285750">
+              <a:buFont typeface="Arial" panose="020B0604020202020204" pitchFamily="34" charset="0"/>
+              <a:buChar char="•"/>
+            </a:pPr>
+            <a:r>
+              <a:rPr lang="en-US" sz="3200" b="1" dirty="0">
+                <a:solidFill>
+                  <a:srgbClr val="6600FF"/>
+                </a:solidFill>
+                <a:latin typeface="Courier New" panose="02070309020205020404" pitchFamily="49" charset="0"/>
+                <a:cs typeface="Courier New" panose="02070309020205020404" pitchFamily="49" charset="0"/>
+              </a:rPr>
+              <a:t>$</a:t>
+            </a:r>
+            <a:r>
+              <a:rPr lang="en-US" sz="2800" dirty="0">
+                <a:latin typeface="Courier New" panose="02070309020205020404" pitchFamily="49" charset="0"/>
+                <a:cs typeface="Courier New" panose="02070309020205020404" pitchFamily="49" charset="0"/>
+              </a:rPr>
+              <a:t>('p’).</a:t>
+            </a:r>
+            <a:r>
+              <a:rPr lang="en-US" sz="3200" b="1" dirty="0">
+                <a:solidFill>
+                  <a:srgbClr val="6600FF"/>
+                </a:solidFill>
+                <a:latin typeface="Courier New" panose="02070309020205020404" pitchFamily="49" charset="0"/>
+                <a:cs typeface="Courier New" panose="02070309020205020404" pitchFamily="49" charset="0"/>
+              </a:rPr>
+              <a:t>show</a:t>
+            </a:r>
+            <a:r>
+              <a:rPr lang="en-US" sz="2800" dirty="0">
+                <a:latin typeface="Courier New" panose="02070309020205020404" pitchFamily="49" charset="0"/>
+                <a:cs typeface="Courier New" panose="02070309020205020404" pitchFamily="49" charset="0"/>
+              </a:rPr>
+              <a:t>(&lt;velocidade&gt;,&lt;</a:t>
+            </a:r>
+            <a:r>
+              <a:rPr lang="en-US" sz="2800" dirty="0" err="1">
+                <a:latin typeface="Courier New" panose="02070309020205020404" pitchFamily="49" charset="0"/>
+                <a:cs typeface="Courier New" panose="02070309020205020404" pitchFamily="49" charset="0"/>
+              </a:rPr>
+              <a:t>funcao</a:t>
+            </a:r>
+            <a:r>
+              <a:rPr lang="en-US" sz="2800" dirty="0">
+                <a:latin typeface="Courier New" panose="02070309020205020404" pitchFamily="49" charset="0"/>
+                <a:cs typeface="Courier New" panose="02070309020205020404" pitchFamily="49" charset="0"/>
+              </a:rPr>
+              <a:t> final&gt;);</a:t>
+            </a:r>
+          </a:p>
+          <a:p>
+            <a:pPr marL="742950" lvl="1" indent="-285750">
+              <a:buFont typeface="Arial" panose="020B0604020202020204" pitchFamily="34" charset="0"/>
+              <a:buChar char="•"/>
+            </a:pPr>
+            <a:r>
+              <a:rPr lang="en-US" sz="3200" b="1" dirty="0">
+                <a:solidFill>
+                  <a:srgbClr val="6600FF"/>
+                </a:solidFill>
+                <a:latin typeface="Courier New" panose="02070309020205020404" pitchFamily="49" charset="0"/>
+                <a:cs typeface="Courier New" panose="02070309020205020404" pitchFamily="49" charset="0"/>
+              </a:rPr>
+              <a:t>$</a:t>
+            </a:r>
+            <a:r>
+              <a:rPr lang="en-US" sz="2800" dirty="0">
+                <a:latin typeface="Courier New" panose="02070309020205020404" pitchFamily="49" charset="0"/>
+                <a:cs typeface="Courier New" panose="02070309020205020404" pitchFamily="49" charset="0"/>
+              </a:rPr>
+              <a:t>('p’).</a:t>
+            </a:r>
+            <a:r>
+              <a:rPr lang="en-US" sz="3200" b="1" dirty="0">
+                <a:solidFill>
+                  <a:srgbClr val="6600FF"/>
+                </a:solidFill>
+                <a:latin typeface="Courier New" panose="02070309020205020404" pitchFamily="49" charset="0"/>
+                <a:cs typeface="Courier New" panose="02070309020205020404" pitchFamily="49" charset="0"/>
+              </a:rPr>
+              <a:t>hide</a:t>
+            </a:r>
+            <a:r>
+              <a:rPr lang="en-US" sz="2800" dirty="0">
+                <a:latin typeface="Courier New" panose="02070309020205020404" pitchFamily="49" charset="0"/>
+                <a:cs typeface="Courier New" panose="02070309020205020404" pitchFamily="49" charset="0"/>
+              </a:rPr>
+              <a:t>(&lt;velocidade&gt;,&lt;</a:t>
+            </a:r>
+            <a:r>
+              <a:rPr lang="en-US" sz="2800" dirty="0" err="1">
+                <a:latin typeface="Courier New" panose="02070309020205020404" pitchFamily="49" charset="0"/>
+                <a:cs typeface="Courier New" panose="02070309020205020404" pitchFamily="49" charset="0"/>
+              </a:rPr>
+              <a:t>funcao</a:t>
+            </a:r>
+            <a:r>
+              <a:rPr lang="en-US" sz="2800" dirty="0">
+                <a:latin typeface="Courier New" panose="02070309020205020404" pitchFamily="49" charset="0"/>
+                <a:cs typeface="Courier New" panose="02070309020205020404" pitchFamily="49" charset="0"/>
+              </a:rPr>
+              <a:t> final&gt;);</a:t>
+            </a:r>
+          </a:p>
+          <a:p>
+            <a:pPr marL="742950" lvl="1" indent="-285750">
+              <a:buFont typeface="Arial" panose="020B0604020202020204" pitchFamily="34" charset="0"/>
+              <a:buChar char="•"/>
+            </a:pPr>
+            <a:r>
+              <a:rPr lang="en-US" sz="2800" dirty="0">
+                <a:latin typeface="Courier New" panose="02070309020205020404" pitchFamily="49" charset="0"/>
+                <a:cs typeface="Courier New" panose="02070309020205020404" pitchFamily="49" charset="0"/>
+              </a:rPr>
+              <a:t>&lt;velocidade&gt; </a:t>
+            </a:r>
+            <a:r>
+              <a:rPr lang="en-US" sz="2800" dirty="0">
+                <a:latin typeface="Courier New" panose="02070309020205020404" pitchFamily="49" charset="0"/>
+                <a:cs typeface="Courier New" panose="02070309020205020404" pitchFamily="49" charset="0"/>
+                <a:sym typeface="Wingdings" panose="05000000000000000000" pitchFamily="2" charset="2"/>
+              </a:rPr>
+              <a:t> </a:t>
+            </a:r>
+            <a:r>
+              <a:rPr lang="en-US" sz="2800" dirty="0">
+                <a:latin typeface="Courier New" panose="02070309020205020404" pitchFamily="49" charset="0"/>
+                <a:cs typeface="Courier New" panose="02070309020205020404" pitchFamily="49" charset="0"/>
+              </a:rPr>
+              <a:t>‘slow’, ‘normal’, ‘fast’</a:t>
+            </a:r>
+          </a:p>
+          <a:p>
+            <a:pPr marL="285750" indent="-285750">
+              <a:lnSpc>
+                <a:spcPct val="150000"/>
+              </a:lnSpc>
+              <a:buFont typeface="Arial" panose="020B0604020202020204" pitchFamily="34" charset="0"/>
+              <a:buChar char="•"/>
+            </a:pPr>
+            <a:endParaRPr lang="en-US" sz="3200" b="1" dirty="0"/>
+          </a:p>
+          <a:p>
+            <a:pPr marL="742950" lvl="1" indent="-285750">
+              <a:lnSpc>
+                <a:spcPct val="150000"/>
+              </a:lnSpc>
+              <a:buFont typeface="Arial" panose="020B0604020202020204" pitchFamily="34" charset="0"/>
+              <a:buChar char="•"/>
+            </a:pPr>
+            <a:endParaRPr lang="en-US" sz="2800" dirty="0">
+              <a:latin typeface="Courier New" panose="02070309020205020404" pitchFamily="49" charset="0"/>
+              <a:cs typeface="Courier New" panose="02070309020205020404" pitchFamily="49" charset="0"/>
+            </a:endParaRPr>
+          </a:p>
+        </p:txBody>
+      </p:sp>
     </p:spTree>
     <p:extLst>
       <p:ext uri="{BB962C8B-B14F-4D97-AF65-F5344CB8AC3E}">
-        <p14:creationId xmlns:p14="http://schemas.microsoft.com/office/powerpoint/2010/main" val="199426147"/>
+        <p14:creationId xmlns:p14="http://schemas.microsoft.com/office/powerpoint/2010/main" val="778505674"/>
       </p:ext>
     </p:extLst>
   </p:cSld>
   <p:clrMapOvr>
     <a:masterClrMapping/>
   </p:clrMapOvr>
+  <p:transition spd="med">
+    <p:strips dir="rd"/>
+  </p:transition>
 </p:sld>
 </file>
 
@@ -15479,29 +19337,34 @@
       </p:grpSpPr>
       <p:sp>
         <p:nvSpPr>
-          <p:cNvPr id="9218" name="Rectangle 2">
-            <a:extLst>
-              <a:ext uri="{FF2B5EF4-FFF2-40B4-BE49-F238E27FC236}">
-                <a16:creationId xmlns:a16="http://schemas.microsoft.com/office/drawing/2014/main" id="{2C2A51A3-03C7-4D88-81F9-9B524045BD81}"/>
-              </a:ext>
-            </a:extLst>
-          </p:cNvPr>
-          <p:cNvSpPr>
-            <a:spLocks noGrp="1" noRot="1" noChangeArrowheads="1"/>
+          <p:cNvPr id="304130" name="Rectangle 2">
+            <a:extLst>
+              <a:ext uri="{FF2B5EF4-FFF2-40B4-BE49-F238E27FC236}">
+                <a16:creationId xmlns:a16="http://schemas.microsoft.com/office/drawing/2014/main" id="{7B505F29-54B3-4564-BF6A-A857020D55D5}"/>
+              </a:ext>
+            </a:extLst>
+          </p:cNvPr>
+          <p:cNvSpPr>
+            <a:spLocks noGrp="1" noChangeArrowheads="1"/>
           </p:cNvSpPr>
           <p:nvPr>
             <p:ph type="title"/>
           </p:nvPr>
         </p:nvSpPr>
-        <p:spPr/>
+        <p:spPr>
+          <a:xfrm>
+            <a:off x="838200" y="85103"/>
+            <a:ext cx="10515600" cy="1663798"/>
+          </a:xfrm>
+        </p:spPr>
         <p:txBody>
           <a:bodyPr>
-            <a:normAutofit/>
+            <a:normAutofit fontScale="90000"/>
           </a:bodyPr>
           <a:lstStyle/>
           <a:p>
             <a:r>
-              <a:rPr lang="en-US" sz="4000" b="1" i="1" dirty="0">
+              <a:rPr lang="en-US" b="1" i="1" dirty="0">
                 <a:solidFill>
                   <a:srgbClr val="6600FF"/>
                 </a:solidFill>
@@ -15516,34 +19379,49 @@
               <a:t>TECNOLOGIAS PARA INTERNET - II</a:t>
             </a:r>
             <a:br>
-              <a:rPr lang="en-US" sz="4000" dirty="0"/>
+              <a:rPr lang="en-US" dirty="0"/>
             </a:br>
             <a:r>
-              <a:rPr lang="en-US" sz="4000" dirty="0" err="1"/>
+              <a:rPr lang="en-US" dirty="0" err="1"/>
               <a:t>JQuery</a:t>
             </a:r>
             <a:r>
-              <a:rPr lang="en-US" sz="4000" dirty="0"/>
+              <a:rPr lang="en-US" dirty="0"/>
               <a:t> – </a:t>
             </a:r>
             <a:r>
-              <a:rPr lang="en-US" sz="4000" dirty="0" err="1"/>
-              <a:t>Instalação</a:t>
-            </a:r>
-            <a:r>
-              <a:rPr lang="en-US" sz="4000" dirty="0"/>
-              <a:t> – Hello World</a:t>
-            </a:r>
-            <a:endParaRPr lang="tr-TR" altLang="pt-BR" sz="4000" dirty="0"/>
-          </a:p>
-        </p:txBody>
-      </p:sp>
-      <p:sp>
-        <p:nvSpPr>
-          <p:cNvPr id="2" name="Espaço Reservado para Data 1">
-            <a:extLst>
-              <a:ext uri="{FF2B5EF4-FFF2-40B4-BE49-F238E27FC236}">
-                <a16:creationId xmlns:a16="http://schemas.microsoft.com/office/drawing/2014/main" id="{CA5D9241-6779-43DA-9738-602D9E2FDFC1}"/>
+              <a:rPr lang="en-US" dirty="0" err="1"/>
+              <a:t>Validação</a:t>
+            </a:r>
+            <a:r>
+              <a:rPr lang="en-US" dirty="0"/>
+              <a:t>  de </a:t>
+            </a:r>
+            <a:r>
+              <a:rPr lang="en-US" dirty="0" err="1"/>
+              <a:t>Elementos</a:t>
+            </a:r>
+            <a:br>
+              <a:rPr lang="en-US" dirty="0"/>
+            </a:br>
+            <a:r>
+              <a:rPr lang="en-US" b="1" i="1" dirty="0" err="1"/>
+              <a:t>Formulário</a:t>
+            </a:r>
+            <a:r>
+              <a:rPr lang="en-US" b="1" i="1" dirty="0"/>
+              <a:t>:</a:t>
+            </a:r>
+            <a:endParaRPr lang="es-ES_tradnl" altLang="pt-BR" b="1" i="1" dirty="0"/>
+          </a:p>
+        </p:txBody>
+      </p:sp>
+      <p:sp>
+        <p:nvSpPr>
+          <p:cNvPr id="4" name="Espaço Reservado para Data 3">
+            <a:extLst>
+              <a:ext uri="{FF2B5EF4-FFF2-40B4-BE49-F238E27FC236}">
+                <a16:creationId xmlns:a16="http://schemas.microsoft.com/office/drawing/2014/main" id="{AA878FC1-C5B7-4669-95D3-2A90BF62AADD}"/>
               </a:ext>
             </a:extLst>
           </p:cNvPr>
@@ -15560,7 +19438,7 @@
           <a:lstStyle/>
           <a:p>
             <a:r>
-              <a:rPr lang="pt-BR"/>
+              <a:rPr lang="pt-BR" dirty="0"/>
               <a:t>30-jul-18</a:t>
             </a:r>
           </a:p>
@@ -15568,10 +19446,10 @@
       </p:sp>
       <p:sp>
         <p:nvSpPr>
-          <p:cNvPr id="3" name="Espaço Reservado para Rodapé 2">
-            <a:extLst>
-              <a:ext uri="{FF2B5EF4-FFF2-40B4-BE49-F238E27FC236}">
-                <a16:creationId xmlns:a16="http://schemas.microsoft.com/office/drawing/2014/main" id="{37AA3B48-AC65-4151-B1C9-DF3717B580F5}"/>
+          <p:cNvPr id="5" name="Espaço Reservado para Rodapé 4">
+            <a:extLst>
+              <a:ext uri="{FF2B5EF4-FFF2-40B4-BE49-F238E27FC236}">
+                <a16:creationId xmlns:a16="http://schemas.microsoft.com/office/drawing/2014/main" id="{6373A092-48F0-490B-B7FA-0A8BF66DF19D}"/>
               </a:ext>
             </a:extLst>
           </p:cNvPr>
@@ -15597,10 +19475,10 @@
       </p:sp>
       <p:sp>
         <p:nvSpPr>
-          <p:cNvPr id="4" name="Espaço Reservado para Número de Slide 3">
-            <a:extLst>
-              <a:ext uri="{FF2B5EF4-FFF2-40B4-BE49-F238E27FC236}">
-                <a16:creationId xmlns:a16="http://schemas.microsoft.com/office/drawing/2014/main" id="{9C55F005-6AC6-4A94-8953-F77E82F74A86}"/>
+          <p:cNvPr id="6" name="Espaço Reservado para Número de Slide 5">
+            <a:extLst>
+              <a:ext uri="{FF2B5EF4-FFF2-40B4-BE49-F238E27FC236}">
+                <a16:creationId xmlns:a16="http://schemas.microsoft.com/office/drawing/2014/main" id="{9E9B8146-1BA5-482E-A510-1C368A2D7C6F}"/>
               </a:ext>
             </a:extLst>
           </p:cNvPr>
@@ -15624,146 +19502,336 @@
           </a:p>
         </p:txBody>
       </p:sp>
-      <p:pic>
-        <p:nvPicPr>
-          <p:cNvPr id="9" name="Imagem 8">
-            <a:extLst>
-              <a:ext uri="{FF2B5EF4-FFF2-40B4-BE49-F238E27FC236}">
-                <a16:creationId xmlns:a16="http://schemas.microsoft.com/office/drawing/2014/main" id="{2CF10EA8-B2D2-4384-ACFA-12E474E44DF6}"/>
-              </a:ext>
-            </a:extLst>
-          </p:cNvPr>
-          <p:cNvPicPr>
-            <a:picLocks noChangeAspect="1"/>
-          </p:cNvPicPr>
+      <p:sp>
+        <p:nvSpPr>
+          <p:cNvPr id="9" name="Retângulo 8">
+            <a:extLst>
+              <a:ext uri="{FF2B5EF4-FFF2-40B4-BE49-F238E27FC236}">
+                <a16:creationId xmlns:a16="http://schemas.microsoft.com/office/drawing/2014/main" id="{2366A8E9-A3D1-4BA4-A454-08A66B073726}"/>
+              </a:ext>
+            </a:extLst>
+          </p:cNvPr>
+          <p:cNvSpPr/>
           <p:nvPr/>
-        </p:nvPicPr>
-        <p:blipFill>
-          <a:blip r:embed="rId2"/>
-          <a:stretch>
-            <a:fillRect/>
-          </a:stretch>
-        </p:blipFill>
+        </p:nvSpPr>
         <p:spPr>
           <a:xfrm>
-            <a:off x="2764213" y="3261809"/>
-            <a:ext cx="6220985" cy="3094541"/>
-          </a:xfrm>
-          <a:prstGeom prst="rect">
-            <a:avLst/>
-          </a:prstGeom>
-          <a:solidFill>
-            <a:srgbClr val="FFFFFF">
-              <a:shade val="85000"/>
-            </a:srgbClr>
-          </a:solidFill>
-          <a:ln w="88900" cap="sq">
-            <a:solidFill>
-              <a:srgbClr val="FFFFFF"/>
-            </a:solidFill>
-            <a:miter lim="800000"/>
-          </a:ln>
-          <a:effectLst>
-            <a:outerShdw blurRad="55000" dist="18000" dir="5400000" algn="tl" rotWithShape="0">
-              <a:srgbClr val="000000">
-                <a:alpha val="40000"/>
-              </a:srgbClr>
-            </a:outerShdw>
-          </a:effectLst>
-          <a:scene3d>
-            <a:camera prst="orthographicFront"/>
-            <a:lightRig rig="twoPt" dir="t">
-              <a:rot lat="0" lon="0" rev="7200000"/>
-            </a:lightRig>
-          </a:scene3d>
-          <a:sp3d>
-            <a:bevelT w="25400" h="19050"/>
-            <a:contourClr>
-              <a:srgbClr val="FFFFFF"/>
-            </a:contourClr>
-          </a:sp3d>
-        </p:spPr>
-      </p:pic>
-      <p:pic>
-        <p:nvPicPr>
-          <p:cNvPr id="5" name="Imagem 4">
-            <a:extLst>
-              <a:ext uri="{FF2B5EF4-FFF2-40B4-BE49-F238E27FC236}">
-                <a16:creationId xmlns:a16="http://schemas.microsoft.com/office/drawing/2014/main" id="{7A00FC3C-2189-4FDB-A844-0199226FD6CC}"/>
-              </a:ext>
-            </a:extLst>
-          </p:cNvPr>
-          <p:cNvPicPr>
-            <a:picLocks noChangeAspect="1"/>
-          </p:cNvPicPr>
-          <p:nvPr/>
-        </p:nvPicPr>
-        <p:blipFill>
-          <a:blip r:embed="rId3"/>
-          <a:stretch>
-            <a:fillRect/>
-          </a:stretch>
-        </p:blipFill>
-        <p:spPr>
-          <a:xfrm>
-            <a:off x="6938707" y="1660044"/>
-            <a:ext cx="4978159" cy="2900189"/>
-          </a:xfrm>
-          <a:prstGeom prst="rect">
-            <a:avLst/>
-          </a:prstGeom>
-          <a:ln>
-            <a:noFill/>
-          </a:ln>
-          <a:effectLst>
-            <a:outerShdw blurRad="190500" algn="tl" rotWithShape="0">
-              <a:srgbClr val="000000">
-                <a:alpha val="70000"/>
-              </a:srgbClr>
-            </a:outerShdw>
-          </a:effectLst>
-        </p:spPr>
-      </p:pic>
-      <p:pic>
-        <p:nvPicPr>
-          <p:cNvPr id="6" name="Imagem 5">
-            <a:extLst>
-              <a:ext uri="{FF2B5EF4-FFF2-40B4-BE49-F238E27FC236}">
-                <a16:creationId xmlns:a16="http://schemas.microsoft.com/office/drawing/2014/main" id="{D486747B-29DE-477F-905F-1AF19F5E3DDB}"/>
-              </a:ext>
-            </a:extLst>
-          </p:cNvPr>
-          <p:cNvPicPr>
-            <a:picLocks noChangeAspect="1"/>
-          </p:cNvPicPr>
-          <p:nvPr/>
-        </p:nvPicPr>
-        <p:blipFill>
-          <a:blip r:embed="rId4"/>
-          <a:stretch>
-            <a:fillRect/>
-          </a:stretch>
-        </p:blipFill>
-        <p:spPr>
-          <a:xfrm>
-            <a:off x="733425" y="2016340"/>
-            <a:ext cx="5695950" cy="2076450"/>
+            <a:off x="406754" y="1941833"/>
+            <a:ext cx="11862185" cy="4378122"/>
           </a:xfrm>
           <a:prstGeom prst="rect">
             <a:avLst/>
           </a:prstGeom>
         </p:spPr>
-      </p:pic>
+        <p:txBody>
+          <a:bodyPr wrap="square">
+            <a:spAutoFit/>
+          </a:bodyPr>
+          <a:lstStyle/>
+          <a:p>
+            <a:r>
+              <a:rPr lang="en-US" sz="2400" b="1" dirty="0">
+                <a:latin typeface="Courier New" panose="02070309020205020404" pitchFamily="49" charset="0"/>
+                <a:cs typeface="Courier New" panose="02070309020205020404" pitchFamily="49" charset="0"/>
+              </a:rPr>
+              <a:t>&lt;body&gt;</a:t>
+            </a:r>
+          </a:p>
+          <a:p>
+            <a:r>
+              <a:rPr lang="en-US" sz="2400" b="1" dirty="0">
+                <a:latin typeface="Courier New" panose="02070309020205020404" pitchFamily="49" charset="0"/>
+                <a:cs typeface="Courier New" panose="02070309020205020404" pitchFamily="49" charset="0"/>
+              </a:rPr>
+              <a:t>&lt;form id="signup" method="post" action=""&gt;</a:t>
+            </a:r>
+          </a:p>
+          <a:p>
+            <a:r>
+              <a:rPr lang="en-US" sz="2400" b="1" dirty="0">
+                <a:latin typeface="Courier New" panose="02070309020205020404" pitchFamily="49" charset="0"/>
+                <a:cs typeface="Courier New" panose="02070309020205020404" pitchFamily="49" charset="0"/>
+              </a:rPr>
+              <a:t>	&lt;div&gt;</a:t>
+            </a:r>
+          </a:p>
+          <a:p>
+            <a:r>
+              <a:rPr lang="en-US" sz="2400" b="1" dirty="0">
+                <a:latin typeface="Courier New" panose="02070309020205020404" pitchFamily="49" charset="0"/>
+                <a:cs typeface="Courier New" panose="02070309020205020404" pitchFamily="49" charset="0"/>
+              </a:rPr>
+              <a:t>        &lt;span  </a:t>
+            </a:r>
+            <a:r>
+              <a:rPr lang="en-US" sz="2400" b="1" dirty="0">
+                <a:solidFill>
+                  <a:schemeClr val="accent4">
+                    <a:lumMod val="75000"/>
+                  </a:schemeClr>
+                </a:solidFill>
+                <a:latin typeface="Courier New" panose="02070309020205020404" pitchFamily="49" charset="0"/>
+                <a:cs typeface="Courier New" panose="02070309020205020404" pitchFamily="49" charset="0"/>
+              </a:rPr>
+              <a:t>class</a:t>
+            </a:r>
+            <a:r>
+              <a:rPr lang="en-US" sz="2400" b="1" dirty="0">
+                <a:latin typeface="Courier New" panose="02070309020205020404" pitchFamily="49" charset="0"/>
+                <a:cs typeface="Courier New" panose="02070309020205020404" pitchFamily="49" charset="0"/>
+              </a:rPr>
+              <a:t>="</a:t>
+            </a:r>
+            <a:r>
+              <a:rPr lang="en-US" sz="2400" b="1" dirty="0">
+                <a:solidFill>
+                  <a:srgbClr val="6600FF"/>
+                </a:solidFill>
+                <a:latin typeface="Courier New" panose="02070309020205020404" pitchFamily="49" charset="0"/>
+                <a:cs typeface="Courier New" panose="02070309020205020404" pitchFamily="49" charset="0"/>
+              </a:rPr>
+              <a:t>label</a:t>
+            </a:r>
+            <a:r>
+              <a:rPr lang="en-US" sz="2400" b="1" dirty="0">
+                <a:latin typeface="Courier New" panose="02070309020205020404" pitchFamily="49" charset="0"/>
+                <a:cs typeface="Courier New" panose="02070309020205020404" pitchFamily="49" charset="0"/>
+              </a:rPr>
+              <a:t>"&gt;  </a:t>
+            </a:r>
+            <a:r>
+              <a:rPr lang="en-US" sz="2400" dirty="0">
+                <a:latin typeface="Courier New" panose="02070309020205020404" pitchFamily="49" charset="0"/>
+                <a:cs typeface="Courier New" panose="02070309020205020404" pitchFamily="49" charset="0"/>
+              </a:rPr>
+              <a:t>User Id * </a:t>
+            </a:r>
+            <a:r>
+              <a:rPr lang="en-US" sz="2400" b="1" dirty="0">
+                <a:latin typeface="Courier New" panose="02070309020205020404" pitchFamily="49" charset="0"/>
+                <a:cs typeface="Courier New" panose="02070309020205020404" pitchFamily="49" charset="0"/>
+              </a:rPr>
+              <a:t>&lt;/span&gt;</a:t>
+            </a:r>
+          </a:p>
+          <a:p>
+            <a:r>
+              <a:rPr lang="en-US" sz="2400" b="1" dirty="0">
+                <a:latin typeface="Courier New" panose="02070309020205020404" pitchFamily="49" charset="0"/>
+                <a:cs typeface="Courier New" panose="02070309020205020404" pitchFamily="49" charset="0"/>
+              </a:rPr>
+              <a:t>	   &lt;input </a:t>
+            </a:r>
+            <a:r>
+              <a:rPr lang="en-US" sz="2400" b="1" dirty="0">
+                <a:solidFill>
+                  <a:schemeClr val="accent4">
+                    <a:lumMod val="75000"/>
+                  </a:schemeClr>
+                </a:solidFill>
+                <a:latin typeface="Courier New" panose="02070309020205020404" pitchFamily="49" charset="0"/>
+                <a:cs typeface="Courier New" panose="02070309020205020404" pitchFamily="49" charset="0"/>
+              </a:rPr>
+              <a:t>class</a:t>
+            </a:r>
+            <a:r>
+              <a:rPr lang="en-US" sz="2400" b="1" dirty="0">
+                <a:latin typeface="Courier New" panose="02070309020205020404" pitchFamily="49" charset="0"/>
+                <a:cs typeface="Courier New" panose="02070309020205020404" pitchFamily="49" charset="0"/>
+              </a:rPr>
+              <a:t>="</a:t>
+            </a:r>
+            <a:r>
+              <a:rPr lang="en-US" sz="2400" b="1" dirty="0" err="1">
+                <a:solidFill>
+                  <a:srgbClr val="6600FF"/>
+                </a:solidFill>
+                <a:latin typeface="Courier New" panose="02070309020205020404" pitchFamily="49" charset="0"/>
+                <a:cs typeface="Courier New" panose="02070309020205020404" pitchFamily="49" charset="0"/>
+              </a:rPr>
+              <a:t>infobox</a:t>
+            </a:r>
+            <a:r>
+              <a:rPr lang="en-US" sz="2400" b="1" dirty="0">
+                <a:latin typeface="Courier New" panose="02070309020205020404" pitchFamily="49" charset="0"/>
+                <a:cs typeface="Courier New" panose="02070309020205020404" pitchFamily="49" charset="0"/>
+              </a:rPr>
+              <a:t>" type="text" name="</a:t>
+            </a:r>
+            <a:r>
+              <a:rPr lang="en-US" sz="2400" b="1" dirty="0" err="1">
+                <a:latin typeface="Courier New" panose="02070309020205020404" pitchFamily="49" charset="0"/>
+                <a:cs typeface="Courier New" panose="02070309020205020404" pitchFamily="49" charset="0"/>
+              </a:rPr>
+              <a:t>userid</a:t>
+            </a:r>
+            <a:r>
+              <a:rPr lang="en-US" sz="2400" b="1" dirty="0">
+                <a:latin typeface="Courier New" panose="02070309020205020404" pitchFamily="49" charset="0"/>
+                <a:cs typeface="Courier New" panose="02070309020205020404" pitchFamily="49" charset="0"/>
+              </a:rPr>
+              <a:t>"/&gt;   </a:t>
+            </a:r>
+          </a:p>
+          <a:p>
+            <a:r>
+              <a:rPr lang="en-US" sz="2400" b="1" dirty="0">
+                <a:latin typeface="Courier New" panose="02070309020205020404" pitchFamily="49" charset="0"/>
+                <a:cs typeface="Courier New" panose="02070309020205020404" pitchFamily="49" charset="0"/>
+              </a:rPr>
+              <a:t>        &lt;span  </a:t>
+            </a:r>
+            <a:r>
+              <a:rPr lang="en-US" sz="2400" b="1" dirty="0">
+                <a:solidFill>
+                  <a:schemeClr val="accent4">
+                    <a:lumMod val="75000"/>
+                  </a:schemeClr>
+                </a:solidFill>
+                <a:latin typeface="Courier New" panose="02070309020205020404" pitchFamily="49" charset="0"/>
+                <a:cs typeface="Courier New" panose="02070309020205020404" pitchFamily="49" charset="0"/>
+              </a:rPr>
+              <a:t>class</a:t>
+            </a:r>
+            <a:r>
+              <a:rPr lang="en-US" sz="2400" b="1" dirty="0">
+                <a:latin typeface="Courier New" panose="02070309020205020404" pitchFamily="49" charset="0"/>
+                <a:cs typeface="Courier New" panose="02070309020205020404" pitchFamily="49" charset="0"/>
+              </a:rPr>
+              <a:t>="</a:t>
+            </a:r>
+            <a:r>
+              <a:rPr lang="en-US" sz="2400" b="1" dirty="0">
+                <a:solidFill>
+                  <a:srgbClr val="6600FF"/>
+                </a:solidFill>
+                <a:latin typeface="Courier New" panose="02070309020205020404" pitchFamily="49" charset="0"/>
+                <a:cs typeface="Courier New" panose="02070309020205020404" pitchFamily="49" charset="0"/>
+              </a:rPr>
+              <a:t>error</a:t>
+            </a:r>
+            <a:r>
+              <a:rPr lang="en-US" sz="2400" b="1" dirty="0">
+                <a:latin typeface="Courier New" panose="02070309020205020404" pitchFamily="49" charset="0"/>
+                <a:cs typeface="Courier New" panose="02070309020205020404" pitchFamily="49" charset="0"/>
+              </a:rPr>
+              <a:t>"&gt; </a:t>
+            </a:r>
+            <a:r>
+              <a:rPr lang="en-US" sz="2400" dirty="0">
+                <a:latin typeface="Courier New" panose="02070309020205020404" pitchFamily="49" charset="0"/>
+                <a:cs typeface="Courier New" panose="02070309020205020404" pitchFamily="49" charset="0"/>
+              </a:rPr>
+              <a:t>This field cannot be blank</a:t>
+            </a:r>
+            <a:r>
+              <a:rPr lang="en-US" sz="2400" b="1" dirty="0">
+                <a:latin typeface="Courier New" panose="02070309020205020404" pitchFamily="49" charset="0"/>
+                <a:cs typeface="Courier New" panose="02070309020205020404" pitchFamily="49" charset="0"/>
+              </a:rPr>
+              <a:t>&lt;/span&gt;</a:t>
+            </a:r>
+          </a:p>
+          <a:p>
+            <a:r>
+              <a:rPr lang="en-US" sz="2400" b="1" dirty="0">
+                <a:latin typeface="Courier New" panose="02070309020205020404" pitchFamily="49" charset="0"/>
+                <a:cs typeface="Courier New" panose="02070309020205020404" pitchFamily="49" charset="0"/>
+              </a:rPr>
+              <a:t>     &lt;/div&gt;</a:t>
+            </a:r>
+          </a:p>
+          <a:p>
+            <a:r>
+              <a:rPr lang="en-US" sz="2400" b="1" dirty="0">
+                <a:latin typeface="Courier New" panose="02070309020205020404" pitchFamily="49" charset="0"/>
+                <a:cs typeface="Courier New" panose="02070309020205020404" pitchFamily="49" charset="0"/>
+              </a:rPr>
+              <a:t>     &lt;input    </a:t>
+            </a:r>
+            <a:r>
+              <a:rPr lang="en-US" sz="2400" b="1" dirty="0">
+                <a:solidFill>
+                  <a:schemeClr val="accent4">
+                    <a:lumMod val="75000"/>
+                  </a:schemeClr>
+                </a:solidFill>
+                <a:latin typeface="Courier New" panose="02070309020205020404" pitchFamily="49" charset="0"/>
+                <a:cs typeface="Courier New" panose="02070309020205020404" pitchFamily="49" charset="0"/>
+              </a:rPr>
+              <a:t>class</a:t>
+            </a:r>
+            <a:r>
+              <a:rPr lang="en-US" sz="2400" b="1" dirty="0">
+                <a:latin typeface="Courier New" panose="02070309020205020404" pitchFamily="49" charset="0"/>
+                <a:cs typeface="Courier New" panose="02070309020205020404" pitchFamily="49" charset="0"/>
+              </a:rPr>
+              <a:t>="</a:t>
+            </a:r>
+            <a:r>
+              <a:rPr lang="en-US" sz="2400" b="1" u="sng" dirty="0">
+                <a:solidFill>
+                  <a:srgbClr val="6600FF"/>
+                </a:solidFill>
+                <a:latin typeface="Courier New" panose="02070309020205020404" pitchFamily="49" charset="0"/>
+                <a:cs typeface="Courier New" panose="02070309020205020404" pitchFamily="49" charset="0"/>
+              </a:rPr>
+              <a:t>submit</a:t>
+            </a:r>
+            <a:r>
+              <a:rPr lang="en-US" sz="2400" b="1" dirty="0">
+                <a:latin typeface="Courier New" panose="02070309020205020404" pitchFamily="49" charset="0"/>
+                <a:cs typeface="Courier New" panose="02070309020205020404" pitchFamily="49" charset="0"/>
+              </a:rPr>
+              <a:t>" type="submit" value="Submit"&gt;</a:t>
+            </a:r>
+          </a:p>
+          <a:p>
+            <a:r>
+              <a:rPr lang="en-US" sz="2400" b="1" dirty="0">
+                <a:latin typeface="Courier New" panose="02070309020205020404" pitchFamily="49" charset="0"/>
+                <a:cs typeface="Courier New" panose="02070309020205020404" pitchFamily="49" charset="0"/>
+              </a:rPr>
+              <a:t>&lt;/form&gt;</a:t>
+            </a:r>
+          </a:p>
+          <a:p>
+            <a:r>
+              <a:rPr lang="en-US" sz="2400" b="1" dirty="0">
+                <a:latin typeface="Courier New" panose="02070309020205020404" pitchFamily="49" charset="0"/>
+                <a:cs typeface="Courier New" panose="02070309020205020404" pitchFamily="49" charset="0"/>
+              </a:rPr>
+              <a:t>&lt;/body&gt;</a:t>
+            </a:r>
+          </a:p>
+          <a:p>
+            <a:pPr marL="742950" lvl="1" indent="-285750">
+              <a:lnSpc>
+                <a:spcPct val="150000"/>
+              </a:lnSpc>
+              <a:buFont typeface="Arial" panose="020B0604020202020204" pitchFamily="34" charset="0"/>
+              <a:buChar char="•"/>
+            </a:pPr>
+            <a:endParaRPr lang="en-US" sz="2800" dirty="0">
+              <a:latin typeface="Courier New" panose="02070309020205020404" pitchFamily="49" charset="0"/>
+              <a:cs typeface="Courier New" panose="02070309020205020404" pitchFamily="49" charset="0"/>
+            </a:endParaRPr>
+          </a:p>
+        </p:txBody>
+      </p:sp>
     </p:spTree>
     <p:extLst>
       <p:ext uri="{BB962C8B-B14F-4D97-AF65-F5344CB8AC3E}">
-        <p14:creationId xmlns:p14="http://schemas.microsoft.com/office/powerpoint/2010/main" val="3647903330"/>
+        <p14:creationId xmlns:p14="http://schemas.microsoft.com/office/powerpoint/2010/main" val="1633125137"/>
       </p:ext>
     </p:extLst>
   </p:cSld>
   <p:clrMapOvr>
     <a:masterClrMapping/>
   </p:clrMapOvr>
+  <p:transition spd="med">
+    <p:strips dir="rd"/>
+  </p:transition>
 </p:sld>
 </file>
 

--- a/TECNOLOGIAS PARA INTERNET II/SLIDES/TI-2_Aula_03.pptx
+++ b/TECNOLOGIAS PARA INTERNET II/SLIDES/TI-2_Aula_03.pptx
@@ -18048,7 +18048,7 @@
                 <a:latin typeface="Courier New" panose="02070309020205020404" pitchFamily="49" charset="0"/>
                 <a:cs typeface="Courier New" panose="02070309020205020404" pitchFamily="49" charset="0"/>
               </a:rPr>
-              <a:t>attrib</a:t>
+              <a:t>attr</a:t>
             </a:r>
             <a:r>
               <a:rPr lang="en-US" sz="3200" dirty="0">
